--- a/slides/08_polymorphism_equals_toString_pbv_pbr.pptx
+++ b/slides/08_polymorphism_equals_toString_pbv_pbr.pptx
@@ -358,104 +358,239 @@
             <a:noAutofit/>
           </a:bodyPr>
           <a:lstStyle>
-            <a:lvl1pPr indent="-298450" lvl="0" marL="457200">
-              <a:spcBef>
-                <a:spcPts val="0"/>
-              </a:spcBef>
-              <a:spcAft>
-                <a:spcPts val="0"/>
-              </a:spcAft>
+            <a:lvl1pPr indent="-298450" lvl="0" marL="457200" marR="0" rtl="0" algn="l">
+              <a:lnSpc>
+                <a:spcPct val="100000"/>
+              </a:lnSpc>
+              <a:spcBef>
+                <a:spcPts val="0"/>
+              </a:spcBef>
+              <a:spcAft>
+                <a:spcPts val="0"/>
+              </a:spcAft>
+              <a:buClr>
+                <a:srgbClr val="000000"/>
+              </a:buClr>
               <a:buSzPts val="1100"/>
+              <a:buFont typeface="Arial"/>
               <a:buChar char="●"/>
-              <a:defRPr sz="1100"/>
+              <a:defRPr b="0" i="0" sz="1100" u="none" cap="none" strike="noStrike">
+                <a:solidFill>
+                  <a:srgbClr val="000000"/>
+                </a:solidFill>
+                <a:latin typeface="Arial"/>
+                <a:ea typeface="Arial"/>
+                <a:cs typeface="Arial"/>
+                <a:sym typeface="Arial"/>
+              </a:defRPr>
             </a:lvl1pPr>
-            <a:lvl2pPr indent="-298450" lvl="1" marL="914400">
-              <a:spcBef>
-                <a:spcPts val="0"/>
-              </a:spcBef>
-              <a:spcAft>
-                <a:spcPts val="0"/>
-              </a:spcAft>
+            <a:lvl2pPr indent="-298450" lvl="1" marL="914400" marR="0" rtl="0" algn="l">
+              <a:lnSpc>
+                <a:spcPct val="100000"/>
+              </a:lnSpc>
+              <a:spcBef>
+                <a:spcPts val="0"/>
+              </a:spcBef>
+              <a:spcAft>
+                <a:spcPts val="0"/>
+              </a:spcAft>
+              <a:buClr>
+                <a:srgbClr val="000000"/>
+              </a:buClr>
               <a:buSzPts val="1100"/>
+              <a:buFont typeface="Arial"/>
               <a:buChar char="○"/>
-              <a:defRPr sz="1100"/>
+              <a:defRPr b="0" i="0" sz="1100" u="none" cap="none" strike="noStrike">
+                <a:solidFill>
+                  <a:srgbClr val="000000"/>
+                </a:solidFill>
+                <a:latin typeface="Arial"/>
+                <a:ea typeface="Arial"/>
+                <a:cs typeface="Arial"/>
+                <a:sym typeface="Arial"/>
+              </a:defRPr>
             </a:lvl2pPr>
-            <a:lvl3pPr indent="-298450" lvl="2" marL="1371600">
-              <a:spcBef>
-                <a:spcPts val="0"/>
-              </a:spcBef>
-              <a:spcAft>
-                <a:spcPts val="0"/>
-              </a:spcAft>
+            <a:lvl3pPr indent="-298450" lvl="2" marL="1371600" marR="0" rtl="0" algn="l">
+              <a:lnSpc>
+                <a:spcPct val="100000"/>
+              </a:lnSpc>
+              <a:spcBef>
+                <a:spcPts val="0"/>
+              </a:spcBef>
+              <a:spcAft>
+                <a:spcPts val="0"/>
+              </a:spcAft>
+              <a:buClr>
+                <a:srgbClr val="000000"/>
+              </a:buClr>
               <a:buSzPts val="1100"/>
+              <a:buFont typeface="Arial"/>
               <a:buChar char="■"/>
-              <a:defRPr sz="1100"/>
+              <a:defRPr b="0" i="0" sz="1100" u="none" cap="none" strike="noStrike">
+                <a:solidFill>
+                  <a:srgbClr val="000000"/>
+                </a:solidFill>
+                <a:latin typeface="Arial"/>
+                <a:ea typeface="Arial"/>
+                <a:cs typeface="Arial"/>
+                <a:sym typeface="Arial"/>
+              </a:defRPr>
             </a:lvl3pPr>
-            <a:lvl4pPr indent="-298450" lvl="3" marL="1828800">
-              <a:spcBef>
-                <a:spcPts val="0"/>
-              </a:spcBef>
-              <a:spcAft>
-                <a:spcPts val="0"/>
-              </a:spcAft>
+            <a:lvl4pPr indent="-298450" lvl="3" marL="1828800" marR="0" rtl="0" algn="l">
+              <a:lnSpc>
+                <a:spcPct val="100000"/>
+              </a:lnSpc>
+              <a:spcBef>
+                <a:spcPts val="0"/>
+              </a:spcBef>
+              <a:spcAft>
+                <a:spcPts val="0"/>
+              </a:spcAft>
+              <a:buClr>
+                <a:srgbClr val="000000"/>
+              </a:buClr>
               <a:buSzPts val="1100"/>
+              <a:buFont typeface="Arial"/>
               <a:buChar char="●"/>
-              <a:defRPr sz="1100"/>
+              <a:defRPr b="0" i="0" sz="1100" u="none" cap="none" strike="noStrike">
+                <a:solidFill>
+                  <a:srgbClr val="000000"/>
+                </a:solidFill>
+                <a:latin typeface="Arial"/>
+                <a:ea typeface="Arial"/>
+                <a:cs typeface="Arial"/>
+                <a:sym typeface="Arial"/>
+              </a:defRPr>
             </a:lvl4pPr>
-            <a:lvl5pPr indent="-298450" lvl="4" marL="2286000">
-              <a:spcBef>
-                <a:spcPts val="0"/>
-              </a:spcBef>
-              <a:spcAft>
-                <a:spcPts val="0"/>
-              </a:spcAft>
+            <a:lvl5pPr indent="-298450" lvl="4" marL="2286000" marR="0" rtl="0" algn="l">
+              <a:lnSpc>
+                <a:spcPct val="100000"/>
+              </a:lnSpc>
+              <a:spcBef>
+                <a:spcPts val="0"/>
+              </a:spcBef>
+              <a:spcAft>
+                <a:spcPts val="0"/>
+              </a:spcAft>
+              <a:buClr>
+                <a:srgbClr val="000000"/>
+              </a:buClr>
               <a:buSzPts val="1100"/>
+              <a:buFont typeface="Arial"/>
               <a:buChar char="○"/>
-              <a:defRPr sz="1100"/>
+              <a:defRPr b="0" i="0" sz="1100" u="none" cap="none" strike="noStrike">
+                <a:solidFill>
+                  <a:srgbClr val="000000"/>
+                </a:solidFill>
+                <a:latin typeface="Arial"/>
+                <a:ea typeface="Arial"/>
+                <a:cs typeface="Arial"/>
+                <a:sym typeface="Arial"/>
+              </a:defRPr>
             </a:lvl5pPr>
-            <a:lvl6pPr indent="-298450" lvl="5" marL="2743200">
-              <a:spcBef>
-                <a:spcPts val="0"/>
-              </a:spcBef>
-              <a:spcAft>
-                <a:spcPts val="0"/>
-              </a:spcAft>
+            <a:lvl6pPr indent="-298450" lvl="5" marL="2743200" marR="0" rtl="0" algn="l">
+              <a:lnSpc>
+                <a:spcPct val="100000"/>
+              </a:lnSpc>
+              <a:spcBef>
+                <a:spcPts val="0"/>
+              </a:spcBef>
+              <a:spcAft>
+                <a:spcPts val="0"/>
+              </a:spcAft>
+              <a:buClr>
+                <a:srgbClr val="000000"/>
+              </a:buClr>
               <a:buSzPts val="1100"/>
+              <a:buFont typeface="Arial"/>
               <a:buChar char="■"/>
-              <a:defRPr sz="1100"/>
+              <a:defRPr b="0" i="0" sz="1100" u="none" cap="none" strike="noStrike">
+                <a:solidFill>
+                  <a:srgbClr val="000000"/>
+                </a:solidFill>
+                <a:latin typeface="Arial"/>
+                <a:ea typeface="Arial"/>
+                <a:cs typeface="Arial"/>
+                <a:sym typeface="Arial"/>
+              </a:defRPr>
             </a:lvl6pPr>
-            <a:lvl7pPr indent="-298450" lvl="6" marL="3200400">
-              <a:spcBef>
-                <a:spcPts val="0"/>
-              </a:spcBef>
-              <a:spcAft>
-                <a:spcPts val="0"/>
-              </a:spcAft>
+            <a:lvl7pPr indent="-298450" lvl="6" marL="3200400" marR="0" rtl="0" algn="l">
+              <a:lnSpc>
+                <a:spcPct val="100000"/>
+              </a:lnSpc>
+              <a:spcBef>
+                <a:spcPts val="0"/>
+              </a:spcBef>
+              <a:spcAft>
+                <a:spcPts val="0"/>
+              </a:spcAft>
+              <a:buClr>
+                <a:srgbClr val="000000"/>
+              </a:buClr>
               <a:buSzPts val="1100"/>
+              <a:buFont typeface="Arial"/>
               <a:buChar char="●"/>
-              <a:defRPr sz="1100"/>
+              <a:defRPr b="0" i="0" sz="1100" u="none" cap="none" strike="noStrike">
+                <a:solidFill>
+                  <a:srgbClr val="000000"/>
+                </a:solidFill>
+                <a:latin typeface="Arial"/>
+                <a:ea typeface="Arial"/>
+                <a:cs typeface="Arial"/>
+                <a:sym typeface="Arial"/>
+              </a:defRPr>
             </a:lvl7pPr>
-            <a:lvl8pPr indent="-298450" lvl="7" marL="3657600">
-              <a:spcBef>
-                <a:spcPts val="0"/>
-              </a:spcBef>
-              <a:spcAft>
-                <a:spcPts val="0"/>
-              </a:spcAft>
+            <a:lvl8pPr indent="-298450" lvl="7" marL="3657600" marR="0" rtl="0" algn="l">
+              <a:lnSpc>
+                <a:spcPct val="100000"/>
+              </a:lnSpc>
+              <a:spcBef>
+                <a:spcPts val="0"/>
+              </a:spcBef>
+              <a:spcAft>
+                <a:spcPts val="0"/>
+              </a:spcAft>
+              <a:buClr>
+                <a:srgbClr val="000000"/>
+              </a:buClr>
               <a:buSzPts val="1100"/>
+              <a:buFont typeface="Arial"/>
               <a:buChar char="○"/>
-              <a:defRPr sz="1100"/>
+              <a:defRPr b="0" i="0" sz="1100" u="none" cap="none" strike="noStrike">
+                <a:solidFill>
+                  <a:srgbClr val="000000"/>
+                </a:solidFill>
+                <a:latin typeface="Arial"/>
+                <a:ea typeface="Arial"/>
+                <a:cs typeface="Arial"/>
+                <a:sym typeface="Arial"/>
+              </a:defRPr>
             </a:lvl8pPr>
-            <a:lvl9pPr indent="-298450" lvl="8" marL="4114800">
-              <a:spcBef>
-                <a:spcPts val="0"/>
-              </a:spcBef>
-              <a:spcAft>
-                <a:spcPts val="0"/>
-              </a:spcAft>
+            <a:lvl9pPr indent="-298450" lvl="8" marL="4114800" marR="0" rtl="0" algn="l">
+              <a:lnSpc>
+                <a:spcPct val="100000"/>
+              </a:lnSpc>
+              <a:spcBef>
+                <a:spcPts val="0"/>
+              </a:spcBef>
+              <a:spcAft>
+                <a:spcPts val="0"/>
+              </a:spcAft>
+              <a:buClr>
+                <a:srgbClr val="000000"/>
+              </a:buClr>
               <a:buSzPts val="1100"/>
+              <a:buFont typeface="Arial"/>
               <a:buChar char="■"/>
-              <a:defRPr sz="1100"/>
+              <a:defRPr b="0" i="0" sz="1100" u="none" cap="none" strike="noStrike">
+                <a:solidFill>
+                  <a:srgbClr val="000000"/>
+                </a:solidFill>
+                <a:latin typeface="Arial"/>
+                <a:ea typeface="Arial"/>
+                <a:cs typeface="Arial"/>
+                <a:sym typeface="Arial"/>
+              </a:defRPr>
             </a:lvl9pPr>
           </a:lstStyle>
           <a:p/>
@@ -715,7 +850,7 @@
       </p:grpSpPr>
       <p:sp>
         <p:nvSpPr>
-          <p:cNvPr id="81" name="Google Shape;81;p:notes"/>
+          <p:cNvPr id="81" name="Google Shape;81;p1:notes"/>
           <p:cNvSpPr/>
           <p:nvPr>
             <p:ph idx="2" type="sldImg"/>
@@ -746,11 +881,21 @@
               </a:path>
             </a:pathLst>
           </a:custGeom>
+          <a:noFill/>
+          <a:ln cap="flat" cmpd="sng" w="9525">
+            <a:solidFill>
+              <a:srgbClr val="000000"/>
+            </a:solidFill>
+            <a:prstDash val="solid"/>
+            <a:round/>
+            <a:headEnd len="sm" w="sm" type="none"/>
+            <a:tailEnd len="sm" w="sm" type="none"/>
+          </a:ln>
         </p:spPr>
       </p:sp>
       <p:sp>
         <p:nvSpPr>
-          <p:cNvPr id="82" name="Google Shape;82;p:notes"/>
+          <p:cNvPr id="82" name="Google Shape;82;p1:notes"/>
           <p:cNvSpPr txBox="1"/>
           <p:nvPr>
             <p:ph idx="1" type="body"/>
@@ -764,6 +909,10 @@
           <a:prstGeom prst="rect">
             <a:avLst/>
           </a:prstGeom>
+          <a:noFill/>
+          <a:ln>
+            <a:noFill/>
+          </a:ln>
         </p:spPr>
         <p:txBody>
           <a:bodyPr anchorCtr="0" anchor="t" bIns="91425" lIns="91425" spcFirstLastPara="1" rIns="91425" wrap="square" tIns="91425">
@@ -772,12 +921,16 @@
           <a:lstStyle/>
           <a:p>
             <a:pPr indent="0" lvl="0" marL="0" rtl="0" algn="l">
-              <a:spcBef>
-                <a:spcPts val="0"/>
-              </a:spcBef>
-              <a:spcAft>
-                <a:spcPts val="0"/>
-              </a:spcAft>
+              <a:lnSpc>
+                <a:spcPct val="100000"/>
+              </a:lnSpc>
+              <a:spcBef>
+                <a:spcPts val="0"/>
+              </a:spcBef>
+              <a:spcAft>
+                <a:spcPts val="0"/>
+              </a:spcAft>
+              <a:buSzPts val="1100"/>
               <a:buNone/>
             </a:pPr>
             <a:r>
@@ -814,7 +967,7 @@
       </p:grpSpPr>
       <p:sp>
         <p:nvSpPr>
-          <p:cNvPr id="152" name="Google Shape;152;gf74ff1cc69_0_141:notes"/>
+          <p:cNvPr id="152" name="Google Shape;152;p10:notes"/>
           <p:cNvSpPr/>
           <p:nvPr>
             <p:ph idx="2" type="sldImg"/>
@@ -845,11 +998,21 @@
               </a:path>
             </a:pathLst>
           </a:custGeom>
+          <a:noFill/>
+          <a:ln cap="flat" cmpd="sng" w="9525">
+            <a:solidFill>
+              <a:srgbClr val="000000"/>
+            </a:solidFill>
+            <a:prstDash val="solid"/>
+            <a:round/>
+            <a:headEnd len="sm" w="sm" type="none"/>
+            <a:tailEnd len="sm" w="sm" type="none"/>
+          </a:ln>
         </p:spPr>
       </p:sp>
       <p:sp>
         <p:nvSpPr>
-          <p:cNvPr id="153" name="Google Shape;153;gf74ff1cc69_0_141:notes"/>
+          <p:cNvPr id="153" name="Google Shape;153;p10:notes"/>
           <p:cNvSpPr txBox="1"/>
           <p:nvPr>
             <p:ph idx="1" type="body"/>
@@ -863,6 +1026,10 @@
           <a:prstGeom prst="rect">
             <a:avLst/>
           </a:prstGeom>
+          <a:noFill/>
+          <a:ln>
+            <a:noFill/>
+          </a:ln>
         </p:spPr>
         <p:txBody>
           <a:bodyPr anchorCtr="0" anchor="t" bIns="91425" lIns="91425" spcFirstLastPara="1" rIns="91425" wrap="square" tIns="91425">
@@ -871,12 +1038,16 @@
           <a:lstStyle/>
           <a:p>
             <a:pPr indent="0" lvl="0" marL="0" rtl="0" algn="l">
-              <a:spcBef>
-                <a:spcPts val="0"/>
-              </a:spcBef>
-              <a:spcAft>
-                <a:spcPts val="0"/>
-              </a:spcAft>
+              <a:lnSpc>
+                <a:spcPct val="100000"/>
+              </a:lnSpc>
+              <a:spcBef>
+                <a:spcPts val="0"/>
+              </a:spcBef>
+              <a:spcAft>
+                <a:spcPts val="0"/>
+              </a:spcAft>
+              <a:buSzPts val="1100"/>
               <a:buNone/>
             </a:pPr>
             <a:r>
@@ -913,7 +1084,7 @@
       </p:grpSpPr>
       <p:sp>
         <p:nvSpPr>
-          <p:cNvPr id="158" name="Google Shape;158;gf74ff1cc69_0_146:notes"/>
+          <p:cNvPr id="158" name="Google Shape;158;p11:notes"/>
           <p:cNvSpPr/>
           <p:nvPr>
             <p:ph idx="2" type="sldImg"/>
@@ -944,11 +1115,21 @@
               </a:path>
             </a:pathLst>
           </a:custGeom>
+          <a:noFill/>
+          <a:ln cap="flat" cmpd="sng" w="9525">
+            <a:solidFill>
+              <a:srgbClr val="000000"/>
+            </a:solidFill>
+            <a:prstDash val="solid"/>
+            <a:round/>
+            <a:headEnd len="sm" w="sm" type="none"/>
+            <a:tailEnd len="sm" w="sm" type="none"/>
+          </a:ln>
         </p:spPr>
       </p:sp>
       <p:sp>
         <p:nvSpPr>
-          <p:cNvPr id="159" name="Google Shape;159;gf74ff1cc69_0_146:notes"/>
+          <p:cNvPr id="159" name="Google Shape;159;p11:notes"/>
           <p:cNvSpPr txBox="1"/>
           <p:nvPr>
             <p:ph idx="1" type="body"/>
@@ -962,6 +1143,10 @@
           <a:prstGeom prst="rect">
             <a:avLst/>
           </a:prstGeom>
+          <a:noFill/>
+          <a:ln>
+            <a:noFill/>
+          </a:ln>
         </p:spPr>
         <p:txBody>
           <a:bodyPr anchorCtr="0" anchor="t" bIns="91425" lIns="91425" spcFirstLastPara="1" rIns="91425" wrap="square" tIns="91425">
@@ -970,12 +1155,16 @@
           <a:lstStyle/>
           <a:p>
             <a:pPr indent="0" lvl="0" marL="0" rtl="0" algn="l">
-              <a:spcBef>
-                <a:spcPts val="0"/>
-              </a:spcBef>
-              <a:spcAft>
-                <a:spcPts val="0"/>
-              </a:spcAft>
+              <a:lnSpc>
+                <a:spcPct val="100000"/>
+              </a:lnSpc>
+              <a:spcBef>
+                <a:spcPts val="0"/>
+              </a:spcBef>
+              <a:spcAft>
+                <a:spcPts val="0"/>
+              </a:spcAft>
+              <a:buSzPts val="1100"/>
               <a:buNone/>
             </a:pPr>
             <a:r>
@@ -1012,7 +1201,7 @@
       </p:grpSpPr>
       <p:sp>
         <p:nvSpPr>
-          <p:cNvPr id="87" name="Google Shape;87;gf74ff1cc69_0_75:notes"/>
+          <p:cNvPr id="87" name="Google Shape;87;p2:notes"/>
           <p:cNvSpPr/>
           <p:nvPr>
             <p:ph idx="2" type="sldImg"/>
@@ -1043,11 +1232,21 @@
               </a:path>
             </a:pathLst>
           </a:custGeom>
+          <a:noFill/>
+          <a:ln cap="flat" cmpd="sng" w="9525">
+            <a:solidFill>
+              <a:srgbClr val="000000"/>
+            </a:solidFill>
+            <a:prstDash val="solid"/>
+            <a:round/>
+            <a:headEnd len="sm" w="sm" type="none"/>
+            <a:tailEnd len="sm" w="sm" type="none"/>
+          </a:ln>
         </p:spPr>
       </p:sp>
       <p:sp>
         <p:nvSpPr>
-          <p:cNvPr id="88" name="Google Shape;88;gf74ff1cc69_0_75:notes"/>
+          <p:cNvPr id="88" name="Google Shape;88;p2:notes"/>
           <p:cNvSpPr txBox="1"/>
           <p:nvPr>
             <p:ph idx="1" type="body"/>
@@ -1061,6 +1260,10 @@
           <a:prstGeom prst="rect">
             <a:avLst/>
           </a:prstGeom>
+          <a:noFill/>
+          <a:ln>
+            <a:noFill/>
+          </a:ln>
         </p:spPr>
         <p:txBody>
           <a:bodyPr anchorCtr="0" anchor="t" bIns="91425" lIns="91425" spcFirstLastPara="1" rIns="91425" wrap="square" tIns="91425">
@@ -1069,12 +1272,16 @@
           <a:lstStyle/>
           <a:p>
             <a:pPr indent="0" lvl="0" marL="0" rtl="0" algn="l">
-              <a:spcBef>
-                <a:spcPts val="0"/>
-              </a:spcBef>
-              <a:spcAft>
-                <a:spcPts val="0"/>
-              </a:spcAft>
+              <a:lnSpc>
+                <a:spcPct val="100000"/>
+              </a:lnSpc>
+              <a:spcBef>
+                <a:spcPts val="0"/>
+              </a:spcBef>
+              <a:spcAft>
+                <a:spcPts val="0"/>
+              </a:spcAft>
+              <a:buSzPts val="1100"/>
               <a:buNone/>
             </a:pPr>
             <a:r>
@@ -1111,7 +1318,7 @@
       </p:grpSpPr>
       <p:sp>
         <p:nvSpPr>
-          <p:cNvPr id="93" name="Google Shape;93;gf74ff1cc69_0_81:notes"/>
+          <p:cNvPr id="93" name="Google Shape;93;p3:notes"/>
           <p:cNvSpPr/>
           <p:nvPr>
             <p:ph idx="2" type="sldImg"/>
@@ -1142,11 +1349,21 @@
               </a:path>
             </a:pathLst>
           </a:custGeom>
+          <a:noFill/>
+          <a:ln cap="flat" cmpd="sng" w="9525">
+            <a:solidFill>
+              <a:srgbClr val="000000"/>
+            </a:solidFill>
+            <a:prstDash val="solid"/>
+            <a:round/>
+            <a:headEnd len="sm" w="sm" type="none"/>
+            <a:tailEnd len="sm" w="sm" type="none"/>
+          </a:ln>
         </p:spPr>
       </p:sp>
       <p:sp>
         <p:nvSpPr>
-          <p:cNvPr id="94" name="Google Shape;94;gf74ff1cc69_0_81:notes"/>
+          <p:cNvPr id="94" name="Google Shape;94;p3:notes"/>
           <p:cNvSpPr txBox="1"/>
           <p:nvPr>
             <p:ph idx="1" type="body"/>
@@ -1160,6 +1377,10 @@
           <a:prstGeom prst="rect">
             <a:avLst/>
           </a:prstGeom>
+          <a:noFill/>
+          <a:ln>
+            <a:noFill/>
+          </a:ln>
         </p:spPr>
         <p:txBody>
           <a:bodyPr anchorCtr="0" anchor="t" bIns="91425" lIns="91425" spcFirstLastPara="1" rIns="91425" wrap="square" tIns="91425">
@@ -1168,12 +1389,16 @@
           <a:lstStyle/>
           <a:p>
             <a:pPr indent="0" lvl="0" marL="0" rtl="0" algn="l">
-              <a:spcBef>
-                <a:spcPts val="0"/>
-              </a:spcBef>
-              <a:spcAft>
-                <a:spcPts val="0"/>
-              </a:spcAft>
+              <a:lnSpc>
+                <a:spcPct val="100000"/>
+              </a:lnSpc>
+              <a:spcBef>
+                <a:spcPts val="0"/>
+              </a:spcBef>
+              <a:spcAft>
+                <a:spcPts val="0"/>
+              </a:spcAft>
+              <a:buSzPts val="1100"/>
               <a:buNone/>
             </a:pPr>
             <a:r>
@@ -1210,7 +1435,7 @@
       </p:grpSpPr>
       <p:sp>
         <p:nvSpPr>
-          <p:cNvPr id="103" name="Google Shape;103;gf74ff1cc69_0_91:notes"/>
+          <p:cNvPr id="103" name="Google Shape;103;p4:notes"/>
           <p:cNvSpPr/>
           <p:nvPr>
             <p:ph idx="2" type="sldImg"/>
@@ -1241,11 +1466,21 @@
               </a:path>
             </a:pathLst>
           </a:custGeom>
+          <a:noFill/>
+          <a:ln cap="flat" cmpd="sng" w="9525">
+            <a:solidFill>
+              <a:srgbClr val="000000"/>
+            </a:solidFill>
+            <a:prstDash val="solid"/>
+            <a:round/>
+            <a:headEnd len="sm" w="sm" type="none"/>
+            <a:tailEnd len="sm" w="sm" type="none"/>
+          </a:ln>
         </p:spPr>
       </p:sp>
       <p:sp>
         <p:nvSpPr>
-          <p:cNvPr id="104" name="Google Shape;104;gf74ff1cc69_0_91:notes"/>
+          <p:cNvPr id="104" name="Google Shape;104;p4:notes"/>
           <p:cNvSpPr txBox="1"/>
           <p:nvPr>
             <p:ph idx="1" type="body"/>
@@ -1259,6 +1494,10 @@
           <a:prstGeom prst="rect">
             <a:avLst/>
           </a:prstGeom>
+          <a:noFill/>
+          <a:ln>
+            <a:noFill/>
+          </a:ln>
         </p:spPr>
         <p:txBody>
           <a:bodyPr anchorCtr="0" anchor="t" bIns="91425" lIns="91425" spcFirstLastPara="1" rIns="91425" wrap="square" tIns="91425">
@@ -1267,12 +1506,16 @@
           <a:lstStyle/>
           <a:p>
             <a:pPr indent="0" lvl="0" marL="0" rtl="0" algn="l">
-              <a:spcBef>
-                <a:spcPts val="0"/>
-              </a:spcBef>
-              <a:spcAft>
-                <a:spcPts val="0"/>
-              </a:spcAft>
+              <a:lnSpc>
+                <a:spcPct val="100000"/>
+              </a:lnSpc>
+              <a:spcBef>
+                <a:spcPts val="0"/>
+              </a:spcBef>
+              <a:spcAft>
+                <a:spcPts val="0"/>
+              </a:spcAft>
+              <a:buSzPts val="1100"/>
               <a:buNone/>
             </a:pPr>
             <a:r>
@@ -1309,7 +1552,7 @@
       </p:grpSpPr>
       <p:sp>
         <p:nvSpPr>
-          <p:cNvPr id="114" name="Google Shape;114;gf74ff1cc69_0_103:notes"/>
+          <p:cNvPr id="114" name="Google Shape;114;p5:notes"/>
           <p:cNvSpPr/>
           <p:nvPr>
             <p:ph idx="2" type="sldImg"/>
@@ -1340,11 +1583,21 @@
               </a:path>
             </a:pathLst>
           </a:custGeom>
+          <a:noFill/>
+          <a:ln cap="flat" cmpd="sng" w="9525">
+            <a:solidFill>
+              <a:srgbClr val="000000"/>
+            </a:solidFill>
+            <a:prstDash val="solid"/>
+            <a:round/>
+            <a:headEnd len="sm" w="sm" type="none"/>
+            <a:tailEnd len="sm" w="sm" type="none"/>
+          </a:ln>
         </p:spPr>
       </p:sp>
       <p:sp>
         <p:nvSpPr>
-          <p:cNvPr id="115" name="Google Shape;115;gf74ff1cc69_0_103:notes"/>
+          <p:cNvPr id="115" name="Google Shape;115;p5:notes"/>
           <p:cNvSpPr txBox="1"/>
           <p:nvPr>
             <p:ph idx="1" type="body"/>
@@ -1358,6 +1611,10 @@
           <a:prstGeom prst="rect">
             <a:avLst/>
           </a:prstGeom>
+          <a:noFill/>
+          <a:ln>
+            <a:noFill/>
+          </a:ln>
         </p:spPr>
         <p:txBody>
           <a:bodyPr anchorCtr="0" anchor="t" bIns="91425" lIns="91425" spcFirstLastPara="1" rIns="91425" wrap="square" tIns="91425">
@@ -1366,12 +1623,16 @@
           <a:lstStyle/>
           <a:p>
             <a:pPr indent="0" lvl="0" marL="0" rtl="0" algn="l">
-              <a:spcBef>
-                <a:spcPts val="0"/>
-              </a:spcBef>
-              <a:spcAft>
-                <a:spcPts val="0"/>
-              </a:spcAft>
+              <a:lnSpc>
+                <a:spcPct val="100000"/>
+              </a:lnSpc>
+              <a:spcBef>
+                <a:spcPts val="0"/>
+              </a:spcBef>
+              <a:spcAft>
+                <a:spcPts val="0"/>
+              </a:spcAft>
+              <a:buSzPts val="1100"/>
               <a:buNone/>
             </a:pPr>
             <a:r>
@@ -1408,7 +1669,7 @@
       </p:grpSpPr>
       <p:sp>
         <p:nvSpPr>
-          <p:cNvPr id="122" name="Google Shape;122;gf74ff1cc69_0_110:notes"/>
+          <p:cNvPr id="122" name="Google Shape;122;p6:notes"/>
           <p:cNvSpPr/>
           <p:nvPr>
             <p:ph idx="2" type="sldImg"/>
@@ -1439,11 +1700,21 @@
               </a:path>
             </a:pathLst>
           </a:custGeom>
+          <a:noFill/>
+          <a:ln cap="flat" cmpd="sng" w="9525">
+            <a:solidFill>
+              <a:srgbClr val="000000"/>
+            </a:solidFill>
+            <a:prstDash val="solid"/>
+            <a:round/>
+            <a:headEnd len="sm" w="sm" type="none"/>
+            <a:tailEnd len="sm" w="sm" type="none"/>
+          </a:ln>
         </p:spPr>
       </p:sp>
       <p:sp>
         <p:nvSpPr>
-          <p:cNvPr id="123" name="Google Shape;123;gf74ff1cc69_0_110:notes"/>
+          <p:cNvPr id="123" name="Google Shape;123;p6:notes"/>
           <p:cNvSpPr txBox="1"/>
           <p:nvPr>
             <p:ph idx="1" type="body"/>
@@ -1457,6 +1728,10 @@
           <a:prstGeom prst="rect">
             <a:avLst/>
           </a:prstGeom>
+          <a:noFill/>
+          <a:ln>
+            <a:noFill/>
+          </a:ln>
         </p:spPr>
         <p:txBody>
           <a:bodyPr anchorCtr="0" anchor="t" bIns="91425" lIns="91425" spcFirstLastPara="1" rIns="91425" wrap="square" tIns="91425">
@@ -1465,12 +1740,16 @@
           <a:lstStyle/>
           <a:p>
             <a:pPr indent="0" lvl="0" marL="0" rtl="0" algn="l">
-              <a:spcBef>
-                <a:spcPts val="0"/>
-              </a:spcBef>
-              <a:spcAft>
-                <a:spcPts val="0"/>
-              </a:spcAft>
+              <a:lnSpc>
+                <a:spcPct val="100000"/>
+              </a:lnSpc>
+              <a:spcBef>
+                <a:spcPts val="0"/>
+              </a:spcBef>
+              <a:spcAft>
+                <a:spcPts val="0"/>
+              </a:spcAft>
+              <a:buSzPts val="1100"/>
               <a:buNone/>
             </a:pPr>
             <a:r>
@@ -1507,7 +1786,7 @@
       </p:grpSpPr>
       <p:sp>
         <p:nvSpPr>
-          <p:cNvPr id="130" name="Google Shape;130;gf74ff1cc69_0_119:notes"/>
+          <p:cNvPr id="130" name="Google Shape;130;p7:notes"/>
           <p:cNvSpPr/>
           <p:nvPr>
             <p:ph idx="2" type="sldImg"/>
@@ -1538,11 +1817,21 @@
               </a:path>
             </a:pathLst>
           </a:custGeom>
+          <a:noFill/>
+          <a:ln cap="flat" cmpd="sng" w="9525">
+            <a:solidFill>
+              <a:srgbClr val="000000"/>
+            </a:solidFill>
+            <a:prstDash val="solid"/>
+            <a:round/>
+            <a:headEnd len="sm" w="sm" type="none"/>
+            <a:tailEnd len="sm" w="sm" type="none"/>
+          </a:ln>
         </p:spPr>
       </p:sp>
       <p:sp>
         <p:nvSpPr>
-          <p:cNvPr id="131" name="Google Shape;131;gf74ff1cc69_0_119:notes"/>
+          <p:cNvPr id="131" name="Google Shape;131;p7:notes"/>
           <p:cNvSpPr txBox="1"/>
           <p:nvPr>
             <p:ph idx="1" type="body"/>
@@ -1556,6 +1845,10 @@
           <a:prstGeom prst="rect">
             <a:avLst/>
           </a:prstGeom>
+          <a:noFill/>
+          <a:ln>
+            <a:noFill/>
+          </a:ln>
         </p:spPr>
         <p:txBody>
           <a:bodyPr anchorCtr="0" anchor="t" bIns="91425" lIns="91425" spcFirstLastPara="1" rIns="91425" wrap="square" tIns="91425">
@@ -1564,12 +1857,16 @@
           <a:lstStyle/>
           <a:p>
             <a:pPr indent="0" lvl="0" marL="0" rtl="0" algn="l">
-              <a:spcBef>
-                <a:spcPts val="0"/>
-              </a:spcBef>
-              <a:spcAft>
-                <a:spcPts val="0"/>
-              </a:spcAft>
+              <a:lnSpc>
+                <a:spcPct val="100000"/>
+              </a:lnSpc>
+              <a:spcBef>
+                <a:spcPts val="0"/>
+              </a:spcBef>
+              <a:spcAft>
+                <a:spcPts val="0"/>
+              </a:spcAft>
+              <a:buSzPts val="1100"/>
               <a:buNone/>
             </a:pPr>
             <a:r>
@@ -1606,7 +1903,7 @@
       </p:grpSpPr>
       <p:sp>
         <p:nvSpPr>
-          <p:cNvPr id="140" name="Google Shape;140;gf74ff1cc69_0_130:notes"/>
+          <p:cNvPr id="140" name="Google Shape;140;p8:notes"/>
           <p:cNvSpPr/>
           <p:nvPr>
             <p:ph idx="2" type="sldImg"/>
@@ -1637,11 +1934,21 @@
               </a:path>
             </a:pathLst>
           </a:custGeom>
+          <a:noFill/>
+          <a:ln cap="flat" cmpd="sng" w="9525">
+            <a:solidFill>
+              <a:srgbClr val="000000"/>
+            </a:solidFill>
+            <a:prstDash val="solid"/>
+            <a:round/>
+            <a:headEnd len="sm" w="sm" type="none"/>
+            <a:tailEnd len="sm" w="sm" type="none"/>
+          </a:ln>
         </p:spPr>
       </p:sp>
       <p:sp>
         <p:nvSpPr>
-          <p:cNvPr id="141" name="Google Shape;141;gf74ff1cc69_0_130:notes"/>
+          <p:cNvPr id="141" name="Google Shape;141;p8:notes"/>
           <p:cNvSpPr txBox="1"/>
           <p:nvPr>
             <p:ph idx="1" type="body"/>
@@ -1655,6 +1962,10 @@
           <a:prstGeom prst="rect">
             <a:avLst/>
           </a:prstGeom>
+          <a:noFill/>
+          <a:ln>
+            <a:noFill/>
+          </a:ln>
         </p:spPr>
         <p:txBody>
           <a:bodyPr anchorCtr="0" anchor="t" bIns="91425" lIns="91425" spcFirstLastPara="1" rIns="91425" wrap="square" tIns="91425">
@@ -1663,12 +1974,16 @@
           <a:lstStyle/>
           <a:p>
             <a:pPr indent="0" lvl="0" marL="0" rtl="0" algn="l">
-              <a:spcBef>
-                <a:spcPts val="0"/>
-              </a:spcBef>
-              <a:spcAft>
-                <a:spcPts val="0"/>
-              </a:spcAft>
+              <a:lnSpc>
+                <a:spcPct val="100000"/>
+              </a:lnSpc>
+              <a:spcBef>
+                <a:spcPts val="0"/>
+              </a:spcBef>
+              <a:spcAft>
+                <a:spcPts val="0"/>
+              </a:spcAft>
+              <a:buSzPts val="1100"/>
               <a:buNone/>
             </a:pPr>
             <a:r>
@@ -1705,7 +2020,7 @@
       </p:grpSpPr>
       <p:sp>
         <p:nvSpPr>
-          <p:cNvPr id="146" name="Google Shape;146;gf74ff1cc69_0_135:notes"/>
+          <p:cNvPr id="146" name="Google Shape;146;p9:notes"/>
           <p:cNvSpPr/>
           <p:nvPr>
             <p:ph idx="2" type="sldImg"/>
@@ -1736,11 +2051,21 @@
               </a:path>
             </a:pathLst>
           </a:custGeom>
+          <a:noFill/>
+          <a:ln cap="flat" cmpd="sng" w="9525">
+            <a:solidFill>
+              <a:srgbClr val="000000"/>
+            </a:solidFill>
+            <a:prstDash val="solid"/>
+            <a:round/>
+            <a:headEnd len="sm" w="sm" type="none"/>
+            <a:tailEnd len="sm" w="sm" type="none"/>
+          </a:ln>
         </p:spPr>
       </p:sp>
       <p:sp>
         <p:nvSpPr>
-          <p:cNvPr id="147" name="Google Shape;147;gf74ff1cc69_0_135:notes"/>
+          <p:cNvPr id="147" name="Google Shape;147;p9:notes"/>
           <p:cNvSpPr txBox="1"/>
           <p:nvPr>
             <p:ph idx="1" type="body"/>
@@ -1754,6 +2079,10 @@
           <a:prstGeom prst="rect">
             <a:avLst/>
           </a:prstGeom>
+          <a:noFill/>
+          <a:ln>
+            <a:noFill/>
+          </a:ln>
         </p:spPr>
         <p:txBody>
           <a:bodyPr anchorCtr="0" anchor="t" bIns="91425" lIns="91425" spcFirstLastPara="1" rIns="91425" wrap="square" tIns="91425">
@@ -1762,12 +2091,16 @@
           <a:lstStyle/>
           <a:p>
             <a:pPr indent="0" lvl="0" marL="0" rtl="0" algn="l">
-              <a:spcBef>
-                <a:spcPts val="0"/>
-              </a:spcBef>
-              <a:spcAft>
-                <a:spcPts val="0"/>
-              </a:spcAft>
+              <a:lnSpc>
+                <a:spcPct val="100000"/>
+              </a:lnSpc>
+              <a:spcBef>
+                <a:spcPts val="0"/>
+              </a:spcBef>
+              <a:spcAft>
+                <a:spcPts val="0"/>
+              </a:spcAft>
+              <a:buSzPts val="1100"/>
               <a:buNone/>
             </a:pPr>
             <a:r>
@@ -4731,8 +5064,8 @@
 </file>
 
 <file path=ppt/slideLayouts/slideLayout2.xml><?xml version="1.0" encoding="utf-8"?>
-<p:sldLayout xmlns:a="http://schemas.openxmlformats.org/drawingml/2006/main" xmlns:r="http://schemas.openxmlformats.org/officeDocument/2006/relationships" xmlns:mc="http://schemas.openxmlformats.org/markup-compatibility/2006" xmlns:mv="urn:schemas-microsoft-com:mac:vml" xmlns:p="http://schemas.openxmlformats.org/presentationml/2006/main" xmlns:c="http://schemas.openxmlformats.org/drawingml/2006/chart" xmlns:dgm="http://schemas.openxmlformats.org/drawingml/2006/diagram" xmlns:o="urn:schemas-microsoft-com:office:office" xmlns:v="urn:schemas-microsoft-com:vml" xmlns:pvml="urn:schemas-microsoft-com:office:powerpoint" xmlns:com="http://schemas.openxmlformats.org/drawingml/2006/compatibility" xmlns:p14="http://schemas.microsoft.com/office/powerpoint/2010/main" xmlns:p15="http://schemas.microsoft.com/office/powerpoint/2012/main" xmlns:ahyp="http://schemas.microsoft.com/office/drawing/2018/hyperlinkcolor" matchingName="1_Titel und Inhalt">
-  <p:cSld name="1_Titel und Inhalt">
+<p:sldLayout xmlns:a="http://schemas.openxmlformats.org/drawingml/2006/main" xmlns:r="http://schemas.openxmlformats.org/officeDocument/2006/relationships" xmlns:mc="http://schemas.openxmlformats.org/markup-compatibility/2006" xmlns:mv="urn:schemas-microsoft-com:mac:vml" xmlns:p="http://schemas.openxmlformats.org/presentationml/2006/main" xmlns:c="http://schemas.openxmlformats.org/drawingml/2006/chart" xmlns:dgm="http://schemas.openxmlformats.org/drawingml/2006/diagram" xmlns:o="urn:schemas-microsoft-com:office:office" xmlns:v="urn:schemas-microsoft-com:vml" xmlns:pvml="urn:schemas-microsoft-com:office:powerpoint" xmlns:com="http://schemas.openxmlformats.org/drawingml/2006/compatibility" xmlns:p14="http://schemas.microsoft.com/office/powerpoint/2010/main" xmlns:p15="http://schemas.microsoft.com/office/powerpoint/2012/main" xmlns:ahyp="http://schemas.microsoft.com/office/drawing/2018/hyperlinkcolor" matchingName="1_Titel und Diagramm">
+  <p:cSld name="1_Titel und Diagramm">
     <p:spTree>
       <p:nvGrpSpPr>
         <p:cNvPr id="20" name="Shape 20"/>
@@ -4965,6 +5298,510 @@
       <p:sp>
         <p:nvSpPr>
           <p:cNvPr id="23" name="Google Shape;23;p3"/>
+          <p:cNvSpPr/>
+          <p:nvPr>
+            <p:ph idx="2" type="chart"/>
+          </p:nvPr>
+        </p:nvSpPr>
+        <p:spPr>
+          <a:xfrm>
+            <a:off x="431800" y="782241"/>
+            <a:ext cx="8375700" cy="3579000"/>
+          </a:xfrm>
+          <a:prstGeom prst="rect">
+            <a:avLst/>
+          </a:prstGeom>
+          <a:noFill/>
+          <a:ln>
+            <a:noFill/>
+          </a:ln>
+        </p:spPr>
+        <p:txBody>
+          <a:bodyPr anchorCtr="0" anchor="t" bIns="0" lIns="0" spcFirstLastPara="1" rIns="0" wrap="square" tIns="0">
+            <a:noAutofit/>
+          </a:bodyPr>
+          <a:lstStyle>
+            <a:lvl1pPr lvl="0" marR="0" rtl="0" algn="l">
+              <a:lnSpc>
+                <a:spcPct val="100000"/>
+              </a:lnSpc>
+              <a:spcBef>
+                <a:spcPts val="320"/>
+              </a:spcBef>
+              <a:spcAft>
+                <a:spcPts val="0"/>
+              </a:spcAft>
+              <a:buClr>
+                <a:srgbClr val="000000"/>
+              </a:buClr>
+              <a:buSzPts val="1400"/>
+              <a:buFont typeface="Arial"/>
+              <a:buNone/>
+              <a:defRPr b="0" i="0" sz="1600" u="none" cap="none" strike="noStrike">
+                <a:solidFill>
+                  <a:schemeClr val="dk1"/>
+                </a:solidFill>
+                <a:latin typeface="Arial"/>
+                <a:ea typeface="Arial"/>
+                <a:cs typeface="Arial"/>
+                <a:sym typeface="Arial"/>
+              </a:defRPr>
+            </a:lvl1pPr>
+            <a:lvl2pPr lvl="1" marR="0" rtl="0" algn="l">
+              <a:lnSpc>
+                <a:spcPct val="100000"/>
+              </a:lnSpc>
+              <a:spcBef>
+                <a:spcPts val="320"/>
+              </a:spcBef>
+              <a:spcAft>
+                <a:spcPts val="0"/>
+              </a:spcAft>
+              <a:buClr>
+                <a:schemeClr val="dk1"/>
+              </a:buClr>
+              <a:buSzPts val="1600"/>
+              <a:buFont typeface="Noto Sans Symbols"/>
+              <a:buChar char="▪"/>
+              <a:defRPr b="0" i="0" sz="1600" u="none" cap="none" strike="noStrike">
+                <a:solidFill>
+                  <a:schemeClr val="dk1"/>
+                </a:solidFill>
+                <a:latin typeface="Arial"/>
+                <a:ea typeface="Arial"/>
+                <a:cs typeface="Arial"/>
+                <a:sym typeface="Arial"/>
+              </a:defRPr>
+            </a:lvl2pPr>
+            <a:lvl3pPr lvl="2" marR="0" rtl="0" algn="l">
+              <a:lnSpc>
+                <a:spcPct val="100000"/>
+              </a:lnSpc>
+              <a:spcBef>
+                <a:spcPts val="320"/>
+              </a:spcBef>
+              <a:spcAft>
+                <a:spcPts val="0"/>
+              </a:spcAft>
+              <a:buClr>
+                <a:schemeClr val="dk1"/>
+              </a:buClr>
+              <a:buSzPts val="1600"/>
+              <a:buFont typeface="Noto Sans Symbols"/>
+              <a:buChar char="▪"/>
+              <a:defRPr b="0" i="0" sz="1600" u="none" cap="none" strike="noStrike">
+                <a:solidFill>
+                  <a:schemeClr val="dk1"/>
+                </a:solidFill>
+                <a:latin typeface="Arial"/>
+                <a:ea typeface="Arial"/>
+                <a:cs typeface="Arial"/>
+                <a:sym typeface="Arial"/>
+              </a:defRPr>
+            </a:lvl3pPr>
+            <a:lvl4pPr lvl="3" marR="0" rtl="0" algn="l">
+              <a:lnSpc>
+                <a:spcPct val="100000"/>
+              </a:lnSpc>
+              <a:spcBef>
+                <a:spcPts val="320"/>
+              </a:spcBef>
+              <a:spcAft>
+                <a:spcPts val="0"/>
+              </a:spcAft>
+              <a:buClr>
+                <a:schemeClr val="dk1"/>
+              </a:buClr>
+              <a:buSzPts val="1600"/>
+              <a:buFont typeface="Noto Sans Symbols"/>
+              <a:buChar char="▪"/>
+              <a:defRPr b="0" i="0" sz="1600" u="none" cap="none" strike="noStrike">
+                <a:solidFill>
+                  <a:schemeClr val="dk1"/>
+                </a:solidFill>
+                <a:latin typeface="Arial"/>
+                <a:ea typeface="Arial"/>
+                <a:cs typeface="Arial"/>
+                <a:sym typeface="Arial"/>
+              </a:defRPr>
+            </a:lvl4pPr>
+            <a:lvl5pPr lvl="4" marR="0" rtl="0" algn="l">
+              <a:lnSpc>
+                <a:spcPct val="100000"/>
+              </a:lnSpc>
+              <a:spcBef>
+                <a:spcPts val="320"/>
+              </a:spcBef>
+              <a:spcAft>
+                <a:spcPts val="0"/>
+              </a:spcAft>
+              <a:buClr>
+                <a:schemeClr val="dk1"/>
+              </a:buClr>
+              <a:buSzPts val="1600"/>
+              <a:buFont typeface="Noto Sans Symbols"/>
+              <a:buChar char="▪"/>
+              <a:defRPr b="0" i="0" sz="1600" u="none" cap="none" strike="noStrike">
+                <a:solidFill>
+                  <a:schemeClr val="dk1"/>
+                </a:solidFill>
+                <a:latin typeface="Arial"/>
+                <a:ea typeface="Arial"/>
+                <a:cs typeface="Arial"/>
+                <a:sym typeface="Arial"/>
+              </a:defRPr>
+            </a:lvl5pPr>
+            <a:lvl6pPr lvl="5" marR="0" rtl="0" algn="l">
+              <a:lnSpc>
+                <a:spcPct val="100000"/>
+              </a:lnSpc>
+              <a:spcBef>
+                <a:spcPts val="320"/>
+              </a:spcBef>
+              <a:spcAft>
+                <a:spcPts val="0"/>
+              </a:spcAft>
+              <a:buClr>
+                <a:schemeClr val="dk1"/>
+              </a:buClr>
+              <a:buSzPts val="1600"/>
+              <a:buFont typeface="Noto Sans Symbols"/>
+              <a:buChar char="▪"/>
+              <a:defRPr b="0" i="0" sz="1600" u="none" cap="none" strike="noStrike">
+                <a:solidFill>
+                  <a:schemeClr val="dk1"/>
+                </a:solidFill>
+                <a:latin typeface="Arial"/>
+                <a:ea typeface="Arial"/>
+                <a:cs typeface="Arial"/>
+                <a:sym typeface="Arial"/>
+              </a:defRPr>
+            </a:lvl6pPr>
+            <a:lvl7pPr lvl="6" marR="0" rtl="0" algn="l">
+              <a:lnSpc>
+                <a:spcPct val="100000"/>
+              </a:lnSpc>
+              <a:spcBef>
+                <a:spcPts val="320"/>
+              </a:spcBef>
+              <a:spcAft>
+                <a:spcPts val="0"/>
+              </a:spcAft>
+              <a:buClr>
+                <a:schemeClr val="dk1"/>
+              </a:buClr>
+              <a:buSzPts val="1600"/>
+              <a:buFont typeface="Noto Sans Symbols"/>
+              <a:buChar char="▪"/>
+              <a:defRPr b="0" i="0" sz="1600" u="none" cap="none" strike="noStrike">
+                <a:solidFill>
+                  <a:schemeClr val="dk1"/>
+                </a:solidFill>
+                <a:latin typeface="Arial"/>
+                <a:ea typeface="Arial"/>
+                <a:cs typeface="Arial"/>
+                <a:sym typeface="Arial"/>
+              </a:defRPr>
+            </a:lvl7pPr>
+            <a:lvl8pPr lvl="7" marR="0" rtl="0" algn="l">
+              <a:lnSpc>
+                <a:spcPct val="100000"/>
+              </a:lnSpc>
+              <a:spcBef>
+                <a:spcPts val="320"/>
+              </a:spcBef>
+              <a:spcAft>
+                <a:spcPts val="0"/>
+              </a:spcAft>
+              <a:buClr>
+                <a:schemeClr val="dk1"/>
+              </a:buClr>
+              <a:buSzPts val="1600"/>
+              <a:buFont typeface="Noto Sans Symbols"/>
+              <a:buChar char="▪"/>
+              <a:defRPr b="0" i="0" sz="1600" u="none" cap="none" strike="noStrike">
+                <a:solidFill>
+                  <a:schemeClr val="dk1"/>
+                </a:solidFill>
+                <a:latin typeface="Arial"/>
+                <a:ea typeface="Arial"/>
+                <a:cs typeface="Arial"/>
+                <a:sym typeface="Arial"/>
+              </a:defRPr>
+            </a:lvl8pPr>
+            <a:lvl9pPr lvl="8" marR="0" rtl="0" algn="l">
+              <a:lnSpc>
+                <a:spcPct val="100000"/>
+              </a:lnSpc>
+              <a:spcBef>
+                <a:spcPts val="320"/>
+              </a:spcBef>
+              <a:spcAft>
+                <a:spcPts val="0"/>
+              </a:spcAft>
+              <a:buClr>
+                <a:schemeClr val="dk1"/>
+              </a:buClr>
+              <a:buSzPts val="1600"/>
+              <a:buFont typeface="Noto Sans Symbols"/>
+              <a:buChar char="▪"/>
+              <a:defRPr b="0" i="0" sz="1600" u="none" cap="none" strike="noStrike">
+                <a:solidFill>
+                  <a:schemeClr val="dk1"/>
+                </a:solidFill>
+                <a:latin typeface="Arial"/>
+                <a:ea typeface="Arial"/>
+                <a:cs typeface="Arial"/>
+                <a:sym typeface="Arial"/>
+              </a:defRPr>
+            </a:lvl9pPr>
+          </a:lstStyle>
+          <a:p/>
+        </p:txBody>
+      </p:sp>
+    </p:spTree>
+  </p:cSld>
+  <p:clrMapOvr>
+    <a:masterClrMapping/>
+  </p:clrMapOvr>
+</p:sldLayout>
+</file>
+
+<file path=ppt/slideLayouts/slideLayout3.xml><?xml version="1.0" encoding="utf-8"?>
+<p:sldLayout xmlns:a="http://schemas.openxmlformats.org/drawingml/2006/main" xmlns:r="http://schemas.openxmlformats.org/officeDocument/2006/relationships" xmlns:mc="http://schemas.openxmlformats.org/markup-compatibility/2006" xmlns:mv="urn:schemas-microsoft-com:mac:vml" xmlns:p="http://schemas.openxmlformats.org/presentationml/2006/main" xmlns:c="http://schemas.openxmlformats.org/drawingml/2006/chart" xmlns:dgm="http://schemas.openxmlformats.org/drawingml/2006/diagram" xmlns:o="urn:schemas-microsoft-com:office:office" xmlns:v="urn:schemas-microsoft-com:vml" xmlns:pvml="urn:schemas-microsoft-com:office:powerpoint" xmlns:com="http://schemas.openxmlformats.org/drawingml/2006/compatibility" xmlns:p14="http://schemas.microsoft.com/office/powerpoint/2010/main" xmlns:p15="http://schemas.microsoft.com/office/powerpoint/2012/main" xmlns:ahyp="http://schemas.microsoft.com/office/drawing/2018/hyperlinkcolor" matchingName="1_Titel und Inhalt">
+  <p:cSld name="1_Titel und Inhalt">
+    <p:spTree>
+      <p:nvGrpSpPr>
+        <p:cNvPr id="24" name="Shape 24"/>
+        <p:cNvGrpSpPr/>
+        <p:nvPr/>
+      </p:nvGrpSpPr>
+      <p:grpSpPr>
+        <a:xfrm>
+          <a:off x="0" y="0"/>
+          <a:ext cx="0" cy="0"/>
+          <a:chOff x="0" y="0"/>
+          <a:chExt cx="0" cy="0"/>
+        </a:xfrm>
+      </p:grpSpPr>
+      <p:sp>
+        <p:nvSpPr>
+          <p:cNvPr id="25" name="Google Shape;25;p4"/>
+          <p:cNvSpPr/>
+          <p:nvPr/>
+        </p:nvSpPr>
+        <p:spPr>
+          <a:xfrm>
+            <a:off x="0" y="0"/>
+            <a:ext cx="9144000" cy="647700"/>
+          </a:xfrm>
+          <a:prstGeom prst="rect">
+            <a:avLst/>
+          </a:prstGeom>
+          <a:solidFill>
+            <a:srgbClr val="DDDDDD"/>
+          </a:solidFill>
+          <a:ln>
+            <a:noFill/>
+          </a:ln>
+        </p:spPr>
+        <p:txBody>
+          <a:bodyPr anchorCtr="0" anchor="ctr" bIns="45700" lIns="91425" spcFirstLastPara="1" rIns="91425" wrap="square" tIns="45700">
+            <a:noAutofit/>
+          </a:bodyPr>
+          <a:lstStyle/>
+          <a:p>
+            <a:pPr indent="0" lvl="0" marL="0" marR="0" rtl="0" algn="ctr">
+              <a:lnSpc>
+                <a:spcPct val="100000"/>
+              </a:lnSpc>
+              <a:spcBef>
+                <a:spcPts val="0"/>
+              </a:spcBef>
+              <a:spcAft>
+                <a:spcPts val="0"/>
+              </a:spcAft>
+              <a:buClr>
+                <a:srgbClr val="000000"/>
+              </a:buClr>
+              <a:buSzPts val="1800"/>
+              <a:buFont typeface="Arial"/>
+              <a:buNone/>
+            </a:pPr>
+            <a:r>
+              <a:t/>
+            </a:r>
+            <a:endParaRPr b="0" i="0" sz="1800" u="none" cap="none" strike="noStrike">
+              <a:solidFill>
+                <a:schemeClr val="accent2"/>
+              </a:solidFill>
+              <a:latin typeface="Arial"/>
+              <a:ea typeface="Arial"/>
+              <a:cs typeface="Arial"/>
+              <a:sym typeface="Arial"/>
+            </a:endParaRPr>
+          </a:p>
+        </p:txBody>
+      </p:sp>
+      <p:sp>
+        <p:nvSpPr>
+          <p:cNvPr id="26" name="Google Shape;26;p4"/>
+          <p:cNvSpPr txBox="1"/>
+          <p:nvPr>
+            <p:ph type="title"/>
+          </p:nvPr>
+        </p:nvSpPr>
+        <p:spPr>
+          <a:xfrm>
+            <a:off x="431800" y="83344"/>
+            <a:ext cx="8375700" cy="531000"/>
+          </a:xfrm>
+          <a:prstGeom prst="rect">
+            <a:avLst/>
+          </a:prstGeom>
+          <a:noFill/>
+          <a:ln>
+            <a:noFill/>
+          </a:ln>
+        </p:spPr>
+        <p:txBody>
+          <a:bodyPr anchorCtr="0" anchor="b" bIns="0" lIns="0" spcFirstLastPara="1" rIns="0" wrap="square" tIns="0">
+            <a:noAutofit/>
+          </a:bodyPr>
+          <a:lstStyle>
+            <a:lvl1pPr lvl="0" algn="l">
+              <a:lnSpc>
+                <a:spcPct val="100000"/>
+              </a:lnSpc>
+              <a:spcBef>
+                <a:spcPts val="0"/>
+              </a:spcBef>
+              <a:spcAft>
+                <a:spcPts val="0"/>
+              </a:spcAft>
+              <a:buSzPts val="1400"/>
+              <a:buNone/>
+              <a:defRPr/>
+            </a:lvl1pPr>
+            <a:lvl2pPr lvl="1" algn="l">
+              <a:lnSpc>
+                <a:spcPct val="100000"/>
+              </a:lnSpc>
+              <a:spcBef>
+                <a:spcPts val="0"/>
+              </a:spcBef>
+              <a:spcAft>
+                <a:spcPts val="0"/>
+              </a:spcAft>
+              <a:buSzPts val="1400"/>
+              <a:buNone/>
+              <a:defRPr/>
+            </a:lvl2pPr>
+            <a:lvl3pPr lvl="2" algn="l">
+              <a:lnSpc>
+                <a:spcPct val="100000"/>
+              </a:lnSpc>
+              <a:spcBef>
+                <a:spcPts val="0"/>
+              </a:spcBef>
+              <a:spcAft>
+                <a:spcPts val="0"/>
+              </a:spcAft>
+              <a:buSzPts val="1400"/>
+              <a:buNone/>
+              <a:defRPr/>
+            </a:lvl3pPr>
+            <a:lvl4pPr lvl="3" algn="l">
+              <a:lnSpc>
+                <a:spcPct val="100000"/>
+              </a:lnSpc>
+              <a:spcBef>
+                <a:spcPts val="0"/>
+              </a:spcBef>
+              <a:spcAft>
+                <a:spcPts val="0"/>
+              </a:spcAft>
+              <a:buSzPts val="1400"/>
+              <a:buNone/>
+              <a:defRPr/>
+            </a:lvl4pPr>
+            <a:lvl5pPr lvl="4" algn="l">
+              <a:lnSpc>
+                <a:spcPct val="100000"/>
+              </a:lnSpc>
+              <a:spcBef>
+                <a:spcPts val="0"/>
+              </a:spcBef>
+              <a:spcAft>
+                <a:spcPts val="0"/>
+              </a:spcAft>
+              <a:buSzPts val="1400"/>
+              <a:buNone/>
+              <a:defRPr/>
+            </a:lvl5pPr>
+            <a:lvl6pPr lvl="5" algn="l">
+              <a:lnSpc>
+                <a:spcPct val="100000"/>
+              </a:lnSpc>
+              <a:spcBef>
+                <a:spcPts val="0"/>
+              </a:spcBef>
+              <a:spcAft>
+                <a:spcPts val="0"/>
+              </a:spcAft>
+              <a:buSzPts val="1400"/>
+              <a:buNone/>
+              <a:defRPr/>
+            </a:lvl6pPr>
+            <a:lvl7pPr lvl="6" algn="l">
+              <a:lnSpc>
+                <a:spcPct val="100000"/>
+              </a:lnSpc>
+              <a:spcBef>
+                <a:spcPts val="0"/>
+              </a:spcBef>
+              <a:spcAft>
+                <a:spcPts val="0"/>
+              </a:spcAft>
+              <a:buSzPts val="1400"/>
+              <a:buNone/>
+              <a:defRPr/>
+            </a:lvl7pPr>
+            <a:lvl8pPr lvl="7" algn="l">
+              <a:lnSpc>
+                <a:spcPct val="100000"/>
+              </a:lnSpc>
+              <a:spcBef>
+                <a:spcPts val="0"/>
+              </a:spcBef>
+              <a:spcAft>
+                <a:spcPts val="0"/>
+              </a:spcAft>
+              <a:buSzPts val="1400"/>
+              <a:buNone/>
+              <a:defRPr/>
+            </a:lvl8pPr>
+            <a:lvl9pPr lvl="8" algn="l">
+              <a:lnSpc>
+                <a:spcPct val="100000"/>
+              </a:lnSpc>
+              <a:spcBef>
+                <a:spcPts val="0"/>
+              </a:spcBef>
+              <a:spcAft>
+                <a:spcPts val="0"/>
+              </a:spcAft>
+              <a:buSzPts val="1400"/>
+              <a:buNone/>
+              <a:defRPr/>
+            </a:lvl9pPr>
+          </a:lstStyle>
+          <a:p/>
+        </p:txBody>
+      </p:sp>
+      <p:sp>
+        <p:nvSpPr>
+          <p:cNvPr id="27" name="Google Shape;27;p4"/>
           <p:cNvSpPr txBox="1"/>
           <p:nvPr>
             <p:ph idx="1" type="body"/>
@@ -5138,12 +5975,12 @@
 </p:sldLayout>
 </file>
 
-<file path=ppt/slideLayouts/slideLayout3.xml><?xml version="1.0" encoding="utf-8"?>
+<file path=ppt/slideLayouts/slideLayout4.xml><?xml version="1.0" encoding="utf-8"?>
 <p:sldLayout xmlns:a="http://schemas.openxmlformats.org/drawingml/2006/main" xmlns:r="http://schemas.openxmlformats.org/officeDocument/2006/relationships" xmlns:mc="http://schemas.openxmlformats.org/markup-compatibility/2006" xmlns:mv="urn:schemas-microsoft-com:mac:vml" xmlns:p="http://schemas.openxmlformats.org/presentationml/2006/main" xmlns:c="http://schemas.openxmlformats.org/drawingml/2006/chart" xmlns:dgm="http://schemas.openxmlformats.org/drawingml/2006/diagram" xmlns:o="urn:schemas-microsoft-com:office:office" xmlns:v="urn:schemas-microsoft-com:vml" xmlns:pvml="urn:schemas-microsoft-com:office:powerpoint" xmlns:com="http://schemas.openxmlformats.org/drawingml/2006/compatibility" xmlns:p14="http://schemas.microsoft.com/office/powerpoint/2010/main" xmlns:p15="http://schemas.microsoft.com/office/powerpoint/2012/main" xmlns:ahyp="http://schemas.microsoft.com/office/drawing/2018/hyperlinkcolor" matchingName="Titel und Inhalt">
   <p:cSld name="Titel und Inhalt">
     <p:spTree>
       <p:nvGrpSpPr>
-        <p:cNvPr id="24" name="Shape 24"/>
+        <p:cNvPr id="28" name="Shape 28"/>
         <p:cNvGrpSpPr/>
         <p:nvPr/>
       </p:nvGrpSpPr>
@@ -5157,7 +5994,7 @@
       </p:grpSpPr>
       <p:sp>
         <p:nvSpPr>
-          <p:cNvPr id="25" name="Google Shape;25;p4"/>
+          <p:cNvPr id="29" name="Google Shape;29;p5"/>
           <p:cNvSpPr txBox="1"/>
           <p:nvPr>
             <p:ph type="title"/>
@@ -5313,7 +6150,7 @@
       </p:sp>
       <p:sp>
         <p:nvSpPr>
-          <p:cNvPr id="26" name="Google Shape;26;p4"/>
+          <p:cNvPr id="30" name="Google Shape;30;p5"/>
           <p:cNvSpPr txBox="1"/>
           <p:nvPr>
             <p:ph idx="1" type="body"/>
@@ -5487,526 +6324,9 @@
 </p:sldLayout>
 </file>
 
-<file path=ppt/slideLayouts/slideLayout4.xml><?xml version="1.0" encoding="utf-8"?>
+<file path=ppt/slideLayouts/slideLayout5.xml><?xml version="1.0" encoding="utf-8"?>
 <p:sldLayout xmlns:a="http://schemas.openxmlformats.org/drawingml/2006/main" xmlns:r="http://schemas.openxmlformats.org/officeDocument/2006/relationships" xmlns:mc="http://schemas.openxmlformats.org/markup-compatibility/2006" xmlns:mv="urn:schemas-microsoft-com:mac:vml" xmlns:p="http://schemas.openxmlformats.org/presentationml/2006/main" xmlns:c="http://schemas.openxmlformats.org/drawingml/2006/chart" xmlns:dgm="http://schemas.openxmlformats.org/drawingml/2006/diagram" xmlns:o="urn:schemas-microsoft-com:office:office" xmlns:v="urn:schemas-microsoft-com:vml" xmlns:pvml="urn:schemas-microsoft-com:office:powerpoint" xmlns:com="http://schemas.openxmlformats.org/drawingml/2006/compatibility" xmlns:p14="http://schemas.microsoft.com/office/powerpoint/2010/main" xmlns:p15="http://schemas.microsoft.com/office/powerpoint/2012/main" xmlns:ahyp="http://schemas.microsoft.com/office/drawing/2018/hyperlinkcolor" matchingName="2_Titel und Inhalt">
   <p:cSld name="2_Titel und Inhalt">
-    <p:spTree>
-      <p:nvGrpSpPr>
-        <p:cNvPr id="27" name="Shape 27"/>
-        <p:cNvGrpSpPr/>
-        <p:nvPr/>
-      </p:nvGrpSpPr>
-      <p:grpSpPr>
-        <a:xfrm>
-          <a:off x="0" y="0"/>
-          <a:ext cx="0" cy="0"/>
-          <a:chOff x="0" y="0"/>
-          <a:chExt cx="0" cy="0"/>
-        </a:xfrm>
-      </p:grpSpPr>
-      <p:sp>
-        <p:nvSpPr>
-          <p:cNvPr id="28" name="Google Shape;28;p5"/>
-          <p:cNvSpPr txBox="1"/>
-          <p:nvPr>
-            <p:ph type="title"/>
-          </p:nvPr>
-        </p:nvSpPr>
-        <p:spPr>
-          <a:xfrm>
-            <a:off x="431800" y="83344"/>
-            <a:ext cx="8375700" cy="531000"/>
-          </a:xfrm>
-          <a:prstGeom prst="rect">
-            <a:avLst/>
-          </a:prstGeom>
-          <a:noFill/>
-          <a:ln>
-            <a:noFill/>
-          </a:ln>
-        </p:spPr>
-        <p:txBody>
-          <a:bodyPr anchorCtr="0" anchor="b" bIns="0" lIns="0" spcFirstLastPara="1" rIns="0" wrap="square" tIns="0">
-            <a:noAutofit/>
-          </a:bodyPr>
-          <a:lstStyle>
-            <a:lvl1pPr lvl="0" algn="l">
-              <a:lnSpc>
-                <a:spcPct val="100000"/>
-              </a:lnSpc>
-              <a:spcBef>
-                <a:spcPts val="0"/>
-              </a:spcBef>
-              <a:spcAft>
-                <a:spcPts val="0"/>
-              </a:spcAft>
-              <a:buSzPts val="1400"/>
-              <a:buNone/>
-              <a:defRPr/>
-            </a:lvl1pPr>
-            <a:lvl2pPr lvl="1" algn="l">
-              <a:lnSpc>
-                <a:spcPct val="100000"/>
-              </a:lnSpc>
-              <a:spcBef>
-                <a:spcPts val="0"/>
-              </a:spcBef>
-              <a:spcAft>
-                <a:spcPts val="0"/>
-              </a:spcAft>
-              <a:buSzPts val="1400"/>
-              <a:buNone/>
-              <a:defRPr/>
-            </a:lvl2pPr>
-            <a:lvl3pPr lvl="2" algn="l">
-              <a:lnSpc>
-                <a:spcPct val="100000"/>
-              </a:lnSpc>
-              <a:spcBef>
-                <a:spcPts val="0"/>
-              </a:spcBef>
-              <a:spcAft>
-                <a:spcPts val="0"/>
-              </a:spcAft>
-              <a:buSzPts val="1400"/>
-              <a:buNone/>
-              <a:defRPr/>
-            </a:lvl3pPr>
-            <a:lvl4pPr lvl="3" algn="l">
-              <a:lnSpc>
-                <a:spcPct val="100000"/>
-              </a:lnSpc>
-              <a:spcBef>
-                <a:spcPts val="0"/>
-              </a:spcBef>
-              <a:spcAft>
-                <a:spcPts val="0"/>
-              </a:spcAft>
-              <a:buSzPts val="1400"/>
-              <a:buNone/>
-              <a:defRPr/>
-            </a:lvl4pPr>
-            <a:lvl5pPr lvl="4" algn="l">
-              <a:lnSpc>
-                <a:spcPct val="100000"/>
-              </a:lnSpc>
-              <a:spcBef>
-                <a:spcPts val="0"/>
-              </a:spcBef>
-              <a:spcAft>
-                <a:spcPts val="0"/>
-              </a:spcAft>
-              <a:buSzPts val="1400"/>
-              <a:buNone/>
-              <a:defRPr/>
-            </a:lvl5pPr>
-            <a:lvl6pPr lvl="5" algn="l">
-              <a:lnSpc>
-                <a:spcPct val="100000"/>
-              </a:lnSpc>
-              <a:spcBef>
-                <a:spcPts val="0"/>
-              </a:spcBef>
-              <a:spcAft>
-                <a:spcPts val="0"/>
-              </a:spcAft>
-              <a:buSzPts val="1400"/>
-              <a:buNone/>
-              <a:defRPr/>
-            </a:lvl6pPr>
-            <a:lvl7pPr lvl="6" algn="l">
-              <a:lnSpc>
-                <a:spcPct val="100000"/>
-              </a:lnSpc>
-              <a:spcBef>
-                <a:spcPts val="0"/>
-              </a:spcBef>
-              <a:spcAft>
-                <a:spcPts val="0"/>
-              </a:spcAft>
-              <a:buSzPts val="1400"/>
-              <a:buNone/>
-              <a:defRPr/>
-            </a:lvl7pPr>
-            <a:lvl8pPr lvl="7" algn="l">
-              <a:lnSpc>
-                <a:spcPct val="100000"/>
-              </a:lnSpc>
-              <a:spcBef>
-                <a:spcPts val="0"/>
-              </a:spcBef>
-              <a:spcAft>
-                <a:spcPts val="0"/>
-              </a:spcAft>
-              <a:buSzPts val="1400"/>
-              <a:buNone/>
-              <a:defRPr/>
-            </a:lvl8pPr>
-            <a:lvl9pPr lvl="8" algn="l">
-              <a:lnSpc>
-                <a:spcPct val="100000"/>
-              </a:lnSpc>
-              <a:spcBef>
-                <a:spcPts val="0"/>
-              </a:spcBef>
-              <a:spcAft>
-                <a:spcPts val="0"/>
-              </a:spcAft>
-              <a:buSzPts val="1400"/>
-              <a:buNone/>
-              <a:defRPr/>
-            </a:lvl9pPr>
-          </a:lstStyle>
-          <a:p/>
-        </p:txBody>
-      </p:sp>
-      <p:sp>
-        <p:nvSpPr>
-          <p:cNvPr id="29" name="Google Shape;29;p5"/>
-          <p:cNvSpPr txBox="1"/>
-          <p:nvPr>
-            <p:ph idx="1" type="body"/>
-          </p:nvPr>
-        </p:nvSpPr>
-        <p:spPr>
-          <a:xfrm>
-            <a:off x="431800" y="945000"/>
-            <a:ext cx="3600000" cy="3375000"/>
-          </a:xfrm>
-          <a:prstGeom prst="rect">
-            <a:avLst/>
-          </a:prstGeom>
-          <a:noFill/>
-          <a:ln>
-            <a:noFill/>
-          </a:ln>
-        </p:spPr>
-        <p:txBody>
-          <a:bodyPr anchorCtr="0" anchor="t" bIns="0" lIns="0" spcFirstLastPara="1" rIns="0" wrap="square" tIns="0">
-            <a:noAutofit/>
-          </a:bodyPr>
-          <a:lstStyle>
-            <a:lvl1pPr indent="-228600" lvl="0" marL="457200" algn="l">
-              <a:lnSpc>
-                <a:spcPct val="100000"/>
-              </a:lnSpc>
-              <a:spcBef>
-                <a:spcPts val="360"/>
-              </a:spcBef>
-              <a:spcAft>
-                <a:spcPts val="0"/>
-              </a:spcAft>
-              <a:buSzPts val="1400"/>
-              <a:buNone/>
-              <a:defRPr/>
-            </a:lvl1pPr>
-            <a:lvl2pPr indent="-342900" lvl="1" marL="914400" algn="l">
-              <a:lnSpc>
-                <a:spcPct val="100000"/>
-              </a:lnSpc>
-              <a:spcBef>
-                <a:spcPts val="360"/>
-              </a:spcBef>
-              <a:spcAft>
-                <a:spcPts val="0"/>
-              </a:spcAft>
-              <a:buSzPts val="1800"/>
-              <a:buChar char="▪"/>
-              <a:defRPr/>
-            </a:lvl2pPr>
-            <a:lvl3pPr indent="-342900" lvl="2" marL="1371600" algn="l">
-              <a:lnSpc>
-                <a:spcPct val="100000"/>
-              </a:lnSpc>
-              <a:spcBef>
-                <a:spcPts val="360"/>
-              </a:spcBef>
-              <a:spcAft>
-                <a:spcPts val="0"/>
-              </a:spcAft>
-              <a:buSzPts val="1800"/>
-              <a:buChar char="▪"/>
-              <a:defRPr/>
-            </a:lvl3pPr>
-            <a:lvl4pPr indent="-342900" lvl="3" marL="1828800" algn="l">
-              <a:lnSpc>
-                <a:spcPct val="100000"/>
-              </a:lnSpc>
-              <a:spcBef>
-                <a:spcPts val="360"/>
-              </a:spcBef>
-              <a:spcAft>
-                <a:spcPts val="0"/>
-              </a:spcAft>
-              <a:buSzPts val="1800"/>
-              <a:buChar char="▪"/>
-              <a:defRPr/>
-            </a:lvl4pPr>
-            <a:lvl5pPr indent="-342900" lvl="4" marL="2286000" algn="l">
-              <a:lnSpc>
-                <a:spcPct val="100000"/>
-              </a:lnSpc>
-              <a:spcBef>
-                <a:spcPts val="360"/>
-              </a:spcBef>
-              <a:spcAft>
-                <a:spcPts val="0"/>
-              </a:spcAft>
-              <a:buSzPts val="1800"/>
-              <a:buChar char="▪"/>
-              <a:defRPr/>
-            </a:lvl5pPr>
-            <a:lvl6pPr indent="-342900" lvl="5" marL="2743200" algn="l">
-              <a:lnSpc>
-                <a:spcPct val="100000"/>
-              </a:lnSpc>
-              <a:spcBef>
-                <a:spcPts val="360"/>
-              </a:spcBef>
-              <a:spcAft>
-                <a:spcPts val="0"/>
-              </a:spcAft>
-              <a:buClr>
-                <a:schemeClr val="dk1"/>
-              </a:buClr>
-              <a:buSzPts val="1800"/>
-              <a:buChar char="▪"/>
-              <a:defRPr/>
-            </a:lvl6pPr>
-            <a:lvl7pPr indent="-342900" lvl="6" marL="3200400" algn="l">
-              <a:lnSpc>
-                <a:spcPct val="100000"/>
-              </a:lnSpc>
-              <a:spcBef>
-                <a:spcPts val="360"/>
-              </a:spcBef>
-              <a:spcAft>
-                <a:spcPts val="0"/>
-              </a:spcAft>
-              <a:buClr>
-                <a:schemeClr val="dk1"/>
-              </a:buClr>
-              <a:buSzPts val="1800"/>
-              <a:buChar char="▪"/>
-              <a:defRPr/>
-            </a:lvl7pPr>
-            <a:lvl8pPr indent="-342900" lvl="7" marL="3657600" algn="l">
-              <a:lnSpc>
-                <a:spcPct val="100000"/>
-              </a:lnSpc>
-              <a:spcBef>
-                <a:spcPts val="360"/>
-              </a:spcBef>
-              <a:spcAft>
-                <a:spcPts val="0"/>
-              </a:spcAft>
-              <a:buClr>
-                <a:schemeClr val="dk1"/>
-              </a:buClr>
-              <a:buSzPts val="1800"/>
-              <a:buChar char="▪"/>
-              <a:defRPr/>
-            </a:lvl8pPr>
-            <a:lvl9pPr indent="-342900" lvl="8" marL="4114800" algn="l">
-              <a:lnSpc>
-                <a:spcPct val="100000"/>
-              </a:lnSpc>
-              <a:spcBef>
-                <a:spcPts val="360"/>
-              </a:spcBef>
-              <a:spcAft>
-                <a:spcPts val="0"/>
-              </a:spcAft>
-              <a:buClr>
-                <a:schemeClr val="dk1"/>
-              </a:buClr>
-              <a:buSzPts val="1800"/>
-              <a:buChar char="▪"/>
-              <a:defRPr/>
-            </a:lvl9pPr>
-          </a:lstStyle>
-          <a:p/>
-        </p:txBody>
-      </p:sp>
-      <p:sp>
-        <p:nvSpPr>
-          <p:cNvPr id="30" name="Google Shape;30;p5"/>
-          <p:cNvSpPr txBox="1"/>
-          <p:nvPr>
-            <p:ph idx="2" type="body"/>
-          </p:nvPr>
-        </p:nvSpPr>
-        <p:spPr>
-          <a:xfrm>
-            <a:off x="4860000" y="945000"/>
-            <a:ext cx="3600000" cy="3375000"/>
-          </a:xfrm>
-          <a:prstGeom prst="rect">
-            <a:avLst/>
-          </a:prstGeom>
-          <a:noFill/>
-          <a:ln>
-            <a:noFill/>
-          </a:ln>
-        </p:spPr>
-        <p:txBody>
-          <a:bodyPr anchorCtr="0" anchor="t" bIns="0" lIns="0" spcFirstLastPara="1" rIns="0" wrap="square" tIns="0">
-            <a:noAutofit/>
-          </a:bodyPr>
-          <a:lstStyle>
-            <a:lvl1pPr indent="-228600" lvl="0" marL="457200" algn="l">
-              <a:lnSpc>
-                <a:spcPct val="100000"/>
-              </a:lnSpc>
-              <a:spcBef>
-                <a:spcPts val="360"/>
-              </a:spcBef>
-              <a:spcAft>
-                <a:spcPts val="0"/>
-              </a:spcAft>
-              <a:buSzPts val="1400"/>
-              <a:buNone/>
-              <a:defRPr/>
-            </a:lvl1pPr>
-            <a:lvl2pPr indent="-342900" lvl="1" marL="914400" algn="l">
-              <a:lnSpc>
-                <a:spcPct val="100000"/>
-              </a:lnSpc>
-              <a:spcBef>
-                <a:spcPts val="360"/>
-              </a:spcBef>
-              <a:spcAft>
-                <a:spcPts val="0"/>
-              </a:spcAft>
-              <a:buSzPts val="1800"/>
-              <a:buChar char="▪"/>
-              <a:defRPr/>
-            </a:lvl2pPr>
-            <a:lvl3pPr indent="-342900" lvl="2" marL="1371600" algn="l">
-              <a:lnSpc>
-                <a:spcPct val="100000"/>
-              </a:lnSpc>
-              <a:spcBef>
-                <a:spcPts val="360"/>
-              </a:spcBef>
-              <a:spcAft>
-                <a:spcPts val="0"/>
-              </a:spcAft>
-              <a:buSzPts val="1800"/>
-              <a:buChar char="▪"/>
-              <a:defRPr/>
-            </a:lvl3pPr>
-            <a:lvl4pPr indent="-342900" lvl="3" marL="1828800" algn="l">
-              <a:lnSpc>
-                <a:spcPct val="100000"/>
-              </a:lnSpc>
-              <a:spcBef>
-                <a:spcPts val="360"/>
-              </a:spcBef>
-              <a:spcAft>
-                <a:spcPts val="0"/>
-              </a:spcAft>
-              <a:buSzPts val="1800"/>
-              <a:buChar char="▪"/>
-              <a:defRPr/>
-            </a:lvl4pPr>
-            <a:lvl5pPr indent="-342900" lvl="4" marL="2286000" algn="l">
-              <a:lnSpc>
-                <a:spcPct val="100000"/>
-              </a:lnSpc>
-              <a:spcBef>
-                <a:spcPts val="360"/>
-              </a:spcBef>
-              <a:spcAft>
-                <a:spcPts val="0"/>
-              </a:spcAft>
-              <a:buSzPts val="1800"/>
-              <a:buChar char="▪"/>
-              <a:defRPr/>
-            </a:lvl5pPr>
-            <a:lvl6pPr indent="-342900" lvl="5" marL="2743200" algn="l">
-              <a:lnSpc>
-                <a:spcPct val="100000"/>
-              </a:lnSpc>
-              <a:spcBef>
-                <a:spcPts val="360"/>
-              </a:spcBef>
-              <a:spcAft>
-                <a:spcPts val="0"/>
-              </a:spcAft>
-              <a:buClr>
-                <a:schemeClr val="dk1"/>
-              </a:buClr>
-              <a:buSzPts val="1800"/>
-              <a:buChar char="▪"/>
-              <a:defRPr/>
-            </a:lvl6pPr>
-            <a:lvl7pPr indent="-342900" lvl="6" marL="3200400" algn="l">
-              <a:lnSpc>
-                <a:spcPct val="100000"/>
-              </a:lnSpc>
-              <a:spcBef>
-                <a:spcPts val="360"/>
-              </a:spcBef>
-              <a:spcAft>
-                <a:spcPts val="0"/>
-              </a:spcAft>
-              <a:buClr>
-                <a:schemeClr val="dk1"/>
-              </a:buClr>
-              <a:buSzPts val="1800"/>
-              <a:buChar char="▪"/>
-              <a:defRPr/>
-            </a:lvl7pPr>
-            <a:lvl8pPr indent="-342900" lvl="7" marL="3657600" algn="l">
-              <a:lnSpc>
-                <a:spcPct val="100000"/>
-              </a:lnSpc>
-              <a:spcBef>
-                <a:spcPts val="360"/>
-              </a:spcBef>
-              <a:spcAft>
-                <a:spcPts val="0"/>
-              </a:spcAft>
-              <a:buClr>
-                <a:schemeClr val="dk1"/>
-              </a:buClr>
-              <a:buSzPts val="1800"/>
-              <a:buChar char="▪"/>
-              <a:defRPr/>
-            </a:lvl8pPr>
-            <a:lvl9pPr indent="-342900" lvl="8" marL="4114800" algn="l">
-              <a:lnSpc>
-                <a:spcPct val="100000"/>
-              </a:lnSpc>
-              <a:spcBef>
-                <a:spcPts val="360"/>
-              </a:spcBef>
-              <a:spcAft>
-                <a:spcPts val="0"/>
-              </a:spcAft>
-              <a:buClr>
-                <a:schemeClr val="dk1"/>
-              </a:buClr>
-              <a:buSzPts val="1800"/>
-              <a:buChar char="▪"/>
-              <a:defRPr/>
-            </a:lvl9pPr>
-          </a:lstStyle>
-          <a:p/>
-        </p:txBody>
-      </p:sp>
-    </p:spTree>
-  </p:cSld>
-  <p:clrMapOvr>
-    <a:masterClrMapping/>
-  </p:clrMapOvr>
-</p:sldLayout>
-</file>
-
-<file path=ppt/slideLayouts/slideLayout5.xml><?xml version="1.0" encoding="utf-8"?>
-<p:sldLayout xmlns:a="http://schemas.openxmlformats.org/drawingml/2006/main" xmlns:r="http://schemas.openxmlformats.org/officeDocument/2006/relationships" xmlns:mc="http://schemas.openxmlformats.org/markup-compatibility/2006" xmlns:mv="urn:schemas-microsoft-com:mac:vml" xmlns:p="http://schemas.openxmlformats.org/presentationml/2006/main" xmlns:c="http://schemas.openxmlformats.org/drawingml/2006/chart" xmlns:dgm="http://schemas.openxmlformats.org/drawingml/2006/diagram" xmlns:o="urn:schemas-microsoft-com:office:office" xmlns:v="urn:schemas-microsoft-com:vml" xmlns:pvml="urn:schemas-microsoft-com:office:powerpoint" xmlns:com="http://schemas.openxmlformats.org/drawingml/2006/compatibility" xmlns:p14="http://schemas.microsoft.com/office/powerpoint/2010/main" xmlns:p15="http://schemas.microsoft.com/office/powerpoint/2012/main" xmlns:ahyp="http://schemas.microsoft.com/office/drawing/2018/hyperlinkcolor" matchingName="Titel und Diagramm" type="chart">
-  <p:cSld name="CHART">
     <p:spTree>
       <p:nvGrpSpPr>
         <p:cNvPr id="31" name="Shape 31"/>
@@ -6180,6 +6500,523 @@
       <p:sp>
         <p:nvSpPr>
           <p:cNvPr id="33" name="Google Shape;33;p6"/>
+          <p:cNvSpPr txBox="1"/>
+          <p:nvPr>
+            <p:ph idx="1" type="body"/>
+          </p:nvPr>
+        </p:nvSpPr>
+        <p:spPr>
+          <a:xfrm>
+            <a:off x="431800" y="945000"/>
+            <a:ext cx="3600000" cy="3375000"/>
+          </a:xfrm>
+          <a:prstGeom prst="rect">
+            <a:avLst/>
+          </a:prstGeom>
+          <a:noFill/>
+          <a:ln>
+            <a:noFill/>
+          </a:ln>
+        </p:spPr>
+        <p:txBody>
+          <a:bodyPr anchorCtr="0" anchor="t" bIns="0" lIns="0" spcFirstLastPara="1" rIns="0" wrap="square" tIns="0">
+            <a:noAutofit/>
+          </a:bodyPr>
+          <a:lstStyle>
+            <a:lvl1pPr indent="-228600" lvl="0" marL="457200" algn="l">
+              <a:lnSpc>
+                <a:spcPct val="100000"/>
+              </a:lnSpc>
+              <a:spcBef>
+                <a:spcPts val="360"/>
+              </a:spcBef>
+              <a:spcAft>
+                <a:spcPts val="0"/>
+              </a:spcAft>
+              <a:buSzPts val="1400"/>
+              <a:buNone/>
+              <a:defRPr/>
+            </a:lvl1pPr>
+            <a:lvl2pPr indent="-342900" lvl="1" marL="914400" algn="l">
+              <a:lnSpc>
+                <a:spcPct val="100000"/>
+              </a:lnSpc>
+              <a:spcBef>
+                <a:spcPts val="360"/>
+              </a:spcBef>
+              <a:spcAft>
+                <a:spcPts val="0"/>
+              </a:spcAft>
+              <a:buSzPts val="1800"/>
+              <a:buChar char="▪"/>
+              <a:defRPr/>
+            </a:lvl2pPr>
+            <a:lvl3pPr indent="-342900" lvl="2" marL="1371600" algn="l">
+              <a:lnSpc>
+                <a:spcPct val="100000"/>
+              </a:lnSpc>
+              <a:spcBef>
+                <a:spcPts val="360"/>
+              </a:spcBef>
+              <a:spcAft>
+                <a:spcPts val="0"/>
+              </a:spcAft>
+              <a:buSzPts val="1800"/>
+              <a:buChar char="▪"/>
+              <a:defRPr/>
+            </a:lvl3pPr>
+            <a:lvl4pPr indent="-342900" lvl="3" marL="1828800" algn="l">
+              <a:lnSpc>
+                <a:spcPct val="100000"/>
+              </a:lnSpc>
+              <a:spcBef>
+                <a:spcPts val="360"/>
+              </a:spcBef>
+              <a:spcAft>
+                <a:spcPts val="0"/>
+              </a:spcAft>
+              <a:buSzPts val="1800"/>
+              <a:buChar char="▪"/>
+              <a:defRPr/>
+            </a:lvl4pPr>
+            <a:lvl5pPr indent="-342900" lvl="4" marL="2286000" algn="l">
+              <a:lnSpc>
+                <a:spcPct val="100000"/>
+              </a:lnSpc>
+              <a:spcBef>
+                <a:spcPts val="360"/>
+              </a:spcBef>
+              <a:spcAft>
+                <a:spcPts val="0"/>
+              </a:spcAft>
+              <a:buSzPts val="1800"/>
+              <a:buChar char="▪"/>
+              <a:defRPr/>
+            </a:lvl5pPr>
+            <a:lvl6pPr indent="-342900" lvl="5" marL="2743200" algn="l">
+              <a:lnSpc>
+                <a:spcPct val="100000"/>
+              </a:lnSpc>
+              <a:spcBef>
+                <a:spcPts val="360"/>
+              </a:spcBef>
+              <a:spcAft>
+                <a:spcPts val="0"/>
+              </a:spcAft>
+              <a:buClr>
+                <a:schemeClr val="dk1"/>
+              </a:buClr>
+              <a:buSzPts val="1800"/>
+              <a:buChar char="▪"/>
+              <a:defRPr/>
+            </a:lvl6pPr>
+            <a:lvl7pPr indent="-342900" lvl="6" marL="3200400" algn="l">
+              <a:lnSpc>
+                <a:spcPct val="100000"/>
+              </a:lnSpc>
+              <a:spcBef>
+                <a:spcPts val="360"/>
+              </a:spcBef>
+              <a:spcAft>
+                <a:spcPts val="0"/>
+              </a:spcAft>
+              <a:buClr>
+                <a:schemeClr val="dk1"/>
+              </a:buClr>
+              <a:buSzPts val="1800"/>
+              <a:buChar char="▪"/>
+              <a:defRPr/>
+            </a:lvl7pPr>
+            <a:lvl8pPr indent="-342900" lvl="7" marL="3657600" algn="l">
+              <a:lnSpc>
+                <a:spcPct val="100000"/>
+              </a:lnSpc>
+              <a:spcBef>
+                <a:spcPts val="360"/>
+              </a:spcBef>
+              <a:spcAft>
+                <a:spcPts val="0"/>
+              </a:spcAft>
+              <a:buClr>
+                <a:schemeClr val="dk1"/>
+              </a:buClr>
+              <a:buSzPts val="1800"/>
+              <a:buChar char="▪"/>
+              <a:defRPr/>
+            </a:lvl8pPr>
+            <a:lvl9pPr indent="-342900" lvl="8" marL="4114800" algn="l">
+              <a:lnSpc>
+                <a:spcPct val="100000"/>
+              </a:lnSpc>
+              <a:spcBef>
+                <a:spcPts val="360"/>
+              </a:spcBef>
+              <a:spcAft>
+                <a:spcPts val="0"/>
+              </a:spcAft>
+              <a:buClr>
+                <a:schemeClr val="dk1"/>
+              </a:buClr>
+              <a:buSzPts val="1800"/>
+              <a:buChar char="▪"/>
+              <a:defRPr/>
+            </a:lvl9pPr>
+          </a:lstStyle>
+          <a:p/>
+        </p:txBody>
+      </p:sp>
+      <p:sp>
+        <p:nvSpPr>
+          <p:cNvPr id="34" name="Google Shape;34;p6"/>
+          <p:cNvSpPr txBox="1"/>
+          <p:nvPr>
+            <p:ph idx="2" type="body"/>
+          </p:nvPr>
+        </p:nvSpPr>
+        <p:spPr>
+          <a:xfrm>
+            <a:off x="4860000" y="945000"/>
+            <a:ext cx="3600000" cy="3375000"/>
+          </a:xfrm>
+          <a:prstGeom prst="rect">
+            <a:avLst/>
+          </a:prstGeom>
+          <a:noFill/>
+          <a:ln>
+            <a:noFill/>
+          </a:ln>
+        </p:spPr>
+        <p:txBody>
+          <a:bodyPr anchorCtr="0" anchor="t" bIns="0" lIns="0" spcFirstLastPara="1" rIns="0" wrap="square" tIns="0">
+            <a:noAutofit/>
+          </a:bodyPr>
+          <a:lstStyle>
+            <a:lvl1pPr indent="-228600" lvl="0" marL="457200" algn="l">
+              <a:lnSpc>
+                <a:spcPct val="100000"/>
+              </a:lnSpc>
+              <a:spcBef>
+                <a:spcPts val="360"/>
+              </a:spcBef>
+              <a:spcAft>
+                <a:spcPts val="0"/>
+              </a:spcAft>
+              <a:buSzPts val="1400"/>
+              <a:buNone/>
+              <a:defRPr/>
+            </a:lvl1pPr>
+            <a:lvl2pPr indent="-342900" lvl="1" marL="914400" algn="l">
+              <a:lnSpc>
+                <a:spcPct val="100000"/>
+              </a:lnSpc>
+              <a:spcBef>
+                <a:spcPts val="360"/>
+              </a:spcBef>
+              <a:spcAft>
+                <a:spcPts val="0"/>
+              </a:spcAft>
+              <a:buSzPts val="1800"/>
+              <a:buChar char="▪"/>
+              <a:defRPr/>
+            </a:lvl2pPr>
+            <a:lvl3pPr indent="-342900" lvl="2" marL="1371600" algn="l">
+              <a:lnSpc>
+                <a:spcPct val="100000"/>
+              </a:lnSpc>
+              <a:spcBef>
+                <a:spcPts val="360"/>
+              </a:spcBef>
+              <a:spcAft>
+                <a:spcPts val="0"/>
+              </a:spcAft>
+              <a:buSzPts val="1800"/>
+              <a:buChar char="▪"/>
+              <a:defRPr/>
+            </a:lvl3pPr>
+            <a:lvl4pPr indent="-342900" lvl="3" marL="1828800" algn="l">
+              <a:lnSpc>
+                <a:spcPct val="100000"/>
+              </a:lnSpc>
+              <a:spcBef>
+                <a:spcPts val="360"/>
+              </a:spcBef>
+              <a:spcAft>
+                <a:spcPts val="0"/>
+              </a:spcAft>
+              <a:buSzPts val="1800"/>
+              <a:buChar char="▪"/>
+              <a:defRPr/>
+            </a:lvl4pPr>
+            <a:lvl5pPr indent="-342900" lvl="4" marL="2286000" algn="l">
+              <a:lnSpc>
+                <a:spcPct val="100000"/>
+              </a:lnSpc>
+              <a:spcBef>
+                <a:spcPts val="360"/>
+              </a:spcBef>
+              <a:spcAft>
+                <a:spcPts val="0"/>
+              </a:spcAft>
+              <a:buSzPts val="1800"/>
+              <a:buChar char="▪"/>
+              <a:defRPr/>
+            </a:lvl5pPr>
+            <a:lvl6pPr indent="-342900" lvl="5" marL="2743200" algn="l">
+              <a:lnSpc>
+                <a:spcPct val="100000"/>
+              </a:lnSpc>
+              <a:spcBef>
+                <a:spcPts val="360"/>
+              </a:spcBef>
+              <a:spcAft>
+                <a:spcPts val="0"/>
+              </a:spcAft>
+              <a:buClr>
+                <a:schemeClr val="dk1"/>
+              </a:buClr>
+              <a:buSzPts val="1800"/>
+              <a:buChar char="▪"/>
+              <a:defRPr/>
+            </a:lvl6pPr>
+            <a:lvl7pPr indent="-342900" lvl="6" marL="3200400" algn="l">
+              <a:lnSpc>
+                <a:spcPct val="100000"/>
+              </a:lnSpc>
+              <a:spcBef>
+                <a:spcPts val="360"/>
+              </a:spcBef>
+              <a:spcAft>
+                <a:spcPts val="0"/>
+              </a:spcAft>
+              <a:buClr>
+                <a:schemeClr val="dk1"/>
+              </a:buClr>
+              <a:buSzPts val="1800"/>
+              <a:buChar char="▪"/>
+              <a:defRPr/>
+            </a:lvl7pPr>
+            <a:lvl8pPr indent="-342900" lvl="7" marL="3657600" algn="l">
+              <a:lnSpc>
+                <a:spcPct val="100000"/>
+              </a:lnSpc>
+              <a:spcBef>
+                <a:spcPts val="360"/>
+              </a:spcBef>
+              <a:spcAft>
+                <a:spcPts val="0"/>
+              </a:spcAft>
+              <a:buClr>
+                <a:schemeClr val="dk1"/>
+              </a:buClr>
+              <a:buSzPts val="1800"/>
+              <a:buChar char="▪"/>
+              <a:defRPr/>
+            </a:lvl8pPr>
+            <a:lvl9pPr indent="-342900" lvl="8" marL="4114800" algn="l">
+              <a:lnSpc>
+                <a:spcPct val="100000"/>
+              </a:lnSpc>
+              <a:spcBef>
+                <a:spcPts val="360"/>
+              </a:spcBef>
+              <a:spcAft>
+                <a:spcPts val="0"/>
+              </a:spcAft>
+              <a:buClr>
+                <a:schemeClr val="dk1"/>
+              </a:buClr>
+              <a:buSzPts val="1800"/>
+              <a:buChar char="▪"/>
+              <a:defRPr/>
+            </a:lvl9pPr>
+          </a:lstStyle>
+          <a:p/>
+        </p:txBody>
+      </p:sp>
+    </p:spTree>
+  </p:cSld>
+  <p:clrMapOvr>
+    <a:masterClrMapping/>
+  </p:clrMapOvr>
+</p:sldLayout>
+</file>
+
+<file path=ppt/slideLayouts/slideLayout6.xml><?xml version="1.0" encoding="utf-8"?>
+<p:sldLayout xmlns:a="http://schemas.openxmlformats.org/drawingml/2006/main" xmlns:r="http://schemas.openxmlformats.org/officeDocument/2006/relationships" xmlns:mc="http://schemas.openxmlformats.org/markup-compatibility/2006" xmlns:mv="urn:schemas-microsoft-com:mac:vml" xmlns:p="http://schemas.openxmlformats.org/presentationml/2006/main" xmlns:c="http://schemas.openxmlformats.org/drawingml/2006/chart" xmlns:dgm="http://schemas.openxmlformats.org/drawingml/2006/diagram" xmlns:o="urn:schemas-microsoft-com:office:office" xmlns:v="urn:schemas-microsoft-com:vml" xmlns:pvml="urn:schemas-microsoft-com:office:powerpoint" xmlns:com="http://schemas.openxmlformats.org/drawingml/2006/compatibility" xmlns:p14="http://schemas.microsoft.com/office/powerpoint/2010/main" xmlns:p15="http://schemas.microsoft.com/office/powerpoint/2012/main" xmlns:ahyp="http://schemas.microsoft.com/office/drawing/2018/hyperlinkcolor" matchingName="Titel und Diagramm" type="chart">
+  <p:cSld name="CHART">
+    <p:spTree>
+      <p:nvGrpSpPr>
+        <p:cNvPr id="35" name="Shape 35"/>
+        <p:cNvGrpSpPr/>
+        <p:nvPr/>
+      </p:nvGrpSpPr>
+      <p:grpSpPr>
+        <a:xfrm>
+          <a:off x="0" y="0"/>
+          <a:ext cx="0" cy="0"/>
+          <a:chOff x="0" y="0"/>
+          <a:chExt cx="0" cy="0"/>
+        </a:xfrm>
+      </p:grpSpPr>
+      <p:sp>
+        <p:nvSpPr>
+          <p:cNvPr id="36" name="Google Shape;36;p7"/>
+          <p:cNvSpPr txBox="1"/>
+          <p:nvPr>
+            <p:ph type="title"/>
+          </p:nvPr>
+        </p:nvSpPr>
+        <p:spPr>
+          <a:xfrm>
+            <a:off x="431800" y="83344"/>
+            <a:ext cx="8375700" cy="531000"/>
+          </a:xfrm>
+          <a:prstGeom prst="rect">
+            <a:avLst/>
+          </a:prstGeom>
+          <a:noFill/>
+          <a:ln>
+            <a:noFill/>
+          </a:ln>
+        </p:spPr>
+        <p:txBody>
+          <a:bodyPr anchorCtr="0" anchor="b" bIns="0" lIns="0" spcFirstLastPara="1" rIns="0" wrap="square" tIns="0">
+            <a:noAutofit/>
+          </a:bodyPr>
+          <a:lstStyle>
+            <a:lvl1pPr lvl="0" algn="l">
+              <a:lnSpc>
+                <a:spcPct val="100000"/>
+              </a:lnSpc>
+              <a:spcBef>
+                <a:spcPts val="0"/>
+              </a:spcBef>
+              <a:spcAft>
+                <a:spcPts val="0"/>
+              </a:spcAft>
+              <a:buSzPts val="1400"/>
+              <a:buNone/>
+              <a:defRPr/>
+            </a:lvl1pPr>
+            <a:lvl2pPr lvl="1" algn="l">
+              <a:lnSpc>
+                <a:spcPct val="100000"/>
+              </a:lnSpc>
+              <a:spcBef>
+                <a:spcPts val="0"/>
+              </a:spcBef>
+              <a:spcAft>
+                <a:spcPts val="0"/>
+              </a:spcAft>
+              <a:buSzPts val="1400"/>
+              <a:buNone/>
+              <a:defRPr/>
+            </a:lvl2pPr>
+            <a:lvl3pPr lvl="2" algn="l">
+              <a:lnSpc>
+                <a:spcPct val="100000"/>
+              </a:lnSpc>
+              <a:spcBef>
+                <a:spcPts val="0"/>
+              </a:spcBef>
+              <a:spcAft>
+                <a:spcPts val="0"/>
+              </a:spcAft>
+              <a:buSzPts val="1400"/>
+              <a:buNone/>
+              <a:defRPr/>
+            </a:lvl3pPr>
+            <a:lvl4pPr lvl="3" algn="l">
+              <a:lnSpc>
+                <a:spcPct val="100000"/>
+              </a:lnSpc>
+              <a:spcBef>
+                <a:spcPts val="0"/>
+              </a:spcBef>
+              <a:spcAft>
+                <a:spcPts val="0"/>
+              </a:spcAft>
+              <a:buSzPts val="1400"/>
+              <a:buNone/>
+              <a:defRPr/>
+            </a:lvl4pPr>
+            <a:lvl5pPr lvl="4" algn="l">
+              <a:lnSpc>
+                <a:spcPct val="100000"/>
+              </a:lnSpc>
+              <a:spcBef>
+                <a:spcPts val="0"/>
+              </a:spcBef>
+              <a:spcAft>
+                <a:spcPts val="0"/>
+              </a:spcAft>
+              <a:buSzPts val="1400"/>
+              <a:buNone/>
+              <a:defRPr/>
+            </a:lvl5pPr>
+            <a:lvl6pPr lvl="5" algn="l">
+              <a:lnSpc>
+                <a:spcPct val="100000"/>
+              </a:lnSpc>
+              <a:spcBef>
+                <a:spcPts val="0"/>
+              </a:spcBef>
+              <a:spcAft>
+                <a:spcPts val="0"/>
+              </a:spcAft>
+              <a:buSzPts val="1400"/>
+              <a:buNone/>
+              <a:defRPr/>
+            </a:lvl6pPr>
+            <a:lvl7pPr lvl="6" algn="l">
+              <a:lnSpc>
+                <a:spcPct val="100000"/>
+              </a:lnSpc>
+              <a:spcBef>
+                <a:spcPts val="0"/>
+              </a:spcBef>
+              <a:spcAft>
+                <a:spcPts val="0"/>
+              </a:spcAft>
+              <a:buSzPts val="1400"/>
+              <a:buNone/>
+              <a:defRPr/>
+            </a:lvl7pPr>
+            <a:lvl8pPr lvl="7" algn="l">
+              <a:lnSpc>
+                <a:spcPct val="100000"/>
+              </a:lnSpc>
+              <a:spcBef>
+                <a:spcPts val="0"/>
+              </a:spcBef>
+              <a:spcAft>
+                <a:spcPts val="0"/>
+              </a:spcAft>
+              <a:buSzPts val="1400"/>
+              <a:buNone/>
+              <a:defRPr/>
+            </a:lvl8pPr>
+            <a:lvl9pPr lvl="8" algn="l">
+              <a:lnSpc>
+                <a:spcPct val="100000"/>
+              </a:lnSpc>
+              <a:spcBef>
+                <a:spcPts val="0"/>
+              </a:spcBef>
+              <a:spcAft>
+                <a:spcPts val="0"/>
+              </a:spcAft>
+              <a:buSzPts val="1400"/>
+              <a:buNone/>
+              <a:defRPr/>
+            </a:lvl9pPr>
+          </a:lstStyle>
+          <a:p/>
+        </p:txBody>
+      </p:sp>
+      <p:sp>
+        <p:nvSpPr>
+          <p:cNvPr id="37" name="Google Shape;37;p7"/>
           <p:cNvSpPr/>
           <p:nvPr>
             <p:ph idx="2" type="chart"/>
@@ -6449,12 +7286,12 @@
 </p:sldLayout>
 </file>
 
-<file path=ppt/slideLayouts/slideLayout6.xml><?xml version="1.0" encoding="utf-8"?>
+<file path=ppt/slideLayouts/slideLayout7.xml><?xml version="1.0" encoding="utf-8"?>
 <p:sldLayout xmlns:a="http://schemas.openxmlformats.org/drawingml/2006/main" xmlns:r="http://schemas.openxmlformats.org/officeDocument/2006/relationships" xmlns:mc="http://schemas.openxmlformats.org/markup-compatibility/2006" xmlns:mv="urn:schemas-microsoft-com:mac:vml" xmlns:p="http://schemas.openxmlformats.org/presentationml/2006/main" xmlns:c="http://schemas.openxmlformats.org/drawingml/2006/chart" xmlns:dgm="http://schemas.openxmlformats.org/drawingml/2006/diagram" xmlns:o="urn:schemas-microsoft-com:office:office" xmlns:v="urn:schemas-microsoft-com:vml" xmlns:pvml="urn:schemas-microsoft-com:office:powerpoint" xmlns:com="http://schemas.openxmlformats.org/drawingml/2006/compatibility" xmlns:p14="http://schemas.microsoft.com/office/powerpoint/2010/main" xmlns:p15="http://schemas.microsoft.com/office/powerpoint/2012/main" xmlns:ahyp="http://schemas.microsoft.com/office/drawing/2018/hyperlinkcolor" matchingName="Nur Titel" type="titleOnly">
   <p:cSld name="TITLE_ONLY">
     <p:spTree>
       <p:nvGrpSpPr>
-        <p:cNvPr id="34" name="Shape 34"/>
+        <p:cNvPr id="38" name="Shape 38"/>
         <p:cNvGrpSpPr/>
         <p:nvPr/>
       </p:nvGrpSpPr>
@@ -6468,7 +7305,7 @@
       </p:grpSpPr>
       <p:sp>
         <p:nvSpPr>
-          <p:cNvPr id="35" name="Google Shape;35;p7"/>
+          <p:cNvPr id="39" name="Google Shape;39;p8"/>
           <p:cNvSpPr txBox="1"/>
           <p:nvPr>
             <p:ph type="title"/>
@@ -6630,12 +7467,12 @@
 </p:sldLayout>
 </file>
 
-<file path=ppt/slideLayouts/slideLayout7.xml><?xml version="1.0" encoding="utf-8"?>
+<file path=ppt/slideLayouts/slideLayout8.xml><?xml version="1.0" encoding="utf-8"?>
 <p:sldLayout xmlns:a="http://schemas.openxmlformats.org/drawingml/2006/main" xmlns:r="http://schemas.openxmlformats.org/officeDocument/2006/relationships" xmlns:mc="http://schemas.openxmlformats.org/markup-compatibility/2006" xmlns:mv="urn:schemas-microsoft-com:mac:vml" xmlns:p="http://schemas.openxmlformats.org/presentationml/2006/main" xmlns:c="http://schemas.openxmlformats.org/drawingml/2006/chart" xmlns:dgm="http://schemas.openxmlformats.org/drawingml/2006/diagram" xmlns:o="urn:schemas-microsoft-com:office:office" xmlns:v="urn:schemas-microsoft-com:vml" xmlns:pvml="urn:schemas-microsoft-com:office:powerpoint" xmlns:com="http://schemas.openxmlformats.org/drawingml/2006/compatibility" xmlns:p14="http://schemas.microsoft.com/office/powerpoint/2010/main" xmlns:p15="http://schemas.microsoft.com/office/powerpoint/2012/main" xmlns:ahyp="http://schemas.microsoft.com/office/drawing/2018/hyperlinkcolor" matchingName="3_Titel und Inhalt">
   <p:cSld name="3_Titel und Inhalt">
     <p:spTree>
       <p:nvGrpSpPr>
-        <p:cNvPr id="36" name="Shape 36"/>
+        <p:cNvPr id="40" name="Shape 40"/>
         <p:cNvGrpSpPr/>
         <p:nvPr/>
       </p:nvGrpSpPr>
@@ -6649,7 +7486,7 @@
       </p:grpSpPr>
       <p:sp>
         <p:nvSpPr>
-          <p:cNvPr id="37" name="Google Shape;37;p8"/>
+          <p:cNvPr id="41" name="Google Shape;41;p9"/>
           <p:cNvSpPr/>
           <p:nvPr/>
         </p:nvSpPr>
@@ -6708,7 +7545,7 @@
       </p:sp>
       <p:sp>
         <p:nvSpPr>
-          <p:cNvPr id="38" name="Google Shape;38;p8"/>
+          <p:cNvPr id="42" name="Google Shape;42;p9"/>
           <p:cNvSpPr txBox="1"/>
           <p:nvPr>
             <p:ph type="title"/>
@@ -6864,7 +7701,7 @@
       </p:sp>
       <p:sp>
         <p:nvSpPr>
-          <p:cNvPr id="39" name="Google Shape;39;p8"/>
+          <p:cNvPr id="43" name="Google Shape;43;p9"/>
           <p:cNvSpPr txBox="1"/>
           <p:nvPr>
             <p:ph idx="1" type="body"/>
@@ -7032,7 +7869,7 @@
       </p:sp>
       <p:sp>
         <p:nvSpPr>
-          <p:cNvPr id="40" name="Google Shape;40;p8"/>
+          <p:cNvPr id="44" name="Google Shape;44;p9"/>
           <p:cNvSpPr txBox="1"/>
           <p:nvPr>
             <p:ph idx="2" type="body"/>
@@ -7193,510 +8030,6 @@
               <a:buSzPts val="1800"/>
               <a:buChar char="▪"/>
               <a:defRPr/>
-            </a:lvl9pPr>
-          </a:lstStyle>
-          <a:p/>
-        </p:txBody>
-      </p:sp>
-    </p:spTree>
-  </p:cSld>
-  <p:clrMapOvr>
-    <a:masterClrMapping/>
-  </p:clrMapOvr>
-</p:sldLayout>
-</file>
-
-<file path=ppt/slideLayouts/slideLayout8.xml><?xml version="1.0" encoding="utf-8"?>
-<p:sldLayout xmlns:a="http://schemas.openxmlformats.org/drawingml/2006/main" xmlns:r="http://schemas.openxmlformats.org/officeDocument/2006/relationships" xmlns:mc="http://schemas.openxmlformats.org/markup-compatibility/2006" xmlns:mv="urn:schemas-microsoft-com:mac:vml" xmlns:p="http://schemas.openxmlformats.org/presentationml/2006/main" xmlns:c="http://schemas.openxmlformats.org/drawingml/2006/chart" xmlns:dgm="http://schemas.openxmlformats.org/drawingml/2006/diagram" xmlns:o="urn:schemas-microsoft-com:office:office" xmlns:v="urn:schemas-microsoft-com:vml" xmlns:pvml="urn:schemas-microsoft-com:office:powerpoint" xmlns:com="http://schemas.openxmlformats.org/drawingml/2006/compatibility" xmlns:p14="http://schemas.microsoft.com/office/powerpoint/2010/main" xmlns:p15="http://schemas.microsoft.com/office/powerpoint/2012/main" xmlns:ahyp="http://schemas.microsoft.com/office/drawing/2018/hyperlinkcolor" matchingName="1_Titel und Diagramm">
-  <p:cSld name="1_Titel und Diagramm">
-    <p:spTree>
-      <p:nvGrpSpPr>
-        <p:cNvPr id="41" name="Shape 41"/>
-        <p:cNvGrpSpPr/>
-        <p:nvPr/>
-      </p:nvGrpSpPr>
-      <p:grpSpPr>
-        <a:xfrm>
-          <a:off x="0" y="0"/>
-          <a:ext cx="0" cy="0"/>
-          <a:chOff x="0" y="0"/>
-          <a:chExt cx="0" cy="0"/>
-        </a:xfrm>
-      </p:grpSpPr>
-      <p:sp>
-        <p:nvSpPr>
-          <p:cNvPr id="42" name="Google Shape;42;p9"/>
-          <p:cNvSpPr/>
-          <p:nvPr/>
-        </p:nvSpPr>
-        <p:spPr>
-          <a:xfrm>
-            <a:off x="0" y="0"/>
-            <a:ext cx="9144000" cy="647700"/>
-          </a:xfrm>
-          <a:prstGeom prst="rect">
-            <a:avLst/>
-          </a:prstGeom>
-          <a:solidFill>
-            <a:srgbClr val="DDDDDD"/>
-          </a:solidFill>
-          <a:ln>
-            <a:noFill/>
-          </a:ln>
-        </p:spPr>
-        <p:txBody>
-          <a:bodyPr anchorCtr="0" anchor="ctr" bIns="45700" lIns="91425" spcFirstLastPara="1" rIns="91425" wrap="square" tIns="45700">
-            <a:noAutofit/>
-          </a:bodyPr>
-          <a:lstStyle/>
-          <a:p>
-            <a:pPr indent="0" lvl="0" marL="0" marR="0" rtl="0" algn="ctr">
-              <a:lnSpc>
-                <a:spcPct val="100000"/>
-              </a:lnSpc>
-              <a:spcBef>
-                <a:spcPts val="0"/>
-              </a:spcBef>
-              <a:spcAft>
-                <a:spcPts val="0"/>
-              </a:spcAft>
-              <a:buClr>
-                <a:srgbClr val="000000"/>
-              </a:buClr>
-              <a:buSzPts val="1800"/>
-              <a:buFont typeface="Arial"/>
-              <a:buNone/>
-            </a:pPr>
-            <a:r>
-              <a:t/>
-            </a:r>
-            <a:endParaRPr b="0" i="0" sz="1800" u="none" cap="none" strike="noStrike">
-              <a:solidFill>
-                <a:schemeClr val="accent2"/>
-              </a:solidFill>
-              <a:latin typeface="Arial"/>
-              <a:ea typeface="Arial"/>
-              <a:cs typeface="Arial"/>
-              <a:sym typeface="Arial"/>
-            </a:endParaRPr>
-          </a:p>
-        </p:txBody>
-      </p:sp>
-      <p:sp>
-        <p:nvSpPr>
-          <p:cNvPr id="43" name="Google Shape;43;p9"/>
-          <p:cNvSpPr txBox="1"/>
-          <p:nvPr>
-            <p:ph type="title"/>
-          </p:nvPr>
-        </p:nvSpPr>
-        <p:spPr>
-          <a:xfrm>
-            <a:off x="431800" y="83344"/>
-            <a:ext cx="8375700" cy="531000"/>
-          </a:xfrm>
-          <a:prstGeom prst="rect">
-            <a:avLst/>
-          </a:prstGeom>
-          <a:noFill/>
-          <a:ln>
-            <a:noFill/>
-          </a:ln>
-        </p:spPr>
-        <p:txBody>
-          <a:bodyPr anchorCtr="0" anchor="b" bIns="0" lIns="0" spcFirstLastPara="1" rIns="0" wrap="square" tIns="0">
-            <a:noAutofit/>
-          </a:bodyPr>
-          <a:lstStyle>
-            <a:lvl1pPr lvl="0" algn="l">
-              <a:lnSpc>
-                <a:spcPct val="100000"/>
-              </a:lnSpc>
-              <a:spcBef>
-                <a:spcPts val="0"/>
-              </a:spcBef>
-              <a:spcAft>
-                <a:spcPts val="0"/>
-              </a:spcAft>
-              <a:buSzPts val="1400"/>
-              <a:buNone/>
-              <a:defRPr/>
-            </a:lvl1pPr>
-            <a:lvl2pPr lvl="1" algn="l">
-              <a:lnSpc>
-                <a:spcPct val="100000"/>
-              </a:lnSpc>
-              <a:spcBef>
-                <a:spcPts val="0"/>
-              </a:spcBef>
-              <a:spcAft>
-                <a:spcPts val="0"/>
-              </a:spcAft>
-              <a:buSzPts val="1400"/>
-              <a:buNone/>
-              <a:defRPr/>
-            </a:lvl2pPr>
-            <a:lvl3pPr lvl="2" algn="l">
-              <a:lnSpc>
-                <a:spcPct val="100000"/>
-              </a:lnSpc>
-              <a:spcBef>
-                <a:spcPts val="0"/>
-              </a:spcBef>
-              <a:spcAft>
-                <a:spcPts val="0"/>
-              </a:spcAft>
-              <a:buSzPts val="1400"/>
-              <a:buNone/>
-              <a:defRPr/>
-            </a:lvl3pPr>
-            <a:lvl4pPr lvl="3" algn="l">
-              <a:lnSpc>
-                <a:spcPct val="100000"/>
-              </a:lnSpc>
-              <a:spcBef>
-                <a:spcPts val="0"/>
-              </a:spcBef>
-              <a:spcAft>
-                <a:spcPts val="0"/>
-              </a:spcAft>
-              <a:buSzPts val="1400"/>
-              <a:buNone/>
-              <a:defRPr/>
-            </a:lvl4pPr>
-            <a:lvl5pPr lvl="4" algn="l">
-              <a:lnSpc>
-                <a:spcPct val="100000"/>
-              </a:lnSpc>
-              <a:spcBef>
-                <a:spcPts val="0"/>
-              </a:spcBef>
-              <a:spcAft>
-                <a:spcPts val="0"/>
-              </a:spcAft>
-              <a:buSzPts val="1400"/>
-              <a:buNone/>
-              <a:defRPr/>
-            </a:lvl5pPr>
-            <a:lvl6pPr lvl="5" algn="l">
-              <a:lnSpc>
-                <a:spcPct val="100000"/>
-              </a:lnSpc>
-              <a:spcBef>
-                <a:spcPts val="0"/>
-              </a:spcBef>
-              <a:spcAft>
-                <a:spcPts val="0"/>
-              </a:spcAft>
-              <a:buSzPts val="1400"/>
-              <a:buNone/>
-              <a:defRPr/>
-            </a:lvl6pPr>
-            <a:lvl7pPr lvl="6" algn="l">
-              <a:lnSpc>
-                <a:spcPct val="100000"/>
-              </a:lnSpc>
-              <a:spcBef>
-                <a:spcPts val="0"/>
-              </a:spcBef>
-              <a:spcAft>
-                <a:spcPts val="0"/>
-              </a:spcAft>
-              <a:buSzPts val="1400"/>
-              <a:buNone/>
-              <a:defRPr/>
-            </a:lvl7pPr>
-            <a:lvl8pPr lvl="7" algn="l">
-              <a:lnSpc>
-                <a:spcPct val="100000"/>
-              </a:lnSpc>
-              <a:spcBef>
-                <a:spcPts val="0"/>
-              </a:spcBef>
-              <a:spcAft>
-                <a:spcPts val="0"/>
-              </a:spcAft>
-              <a:buSzPts val="1400"/>
-              <a:buNone/>
-              <a:defRPr/>
-            </a:lvl8pPr>
-            <a:lvl9pPr lvl="8" algn="l">
-              <a:lnSpc>
-                <a:spcPct val="100000"/>
-              </a:lnSpc>
-              <a:spcBef>
-                <a:spcPts val="0"/>
-              </a:spcBef>
-              <a:spcAft>
-                <a:spcPts val="0"/>
-              </a:spcAft>
-              <a:buSzPts val="1400"/>
-              <a:buNone/>
-              <a:defRPr/>
-            </a:lvl9pPr>
-          </a:lstStyle>
-          <a:p/>
-        </p:txBody>
-      </p:sp>
-      <p:sp>
-        <p:nvSpPr>
-          <p:cNvPr id="44" name="Google Shape;44;p9"/>
-          <p:cNvSpPr/>
-          <p:nvPr>
-            <p:ph idx="2" type="chart"/>
-          </p:nvPr>
-        </p:nvSpPr>
-        <p:spPr>
-          <a:xfrm>
-            <a:off x="431800" y="782241"/>
-            <a:ext cx="8375700" cy="3579000"/>
-          </a:xfrm>
-          <a:prstGeom prst="rect">
-            <a:avLst/>
-          </a:prstGeom>
-          <a:noFill/>
-          <a:ln>
-            <a:noFill/>
-          </a:ln>
-        </p:spPr>
-        <p:txBody>
-          <a:bodyPr anchorCtr="0" anchor="t" bIns="0" lIns="0" spcFirstLastPara="1" rIns="0" wrap="square" tIns="0">
-            <a:noAutofit/>
-          </a:bodyPr>
-          <a:lstStyle>
-            <a:lvl1pPr lvl="0" marR="0" rtl="0" algn="l">
-              <a:lnSpc>
-                <a:spcPct val="100000"/>
-              </a:lnSpc>
-              <a:spcBef>
-                <a:spcPts val="320"/>
-              </a:spcBef>
-              <a:spcAft>
-                <a:spcPts val="0"/>
-              </a:spcAft>
-              <a:buClr>
-                <a:srgbClr val="000000"/>
-              </a:buClr>
-              <a:buSzPts val="1400"/>
-              <a:buFont typeface="Arial"/>
-              <a:buNone/>
-              <a:defRPr b="0" i="0" sz="1600" u="none" cap="none" strike="noStrike">
-                <a:solidFill>
-                  <a:schemeClr val="dk1"/>
-                </a:solidFill>
-                <a:latin typeface="Arial"/>
-                <a:ea typeface="Arial"/>
-                <a:cs typeface="Arial"/>
-                <a:sym typeface="Arial"/>
-              </a:defRPr>
-            </a:lvl1pPr>
-            <a:lvl2pPr lvl="1" marR="0" rtl="0" algn="l">
-              <a:lnSpc>
-                <a:spcPct val="100000"/>
-              </a:lnSpc>
-              <a:spcBef>
-                <a:spcPts val="320"/>
-              </a:spcBef>
-              <a:spcAft>
-                <a:spcPts val="0"/>
-              </a:spcAft>
-              <a:buClr>
-                <a:schemeClr val="dk1"/>
-              </a:buClr>
-              <a:buSzPts val="1600"/>
-              <a:buFont typeface="Noto Sans Symbols"/>
-              <a:buChar char="▪"/>
-              <a:defRPr b="0" i="0" sz="1600" u="none" cap="none" strike="noStrike">
-                <a:solidFill>
-                  <a:schemeClr val="dk1"/>
-                </a:solidFill>
-                <a:latin typeface="Arial"/>
-                <a:ea typeface="Arial"/>
-                <a:cs typeface="Arial"/>
-                <a:sym typeface="Arial"/>
-              </a:defRPr>
-            </a:lvl2pPr>
-            <a:lvl3pPr lvl="2" marR="0" rtl="0" algn="l">
-              <a:lnSpc>
-                <a:spcPct val="100000"/>
-              </a:lnSpc>
-              <a:spcBef>
-                <a:spcPts val="320"/>
-              </a:spcBef>
-              <a:spcAft>
-                <a:spcPts val="0"/>
-              </a:spcAft>
-              <a:buClr>
-                <a:schemeClr val="dk1"/>
-              </a:buClr>
-              <a:buSzPts val="1600"/>
-              <a:buFont typeface="Noto Sans Symbols"/>
-              <a:buChar char="▪"/>
-              <a:defRPr b="0" i="0" sz="1600" u="none" cap="none" strike="noStrike">
-                <a:solidFill>
-                  <a:schemeClr val="dk1"/>
-                </a:solidFill>
-                <a:latin typeface="Arial"/>
-                <a:ea typeface="Arial"/>
-                <a:cs typeface="Arial"/>
-                <a:sym typeface="Arial"/>
-              </a:defRPr>
-            </a:lvl3pPr>
-            <a:lvl4pPr lvl="3" marR="0" rtl="0" algn="l">
-              <a:lnSpc>
-                <a:spcPct val="100000"/>
-              </a:lnSpc>
-              <a:spcBef>
-                <a:spcPts val="320"/>
-              </a:spcBef>
-              <a:spcAft>
-                <a:spcPts val="0"/>
-              </a:spcAft>
-              <a:buClr>
-                <a:schemeClr val="dk1"/>
-              </a:buClr>
-              <a:buSzPts val="1600"/>
-              <a:buFont typeface="Noto Sans Symbols"/>
-              <a:buChar char="▪"/>
-              <a:defRPr b="0" i="0" sz="1600" u="none" cap="none" strike="noStrike">
-                <a:solidFill>
-                  <a:schemeClr val="dk1"/>
-                </a:solidFill>
-                <a:latin typeface="Arial"/>
-                <a:ea typeface="Arial"/>
-                <a:cs typeface="Arial"/>
-                <a:sym typeface="Arial"/>
-              </a:defRPr>
-            </a:lvl4pPr>
-            <a:lvl5pPr lvl="4" marR="0" rtl="0" algn="l">
-              <a:lnSpc>
-                <a:spcPct val="100000"/>
-              </a:lnSpc>
-              <a:spcBef>
-                <a:spcPts val="320"/>
-              </a:spcBef>
-              <a:spcAft>
-                <a:spcPts val="0"/>
-              </a:spcAft>
-              <a:buClr>
-                <a:schemeClr val="dk1"/>
-              </a:buClr>
-              <a:buSzPts val="1600"/>
-              <a:buFont typeface="Noto Sans Symbols"/>
-              <a:buChar char="▪"/>
-              <a:defRPr b="0" i="0" sz="1600" u="none" cap="none" strike="noStrike">
-                <a:solidFill>
-                  <a:schemeClr val="dk1"/>
-                </a:solidFill>
-                <a:latin typeface="Arial"/>
-                <a:ea typeface="Arial"/>
-                <a:cs typeface="Arial"/>
-                <a:sym typeface="Arial"/>
-              </a:defRPr>
-            </a:lvl5pPr>
-            <a:lvl6pPr lvl="5" marR="0" rtl="0" algn="l">
-              <a:lnSpc>
-                <a:spcPct val="100000"/>
-              </a:lnSpc>
-              <a:spcBef>
-                <a:spcPts val="320"/>
-              </a:spcBef>
-              <a:spcAft>
-                <a:spcPts val="0"/>
-              </a:spcAft>
-              <a:buClr>
-                <a:schemeClr val="dk1"/>
-              </a:buClr>
-              <a:buSzPts val="1600"/>
-              <a:buFont typeface="Noto Sans Symbols"/>
-              <a:buChar char="▪"/>
-              <a:defRPr b="0" i="0" sz="1600" u="none" cap="none" strike="noStrike">
-                <a:solidFill>
-                  <a:schemeClr val="dk1"/>
-                </a:solidFill>
-                <a:latin typeface="Arial"/>
-                <a:ea typeface="Arial"/>
-                <a:cs typeface="Arial"/>
-                <a:sym typeface="Arial"/>
-              </a:defRPr>
-            </a:lvl6pPr>
-            <a:lvl7pPr lvl="6" marR="0" rtl="0" algn="l">
-              <a:lnSpc>
-                <a:spcPct val="100000"/>
-              </a:lnSpc>
-              <a:spcBef>
-                <a:spcPts val="320"/>
-              </a:spcBef>
-              <a:spcAft>
-                <a:spcPts val="0"/>
-              </a:spcAft>
-              <a:buClr>
-                <a:schemeClr val="dk1"/>
-              </a:buClr>
-              <a:buSzPts val="1600"/>
-              <a:buFont typeface="Noto Sans Symbols"/>
-              <a:buChar char="▪"/>
-              <a:defRPr b="0" i="0" sz="1600" u="none" cap="none" strike="noStrike">
-                <a:solidFill>
-                  <a:schemeClr val="dk1"/>
-                </a:solidFill>
-                <a:latin typeface="Arial"/>
-                <a:ea typeface="Arial"/>
-                <a:cs typeface="Arial"/>
-                <a:sym typeface="Arial"/>
-              </a:defRPr>
-            </a:lvl7pPr>
-            <a:lvl8pPr lvl="7" marR="0" rtl="0" algn="l">
-              <a:lnSpc>
-                <a:spcPct val="100000"/>
-              </a:lnSpc>
-              <a:spcBef>
-                <a:spcPts val="320"/>
-              </a:spcBef>
-              <a:spcAft>
-                <a:spcPts val="0"/>
-              </a:spcAft>
-              <a:buClr>
-                <a:schemeClr val="dk1"/>
-              </a:buClr>
-              <a:buSzPts val="1600"/>
-              <a:buFont typeface="Noto Sans Symbols"/>
-              <a:buChar char="▪"/>
-              <a:defRPr b="0" i="0" sz="1600" u="none" cap="none" strike="noStrike">
-                <a:solidFill>
-                  <a:schemeClr val="dk1"/>
-                </a:solidFill>
-                <a:latin typeface="Arial"/>
-                <a:ea typeface="Arial"/>
-                <a:cs typeface="Arial"/>
-                <a:sym typeface="Arial"/>
-              </a:defRPr>
-            </a:lvl8pPr>
-            <a:lvl9pPr lvl="8" marR="0" rtl="0" algn="l">
-              <a:lnSpc>
-                <a:spcPct val="100000"/>
-              </a:lnSpc>
-              <a:spcBef>
-                <a:spcPts val="320"/>
-              </a:spcBef>
-              <a:spcAft>
-                <a:spcPts val="0"/>
-              </a:spcAft>
-              <a:buClr>
-                <a:schemeClr val="dk1"/>
-              </a:buClr>
-              <a:buSzPts val="1600"/>
-              <a:buFont typeface="Noto Sans Symbols"/>
-              <a:buChar char="▪"/>
-              <a:defRPr b="0" i="0" sz="1600" u="none" cap="none" strike="noStrike">
-                <a:solidFill>
-                  <a:schemeClr val="dk1"/>
-                </a:solidFill>
-                <a:latin typeface="Arial"/>
-                <a:ea typeface="Arial"/>
-                <a:cs typeface="Arial"/>
-                <a:sym typeface="Arial"/>
-              </a:defRPr>
             </a:lvl9pPr>
           </a:lstStyle>
           <a:p/>
@@ -9608,6 +9941,10 @@
           <a:prstGeom prst="rect">
             <a:avLst/>
           </a:prstGeom>
+          <a:noFill/>
+          <a:ln>
+            <a:noFill/>
+          </a:ln>
         </p:spPr>
         <p:txBody>
           <a:bodyPr anchorCtr="0" anchor="b" bIns="0" lIns="0" spcFirstLastPara="1" rIns="0" wrap="square" tIns="0">
@@ -9616,12 +9953,16 @@
           <a:lstStyle/>
           <a:p>
             <a:pPr indent="0" lvl="0" marL="0" rtl="0" algn="l">
-              <a:spcBef>
-                <a:spcPts val="0"/>
-              </a:spcBef>
-              <a:spcAft>
-                <a:spcPts val="0"/>
-              </a:spcAft>
+              <a:lnSpc>
+                <a:spcPct val="100000"/>
+              </a:lnSpc>
+              <a:spcBef>
+                <a:spcPts val="0"/>
+              </a:spcBef>
+              <a:spcAft>
+                <a:spcPts val="0"/>
+              </a:spcAft>
+              <a:buSzPts val="1400"/>
               <a:buNone/>
             </a:pPr>
             <a:r>
@@ -9648,6 +9989,10 @@
           <a:prstGeom prst="rect">
             <a:avLst/>
           </a:prstGeom>
+          <a:noFill/>
+          <a:ln>
+            <a:noFill/>
+          </a:ln>
         </p:spPr>
         <p:txBody>
           <a:bodyPr anchorCtr="0" anchor="t" bIns="0" lIns="0" spcFirstLastPara="1" rIns="0" wrap="square" tIns="0">
@@ -9656,12 +10001,16 @@
           <a:lstStyle/>
           <a:p>
             <a:pPr indent="0" lvl="0" marL="0" rtl="0" algn="l">
+              <a:lnSpc>
+                <a:spcPct val="100000"/>
+              </a:lnSpc>
               <a:spcBef>
                 <a:spcPts val="320"/>
               </a:spcBef>
               <a:spcAft>
                 <a:spcPts val="0"/>
               </a:spcAft>
+              <a:buSzPts val="1600"/>
               <a:buNone/>
             </a:pPr>
             <a:r>
@@ -9713,6 +10062,10 @@
           <a:prstGeom prst="rect">
             <a:avLst/>
           </a:prstGeom>
+          <a:noFill/>
+          <a:ln>
+            <a:noFill/>
+          </a:ln>
         </p:spPr>
         <p:txBody>
           <a:bodyPr anchorCtr="0" anchor="b" bIns="0" lIns="0" spcFirstLastPara="1" rIns="0" wrap="square" tIns="0">
@@ -9721,12 +10074,16 @@
           <a:lstStyle/>
           <a:p>
             <a:pPr indent="0" lvl="0" marL="0" rtl="0" algn="l">
-              <a:spcBef>
-                <a:spcPts val="0"/>
-              </a:spcBef>
-              <a:spcAft>
-                <a:spcPts val="0"/>
-              </a:spcAft>
+              <a:lnSpc>
+                <a:spcPct val="100000"/>
+              </a:lnSpc>
+              <a:spcBef>
+                <a:spcPts val="0"/>
+              </a:spcBef>
+              <a:spcAft>
+                <a:spcPts val="0"/>
+              </a:spcAft>
+              <a:buSzPts val="1400"/>
               <a:buNone/>
             </a:pPr>
             <a:r>
@@ -9753,6 +10110,10 @@
           <a:prstGeom prst="rect">
             <a:avLst/>
           </a:prstGeom>
+          <a:noFill/>
+          <a:ln>
+            <a:noFill/>
+          </a:ln>
         </p:spPr>
         <p:txBody>
           <a:bodyPr anchorCtr="0" anchor="t" bIns="0" lIns="0" spcFirstLastPara="1" rIns="0" wrap="square" tIns="0">
@@ -9760,7 +10121,10 @@
           </a:bodyPr>
           <a:lstStyle/>
           <a:p>
-            <a:pPr indent="0" lvl="0" marL="0" rtl="0" algn="ctr">
+            <a:pPr indent="0" lvl="0" marL="0" marR="0" rtl="0" algn="ctr">
+              <a:lnSpc>
+                <a:spcPct val="100000"/>
+              </a:lnSpc>
               <a:spcBef>
                 <a:spcPts val="320"/>
               </a:spcBef>
@@ -9777,10 +10141,21 @@
             <a:r>
               <a:t/>
             </a:r>
-            <a:endParaRPr/>
+            <a:endParaRPr b="0" i="0" sz="1600" u="none" cap="none" strike="noStrike">
+              <a:solidFill>
+                <a:schemeClr val="dk1"/>
+              </a:solidFill>
+              <a:latin typeface="Arial"/>
+              <a:ea typeface="Arial"/>
+              <a:cs typeface="Arial"/>
+              <a:sym typeface="Arial"/>
+            </a:endParaRPr>
           </a:p>
           <a:p>
-            <a:pPr indent="0" lvl="0" marL="0" rtl="0" algn="ctr">
+            <a:pPr indent="0" lvl="0" marL="0" marR="0" rtl="0" algn="ctr">
+              <a:lnSpc>
+                <a:spcPct val="100000"/>
+              </a:lnSpc>
               <a:spcBef>
                 <a:spcPts val="320"/>
               </a:spcBef>
@@ -9797,10 +10172,21 @@
             <a:r>
               <a:t/>
             </a:r>
-            <a:endParaRPr/>
+            <a:endParaRPr b="0" i="0" sz="1600" u="none" cap="none" strike="noStrike">
+              <a:solidFill>
+                <a:schemeClr val="dk1"/>
+              </a:solidFill>
+              <a:latin typeface="Arial"/>
+              <a:ea typeface="Arial"/>
+              <a:cs typeface="Arial"/>
+              <a:sym typeface="Arial"/>
+            </a:endParaRPr>
           </a:p>
           <a:p>
-            <a:pPr indent="0" lvl="0" marL="0" rtl="0" algn="ctr">
+            <a:pPr indent="0" lvl="0" marL="0" marR="0" rtl="0" algn="ctr">
+              <a:lnSpc>
+                <a:spcPct val="100000"/>
+              </a:lnSpc>
               <a:spcBef>
                 <a:spcPts val="320"/>
               </a:spcBef>
@@ -9817,10 +10203,21 @@
             <a:r>
               <a:t/>
             </a:r>
-            <a:endParaRPr/>
+            <a:endParaRPr b="0" i="0" sz="1600" u="none" cap="none" strike="noStrike">
+              <a:solidFill>
+                <a:schemeClr val="dk1"/>
+              </a:solidFill>
+              <a:latin typeface="Arial"/>
+              <a:ea typeface="Arial"/>
+              <a:cs typeface="Arial"/>
+              <a:sym typeface="Arial"/>
+            </a:endParaRPr>
           </a:p>
           <a:p>
-            <a:pPr indent="0" lvl="0" marL="0" rtl="0" algn="ctr">
+            <a:pPr indent="0" lvl="0" marL="0" marR="0" rtl="0" algn="ctr">
+              <a:lnSpc>
+                <a:spcPct val="100000"/>
+              </a:lnSpc>
               <a:spcBef>
                 <a:spcPts val="320"/>
               </a:spcBef>
@@ -9837,10 +10234,21 @@
             <a:r>
               <a:t/>
             </a:r>
-            <a:endParaRPr/>
+            <a:endParaRPr b="0" i="0" sz="1600" u="none" cap="none" strike="noStrike">
+              <a:solidFill>
+                <a:schemeClr val="dk1"/>
+              </a:solidFill>
+              <a:latin typeface="Arial"/>
+              <a:ea typeface="Arial"/>
+              <a:cs typeface="Arial"/>
+              <a:sym typeface="Arial"/>
+            </a:endParaRPr>
           </a:p>
           <a:p>
-            <a:pPr indent="0" lvl="0" marL="0" rtl="0" algn="ctr">
+            <a:pPr indent="0" lvl="0" marL="0" marR="0" rtl="0" algn="ctr">
+              <a:lnSpc>
+                <a:spcPct val="100000"/>
+              </a:lnSpc>
               <a:spcBef>
                 <a:spcPts val="320"/>
               </a:spcBef>
@@ -9857,10 +10265,21 @@
             <a:r>
               <a:t/>
             </a:r>
-            <a:endParaRPr/>
+            <a:endParaRPr b="0" i="0" sz="1600" u="none" cap="none" strike="noStrike">
+              <a:solidFill>
+                <a:schemeClr val="dk1"/>
+              </a:solidFill>
+              <a:latin typeface="Arial"/>
+              <a:ea typeface="Arial"/>
+              <a:cs typeface="Arial"/>
+              <a:sym typeface="Arial"/>
+            </a:endParaRPr>
           </a:p>
           <a:p>
-            <a:pPr indent="0" lvl="0" marL="0" rtl="0" algn="ctr">
+            <a:pPr indent="0" lvl="0" marL="0" marR="0" rtl="0" algn="ctr">
+              <a:lnSpc>
+                <a:spcPct val="100000"/>
+              </a:lnSpc>
               <a:spcBef>
                 <a:spcPts val="320"/>
               </a:spcBef>
@@ -9877,10 +10296,21 @@
             <a:r>
               <a:t/>
             </a:r>
-            <a:endParaRPr/>
+            <a:endParaRPr b="0" i="0" sz="1600" u="none" cap="none" strike="noStrike">
+              <a:solidFill>
+                <a:schemeClr val="dk1"/>
+              </a:solidFill>
+              <a:latin typeface="Arial"/>
+              <a:ea typeface="Arial"/>
+              <a:cs typeface="Arial"/>
+              <a:sym typeface="Arial"/>
+            </a:endParaRPr>
           </a:p>
           <a:p>
-            <a:pPr indent="0" lvl="0" marL="0" rtl="0" algn="ctr">
+            <a:pPr indent="0" lvl="0" marL="0" marR="0" rtl="0" algn="ctr">
+              <a:lnSpc>
+                <a:spcPct val="100000"/>
+              </a:lnSpc>
               <a:spcBef>
                 <a:spcPts val="320"/>
               </a:spcBef>
@@ -9895,10 +10325,26 @@
               <a:buNone/>
             </a:pPr>
             <a:r>
-              <a:rPr lang="de" sz="3600"/>
+              <a:rPr b="0" i="0" lang="de" sz="3600" u="none" cap="none" strike="noStrike">
+                <a:solidFill>
+                  <a:schemeClr val="dk1"/>
+                </a:solidFill>
+                <a:latin typeface="Arial"/>
+                <a:ea typeface="Arial"/>
+                <a:cs typeface="Arial"/>
+                <a:sym typeface="Arial"/>
+              </a:rPr>
               <a:t>Fragen</a:t>
             </a:r>
-            <a:endParaRPr/>
+            <a:endParaRPr b="0" i="0" sz="1600" u="none" cap="none" strike="noStrike">
+              <a:solidFill>
+                <a:schemeClr val="dk1"/>
+              </a:solidFill>
+              <a:latin typeface="Arial"/>
+              <a:ea typeface="Arial"/>
+              <a:cs typeface="Arial"/>
+              <a:sym typeface="Arial"/>
+            </a:endParaRPr>
           </a:p>
         </p:txBody>
       </p:sp>
@@ -9943,6 +10389,10 @@
           <a:prstGeom prst="rect">
             <a:avLst/>
           </a:prstGeom>
+          <a:noFill/>
+          <a:ln>
+            <a:noFill/>
+          </a:ln>
         </p:spPr>
         <p:txBody>
           <a:bodyPr anchorCtr="0" anchor="b" bIns="0" lIns="0" spcFirstLastPara="1" rIns="0" wrap="square" tIns="0">
@@ -9951,12 +10401,16 @@
           <a:lstStyle/>
           <a:p>
             <a:pPr indent="0" lvl="0" marL="0" rtl="0" algn="l">
-              <a:spcBef>
-                <a:spcPts val="0"/>
-              </a:spcBef>
-              <a:spcAft>
-                <a:spcPts val="0"/>
-              </a:spcAft>
+              <a:lnSpc>
+                <a:spcPct val="100000"/>
+              </a:lnSpc>
+              <a:spcBef>
+                <a:spcPts val="0"/>
+              </a:spcBef>
+              <a:spcAft>
+                <a:spcPts val="0"/>
+              </a:spcAft>
+              <a:buSzPts val="1400"/>
               <a:buNone/>
             </a:pPr>
             <a:r>
@@ -9983,6 +10437,10 @@
           <a:prstGeom prst="rect">
             <a:avLst/>
           </a:prstGeom>
+          <a:noFill/>
+          <a:ln>
+            <a:noFill/>
+          </a:ln>
         </p:spPr>
         <p:txBody>
           <a:bodyPr anchorCtr="0" anchor="t" bIns="0" lIns="0" spcFirstLastPara="1" rIns="0" wrap="square" tIns="0">
@@ -9990,162 +10448,386 @@
           </a:bodyPr>
           <a:lstStyle/>
           <a:p>
-            <a:pPr indent="0" lvl="0" marL="0" rtl="0" algn="l">
+            <a:pPr indent="0" lvl="0" marL="0" marR="0" rtl="0" algn="l">
+              <a:lnSpc>
+                <a:spcPct val="100000"/>
+              </a:lnSpc>
               <a:spcBef>
                 <a:spcPts val="320"/>
               </a:spcBef>
               <a:spcAft>
                 <a:spcPts val="0"/>
               </a:spcAft>
+              <a:buClr>
+                <a:srgbClr val="000000"/>
+              </a:buClr>
+              <a:buSzPts val="1400"/>
+              <a:buFont typeface="Arial"/>
               <a:buNone/>
             </a:pPr>
             <a:r>
-              <a:rPr lang="de" sz="1400"/>
+              <a:rPr b="0" i="0" lang="de" sz="1400" u="none" cap="none" strike="noStrike">
+                <a:solidFill>
+                  <a:schemeClr val="dk1"/>
+                </a:solidFill>
+                <a:latin typeface="Arial"/>
+                <a:ea typeface="Arial"/>
+                <a:cs typeface="Arial"/>
+                <a:sym typeface="Arial"/>
+              </a:rPr>
               <a:t>Heute modellieren wir eine Adresse. Wir benötigen dafür nur eine Klasse.</a:t>
             </a:r>
-            <a:endParaRPr sz="1400"/>
+            <a:endParaRPr b="0" i="0" sz="1400" u="none" cap="none" strike="noStrike">
+              <a:solidFill>
+                <a:schemeClr val="dk1"/>
+              </a:solidFill>
+              <a:latin typeface="Arial"/>
+              <a:ea typeface="Arial"/>
+              <a:cs typeface="Arial"/>
+              <a:sym typeface="Arial"/>
+            </a:endParaRPr>
           </a:p>
           <a:p>
-            <a:pPr indent="-304800" lvl="0" marL="457200" rtl="0" algn="l">
+            <a:pPr indent="-304800" lvl="0" marL="457200" marR="0" rtl="0" algn="l">
+              <a:lnSpc>
+                <a:spcPct val="100000"/>
+              </a:lnSpc>
               <a:spcBef>
                 <a:spcPts val="320"/>
               </a:spcBef>
               <a:spcAft>
                 <a:spcPts val="0"/>
               </a:spcAft>
+              <a:buClr>
+                <a:srgbClr val="000000"/>
+              </a:buClr>
               <a:buSzPts val="1200"/>
+              <a:buFont typeface="Arial"/>
               <a:buChar char="●"/>
             </a:pPr>
             <a:r>
-              <a:rPr lang="de" sz="1400"/>
+              <a:rPr b="0" i="0" lang="de" sz="1400" u="none" cap="none" strike="noStrike">
+                <a:solidFill>
+                  <a:schemeClr val="dk1"/>
+                </a:solidFill>
+                <a:latin typeface="Arial"/>
+                <a:ea typeface="Arial"/>
+                <a:cs typeface="Arial"/>
+                <a:sym typeface="Arial"/>
+              </a:rPr>
               <a:t>Attribute: Straße, Hausnummer (String, da auch z.B. “2a” möglich sein soll), Postleitzahl, Stadt</a:t>
             </a:r>
-            <a:endParaRPr sz="1400"/>
+            <a:endParaRPr b="0" i="0" sz="1400" u="none" cap="none" strike="noStrike">
+              <a:solidFill>
+                <a:schemeClr val="dk1"/>
+              </a:solidFill>
+              <a:latin typeface="Arial"/>
+              <a:ea typeface="Arial"/>
+              <a:cs typeface="Arial"/>
+              <a:sym typeface="Arial"/>
+            </a:endParaRPr>
           </a:p>
           <a:p>
-            <a:pPr indent="-304800" lvl="0" marL="457200" rtl="0" algn="l">
-              <a:spcBef>
-                <a:spcPts val="0"/>
-              </a:spcBef>
-              <a:spcAft>
-                <a:spcPts val="0"/>
-              </a:spcAft>
+            <a:pPr indent="-304800" lvl="0" marL="457200" marR="0" rtl="0" algn="l">
+              <a:lnSpc>
+                <a:spcPct val="100000"/>
+              </a:lnSpc>
+              <a:spcBef>
+                <a:spcPts val="0"/>
+              </a:spcBef>
+              <a:spcAft>
+                <a:spcPts val="0"/>
+              </a:spcAft>
+              <a:buClr>
+                <a:srgbClr val="000000"/>
+              </a:buClr>
               <a:buSzPts val="1200"/>
+              <a:buFont typeface="Arial"/>
               <a:buChar char="●"/>
             </a:pPr>
             <a:r>
-              <a:rPr lang="de" sz="1400"/>
+              <a:rPr b="0" i="0" lang="de" sz="1400" u="none" cap="none" strike="noStrike">
+                <a:solidFill>
+                  <a:schemeClr val="dk1"/>
+                </a:solidFill>
+                <a:latin typeface="Arial"/>
+                <a:ea typeface="Arial"/>
+                <a:cs typeface="Arial"/>
+                <a:sym typeface="Arial"/>
+              </a:rPr>
               <a:t>Die Klasse soll drei Konstruktoren haben:</a:t>
             </a:r>
-            <a:endParaRPr sz="1400"/>
+            <a:endParaRPr b="0" i="0" sz="1400" u="none" cap="none" strike="noStrike">
+              <a:solidFill>
+                <a:schemeClr val="dk1"/>
+              </a:solidFill>
+              <a:latin typeface="Arial"/>
+              <a:ea typeface="Arial"/>
+              <a:cs typeface="Arial"/>
+              <a:sym typeface="Arial"/>
+            </a:endParaRPr>
           </a:p>
           <a:p>
-            <a:pPr indent="-317500" lvl="1" marL="914400" rtl="0" algn="l">
-              <a:spcBef>
-                <a:spcPts val="0"/>
-              </a:spcBef>
-              <a:spcAft>
-                <a:spcPts val="0"/>
-              </a:spcAft>
-              <a:buSzPts val="1400"/>
+            <a:pPr indent="-317500" lvl="1" marL="914400" marR="0" rtl="0" algn="l">
+              <a:lnSpc>
+                <a:spcPct val="100000"/>
+              </a:lnSpc>
+              <a:spcBef>
+                <a:spcPts val="0"/>
+              </a:spcBef>
+              <a:spcAft>
+                <a:spcPts val="0"/>
+              </a:spcAft>
+              <a:buClr>
+                <a:schemeClr val="dk1"/>
+              </a:buClr>
+              <a:buSzPts val="1400"/>
+              <a:buFont typeface="Noto Sans Symbols"/>
               <a:buChar char="○"/>
             </a:pPr>
             <a:r>
-              <a:rPr lang="de" sz="1400"/>
+              <a:rPr b="0" i="0" lang="de" sz="1400" u="none" cap="none" strike="noStrike">
+                <a:solidFill>
+                  <a:schemeClr val="dk1"/>
+                </a:solidFill>
+                <a:latin typeface="Arial"/>
+                <a:ea typeface="Arial"/>
+                <a:cs typeface="Arial"/>
+                <a:sym typeface="Arial"/>
+              </a:rPr>
               <a:t>Einer, der nur eine Adresse als Parameter nimmt und alle Attribute kopiert</a:t>
             </a:r>
-            <a:endParaRPr sz="1400"/>
+            <a:endParaRPr b="0" i="0" sz="1400" u="none" cap="none" strike="noStrike">
+              <a:solidFill>
+                <a:schemeClr val="dk1"/>
+              </a:solidFill>
+              <a:latin typeface="Arial"/>
+              <a:ea typeface="Arial"/>
+              <a:cs typeface="Arial"/>
+              <a:sym typeface="Arial"/>
+            </a:endParaRPr>
           </a:p>
           <a:p>
-            <a:pPr indent="-317500" lvl="1" marL="914400" rtl="0" algn="l">
-              <a:spcBef>
-                <a:spcPts val="0"/>
-              </a:spcBef>
-              <a:spcAft>
-                <a:spcPts val="0"/>
-              </a:spcAft>
-              <a:buSzPts val="1400"/>
+            <a:pPr indent="-317500" lvl="1" marL="914400" marR="0" rtl="0" algn="l">
+              <a:lnSpc>
+                <a:spcPct val="100000"/>
+              </a:lnSpc>
+              <a:spcBef>
+                <a:spcPts val="0"/>
+              </a:spcBef>
+              <a:spcAft>
+                <a:spcPts val="0"/>
+              </a:spcAft>
+              <a:buClr>
+                <a:schemeClr val="dk1"/>
+              </a:buClr>
+              <a:buSzPts val="1400"/>
+              <a:buFont typeface="Noto Sans Symbols"/>
               <a:buChar char="○"/>
             </a:pPr>
             <a:r>
-              <a:rPr lang="de" sz="1400"/>
+              <a:rPr b="0" i="0" lang="de" sz="1400" u="none" cap="none" strike="noStrike">
+                <a:solidFill>
+                  <a:schemeClr val="dk1"/>
+                </a:solidFill>
+                <a:latin typeface="Arial"/>
+                <a:ea typeface="Arial"/>
+                <a:cs typeface="Arial"/>
+                <a:sym typeface="Arial"/>
+              </a:rPr>
               <a:t>Einer, der alle Attribute als Argumente und die Hausnummer als String nimmt</a:t>
             </a:r>
-            <a:endParaRPr sz="1400"/>
+            <a:endParaRPr b="0" i="0" sz="1400" u="none" cap="none" strike="noStrike">
+              <a:solidFill>
+                <a:schemeClr val="dk1"/>
+              </a:solidFill>
+              <a:latin typeface="Arial"/>
+              <a:ea typeface="Arial"/>
+              <a:cs typeface="Arial"/>
+              <a:sym typeface="Arial"/>
+            </a:endParaRPr>
           </a:p>
           <a:p>
-            <a:pPr indent="-317500" lvl="1" marL="914400" rtl="0" algn="l">
-              <a:spcBef>
-                <a:spcPts val="0"/>
-              </a:spcBef>
-              <a:spcAft>
-                <a:spcPts val="0"/>
-              </a:spcAft>
-              <a:buSzPts val="1400"/>
+            <a:pPr indent="-317500" lvl="1" marL="914400" marR="0" rtl="0" algn="l">
+              <a:lnSpc>
+                <a:spcPct val="100000"/>
+              </a:lnSpc>
+              <a:spcBef>
+                <a:spcPts val="0"/>
+              </a:spcBef>
+              <a:spcAft>
+                <a:spcPts val="0"/>
+              </a:spcAft>
+              <a:buClr>
+                <a:schemeClr val="dk1"/>
+              </a:buClr>
+              <a:buSzPts val="1400"/>
+              <a:buFont typeface="Noto Sans Symbols"/>
               <a:buChar char="○"/>
             </a:pPr>
             <a:r>
-              <a:rPr lang="de" sz="1400"/>
+              <a:rPr b="0" i="0" lang="de" sz="1400" u="none" cap="none" strike="noStrike">
+                <a:solidFill>
+                  <a:schemeClr val="dk1"/>
+                </a:solidFill>
+                <a:latin typeface="Arial"/>
+                <a:ea typeface="Arial"/>
+                <a:cs typeface="Arial"/>
+                <a:sym typeface="Arial"/>
+              </a:rPr>
               <a:t>Einer, der alle Attribute als Argumente und die Hausnummer als int nimmt</a:t>
             </a:r>
-            <a:endParaRPr sz="1400"/>
+            <a:endParaRPr b="0" i="0" sz="1400" u="none" cap="none" strike="noStrike">
+              <a:solidFill>
+                <a:schemeClr val="dk1"/>
+              </a:solidFill>
+              <a:latin typeface="Arial"/>
+              <a:ea typeface="Arial"/>
+              <a:cs typeface="Arial"/>
+              <a:sym typeface="Arial"/>
+            </a:endParaRPr>
           </a:p>
           <a:p>
-            <a:pPr indent="-304800" lvl="0" marL="457200" rtl="0" algn="l">
-              <a:spcBef>
-                <a:spcPts val="0"/>
-              </a:spcBef>
-              <a:spcAft>
-                <a:spcPts val="0"/>
-              </a:spcAft>
+            <a:pPr indent="-304800" lvl="0" marL="457200" marR="0" rtl="0" algn="l">
+              <a:lnSpc>
+                <a:spcPct val="100000"/>
+              </a:lnSpc>
+              <a:spcBef>
+                <a:spcPts val="0"/>
+              </a:spcBef>
+              <a:spcAft>
+                <a:spcPts val="0"/>
+              </a:spcAft>
+              <a:buClr>
+                <a:srgbClr val="000000"/>
+              </a:buClr>
               <a:buSzPts val="1200"/>
+              <a:buFont typeface="Arial"/>
               <a:buChar char="●"/>
             </a:pPr>
             <a:r>
-              <a:rPr lang="de" sz="1400"/>
+              <a:rPr b="0" i="0" lang="de" sz="1400" u="none" cap="none" strike="noStrike">
+                <a:solidFill>
+                  <a:schemeClr val="dk1"/>
+                </a:solidFill>
+                <a:latin typeface="Arial"/>
+                <a:ea typeface="Arial"/>
+                <a:cs typeface="Arial"/>
+                <a:sym typeface="Arial"/>
+              </a:rPr>
               <a:t>Die Klasse soll die toString-Methode so überschreiben, dass Systemausgaben des Objekts dieses Schema besitzen:</a:t>
             </a:r>
             <a:br>
-              <a:rPr lang="de" sz="1400"/>
+              <a:rPr b="0" i="0" lang="de" sz="1400" u="none" cap="none" strike="noStrike">
+                <a:solidFill>
+                  <a:schemeClr val="dk1"/>
+                </a:solidFill>
+                <a:latin typeface="Arial"/>
+                <a:ea typeface="Arial"/>
+                <a:cs typeface="Arial"/>
+                <a:sym typeface="Arial"/>
+              </a:rPr>
             </a:br>
             <a:br>
-              <a:rPr lang="de" sz="1400"/>
+              <a:rPr b="0" i="0" lang="de" sz="1400" u="none" cap="none" strike="noStrike">
+                <a:solidFill>
+                  <a:schemeClr val="dk1"/>
+                </a:solidFill>
+                <a:latin typeface="Arial"/>
+                <a:ea typeface="Arial"/>
+                <a:cs typeface="Arial"/>
+                <a:sym typeface="Arial"/>
+              </a:rPr>
             </a:br>
-            <a:endParaRPr sz="1400"/>
+            <a:endParaRPr b="0" i="0" sz="1400" u="none" cap="none" strike="noStrike">
+              <a:solidFill>
+                <a:schemeClr val="dk1"/>
+              </a:solidFill>
+              <a:latin typeface="Arial"/>
+              <a:ea typeface="Arial"/>
+              <a:cs typeface="Arial"/>
+              <a:sym typeface="Arial"/>
+            </a:endParaRPr>
           </a:p>
           <a:p>
-            <a:pPr indent="-304800" lvl="0" marL="457200" rtl="0" algn="l">
-              <a:spcBef>
-                <a:spcPts val="0"/>
-              </a:spcBef>
-              <a:spcAft>
-                <a:spcPts val="0"/>
-              </a:spcAft>
+            <a:pPr indent="-304800" lvl="0" marL="457200" marR="0" rtl="0" algn="l">
+              <a:lnSpc>
+                <a:spcPct val="100000"/>
+              </a:lnSpc>
+              <a:spcBef>
+                <a:spcPts val="0"/>
+              </a:spcBef>
+              <a:spcAft>
+                <a:spcPts val="0"/>
+              </a:spcAft>
+              <a:buClr>
+                <a:srgbClr val="000000"/>
+              </a:buClr>
               <a:buSzPts val="1200"/>
+              <a:buFont typeface="Arial"/>
               <a:buChar char="●"/>
             </a:pPr>
             <a:r>
-              <a:rPr lang="de" sz="1400"/>
+              <a:rPr b="0" i="0" lang="de" sz="1400" u="none" cap="none" strike="noStrike">
+                <a:solidFill>
+                  <a:schemeClr val="dk1"/>
+                </a:solidFill>
+                <a:latin typeface="Arial"/>
+                <a:ea typeface="Arial"/>
+                <a:cs typeface="Arial"/>
+                <a:sym typeface="Arial"/>
+              </a:rPr>
               <a:t>Die Klasse soll die equals-Methode überschreiben, die bei dem Vergleich Straße, Hausnummer und Postleitzahl berücksichtigt. Zwei Adressen sollen auch bei unterschiedlicher Stadt gleich sein.</a:t>
             </a:r>
-            <a:endParaRPr sz="1400"/>
+            <a:endParaRPr b="0" i="0" sz="1400" u="none" cap="none" strike="noStrike">
+              <a:solidFill>
+                <a:schemeClr val="dk1"/>
+              </a:solidFill>
+              <a:latin typeface="Arial"/>
+              <a:ea typeface="Arial"/>
+              <a:cs typeface="Arial"/>
+              <a:sym typeface="Arial"/>
+            </a:endParaRPr>
           </a:p>
           <a:p>
-            <a:pPr indent="-304800" lvl="0" marL="457200" rtl="0" algn="l">
-              <a:spcBef>
-                <a:spcPts val="0"/>
-              </a:spcBef>
-              <a:spcAft>
-                <a:spcPts val="0"/>
-              </a:spcAft>
+            <a:pPr indent="-304800" lvl="0" marL="457200" marR="0" rtl="0" algn="l">
+              <a:lnSpc>
+                <a:spcPct val="100000"/>
+              </a:lnSpc>
+              <a:spcBef>
+                <a:spcPts val="0"/>
+              </a:spcBef>
+              <a:spcAft>
+                <a:spcPts val="0"/>
+              </a:spcAft>
+              <a:buClr>
+                <a:srgbClr val="000000"/>
+              </a:buClr>
               <a:buSzPts val="1200"/>
+              <a:buFont typeface="Arial"/>
               <a:buChar char="●"/>
             </a:pPr>
             <a:r>
-              <a:rPr lang="de" sz="1400"/>
+              <a:rPr b="0" i="0" lang="de" sz="1400" u="none" cap="none" strike="noStrike">
+                <a:solidFill>
+                  <a:schemeClr val="dk1"/>
+                </a:solidFill>
+                <a:latin typeface="Arial"/>
+                <a:ea typeface="Arial"/>
+                <a:cs typeface="Arial"/>
+                <a:sym typeface="Arial"/>
+              </a:rPr>
               <a:t>Die main-Funktion zum Testen der Funktionalität kann der Einfachheit halber in der gleichen Klasse definiert werden</a:t>
             </a:r>
-            <a:endParaRPr sz="1400"/>
+            <a:endParaRPr b="0" i="0" sz="1400" u="none" cap="none" strike="noStrike">
+              <a:solidFill>
+                <a:schemeClr val="dk1"/>
+              </a:solidFill>
+              <a:latin typeface="Arial"/>
+              <a:ea typeface="Arial"/>
+              <a:cs typeface="Arial"/>
+              <a:sym typeface="Arial"/>
+            </a:endParaRPr>
           </a:p>
         </p:txBody>
       </p:sp>
@@ -10155,13 +10837,12 @@
           <p:cNvPicPr preferRelativeResize="0"/>
           <p:nvPr/>
         </p:nvPicPr>
-        <p:blipFill>
+        <p:blipFill rotWithShape="1">
           <a:blip r:embed="rId3">
             <a:alphaModFix/>
           </a:blip>
-          <a:stretch>
-            <a:fillRect/>
-          </a:stretch>
+          <a:srcRect b="0" l="0" r="0" t="0"/>
+          <a:stretch/>
         </p:blipFill>
         <p:spPr>
           <a:xfrm>
@@ -10218,6 +10899,10 @@
           <a:prstGeom prst="rect">
             <a:avLst/>
           </a:prstGeom>
+          <a:noFill/>
+          <a:ln>
+            <a:noFill/>
+          </a:ln>
         </p:spPr>
         <p:txBody>
           <a:bodyPr anchorCtr="0" anchor="b" bIns="0" lIns="0" spcFirstLastPara="1" rIns="0" wrap="square" tIns="0">
@@ -10226,12 +10911,16 @@
           <a:lstStyle/>
           <a:p>
             <a:pPr indent="0" lvl="0" marL="0" rtl="0" algn="l">
-              <a:spcBef>
-                <a:spcPts val="0"/>
-              </a:spcBef>
-              <a:spcAft>
-                <a:spcPts val="0"/>
-              </a:spcAft>
+              <a:lnSpc>
+                <a:spcPct val="100000"/>
+              </a:lnSpc>
+              <a:spcBef>
+                <a:spcPts val="0"/>
+              </a:spcBef>
+              <a:spcAft>
+                <a:spcPts val="0"/>
+              </a:spcAft>
+              <a:buSzPts val="1400"/>
               <a:buNone/>
             </a:pPr>
             <a:r>
@@ -10258,6 +10947,10 @@
           <a:prstGeom prst="rect">
             <a:avLst/>
           </a:prstGeom>
+          <a:noFill/>
+          <a:ln>
+            <a:noFill/>
+          </a:ln>
         </p:spPr>
         <p:txBody>
           <a:bodyPr anchorCtr="0" anchor="t" bIns="0" lIns="0" spcFirstLastPara="1" rIns="0" wrap="square" tIns="0">
@@ -10265,121 +10958,299 @@
           </a:bodyPr>
           <a:lstStyle/>
           <a:p>
-            <a:pPr indent="-330200" lvl="0" marL="457200" rtl="0" algn="l">
+            <a:pPr indent="-330200" lvl="0" marL="457200" marR="0" rtl="0" algn="l">
+              <a:lnSpc>
+                <a:spcPct val="100000"/>
+              </a:lnSpc>
               <a:spcBef>
                 <a:spcPts val="320"/>
               </a:spcBef>
               <a:spcAft>
                 <a:spcPts val="0"/>
               </a:spcAft>
+              <a:buClr>
+                <a:srgbClr val="000000"/>
+              </a:buClr>
               <a:buSzPts val="1600"/>
+              <a:buFont typeface="Arial"/>
               <a:buAutoNum type="arabicPeriod"/>
             </a:pPr>
             <a:r>
-              <a:rPr lang="de"/>
+              <a:rPr b="0" i="0" lang="de" sz="1600" u="none" cap="none" strike="noStrike">
+                <a:solidFill>
+                  <a:schemeClr val="dk1"/>
+                </a:solidFill>
+                <a:latin typeface="Arial"/>
+                <a:ea typeface="Arial"/>
+                <a:cs typeface="Arial"/>
+                <a:sym typeface="Arial"/>
+              </a:rPr>
               <a:t>Polymorphismus</a:t>
             </a:r>
             <a:br>
-              <a:rPr lang="de"/>
+              <a:rPr b="0" i="0" lang="de" sz="1600" u="none" cap="none" strike="noStrike">
+                <a:solidFill>
+                  <a:schemeClr val="dk1"/>
+                </a:solidFill>
+                <a:latin typeface="Arial"/>
+                <a:ea typeface="Arial"/>
+                <a:cs typeface="Arial"/>
+                <a:sym typeface="Arial"/>
+              </a:rPr>
             </a:br>
-            <a:endParaRPr/>
+            <a:endParaRPr b="0" i="0" sz="1600" u="none" cap="none" strike="noStrike">
+              <a:solidFill>
+                <a:schemeClr val="dk1"/>
+              </a:solidFill>
+              <a:latin typeface="Arial"/>
+              <a:ea typeface="Arial"/>
+              <a:cs typeface="Arial"/>
+              <a:sym typeface="Arial"/>
+            </a:endParaRPr>
           </a:p>
           <a:p>
-            <a:pPr indent="-330200" lvl="0" marL="457200" rtl="0" algn="l">
-              <a:spcBef>
-                <a:spcPts val="0"/>
-              </a:spcBef>
-              <a:spcAft>
-                <a:spcPts val="0"/>
-              </a:spcAft>
+            <a:pPr indent="-330200" lvl="0" marL="457200" marR="0" rtl="0" algn="l">
+              <a:lnSpc>
+                <a:spcPct val="100000"/>
+              </a:lnSpc>
+              <a:spcBef>
+                <a:spcPts val="0"/>
+              </a:spcBef>
+              <a:spcAft>
+                <a:spcPts val="0"/>
+              </a:spcAft>
+              <a:buClr>
+                <a:srgbClr val="000000"/>
+              </a:buClr>
               <a:buSzPts val="1600"/>
+              <a:buFont typeface="Arial"/>
               <a:buAutoNum type="arabicPeriod"/>
             </a:pPr>
             <a:r>
-              <a:rPr lang="de"/>
+              <a:rPr b="0" i="0" lang="de" sz="1600" u="none" cap="none" strike="noStrike">
+                <a:solidFill>
+                  <a:schemeClr val="dk1"/>
+                </a:solidFill>
+                <a:latin typeface="Arial"/>
+                <a:ea typeface="Arial"/>
+                <a:cs typeface="Arial"/>
+                <a:sym typeface="Arial"/>
+              </a:rPr>
               <a:t>equals</a:t>
             </a:r>
             <a:br>
-              <a:rPr lang="de"/>
+              <a:rPr b="0" i="0" lang="de" sz="1600" u="none" cap="none" strike="noStrike">
+                <a:solidFill>
+                  <a:schemeClr val="dk1"/>
+                </a:solidFill>
+                <a:latin typeface="Arial"/>
+                <a:ea typeface="Arial"/>
+                <a:cs typeface="Arial"/>
+                <a:sym typeface="Arial"/>
+              </a:rPr>
             </a:br>
-            <a:endParaRPr/>
+            <a:endParaRPr b="0" i="0" sz="1600" u="none" cap="none" strike="noStrike">
+              <a:solidFill>
+                <a:schemeClr val="dk1"/>
+              </a:solidFill>
+              <a:latin typeface="Arial"/>
+              <a:ea typeface="Arial"/>
+              <a:cs typeface="Arial"/>
+              <a:sym typeface="Arial"/>
+            </a:endParaRPr>
           </a:p>
           <a:p>
-            <a:pPr indent="-330200" lvl="0" marL="457200" rtl="0" algn="l">
-              <a:spcBef>
-                <a:spcPts val="0"/>
-              </a:spcBef>
-              <a:spcAft>
-                <a:spcPts val="0"/>
-              </a:spcAft>
+            <a:pPr indent="-330200" lvl="0" marL="457200" marR="0" rtl="0" algn="l">
+              <a:lnSpc>
+                <a:spcPct val="100000"/>
+              </a:lnSpc>
+              <a:spcBef>
+                <a:spcPts val="0"/>
+              </a:spcBef>
+              <a:spcAft>
+                <a:spcPts val="0"/>
+              </a:spcAft>
+              <a:buClr>
+                <a:srgbClr val="000000"/>
+              </a:buClr>
               <a:buSzPts val="1600"/>
+              <a:buFont typeface="Arial"/>
               <a:buAutoNum type="arabicPeriod"/>
             </a:pPr>
             <a:r>
-              <a:rPr lang="de"/>
+              <a:rPr b="0" i="0" lang="de" sz="1600" u="none" cap="none" strike="noStrike">
+                <a:solidFill>
+                  <a:schemeClr val="dk1"/>
+                </a:solidFill>
+                <a:latin typeface="Arial"/>
+                <a:ea typeface="Arial"/>
+                <a:cs typeface="Arial"/>
+                <a:sym typeface="Arial"/>
+              </a:rPr>
               <a:t>toString</a:t>
             </a:r>
             <a:br>
-              <a:rPr lang="de"/>
+              <a:rPr b="0" i="0" lang="de" sz="1600" u="none" cap="none" strike="noStrike">
+                <a:solidFill>
+                  <a:schemeClr val="dk1"/>
+                </a:solidFill>
+                <a:latin typeface="Arial"/>
+                <a:ea typeface="Arial"/>
+                <a:cs typeface="Arial"/>
+                <a:sym typeface="Arial"/>
+              </a:rPr>
             </a:br>
-            <a:endParaRPr/>
+            <a:endParaRPr b="0" i="0" sz="1600" u="none" cap="none" strike="noStrike">
+              <a:solidFill>
+                <a:schemeClr val="dk1"/>
+              </a:solidFill>
+              <a:latin typeface="Arial"/>
+              <a:ea typeface="Arial"/>
+              <a:cs typeface="Arial"/>
+              <a:sym typeface="Arial"/>
+            </a:endParaRPr>
           </a:p>
           <a:p>
-            <a:pPr indent="-330200" lvl="0" marL="457200" rtl="0" algn="l">
-              <a:spcBef>
-                <a:spcPts val="0"/>
-              </a:spcBef>
-              <a:spcAft>
-                <a:spcPts val="0"/>
-              </a:spcAft>
+            <a:pPr indent="-330200" lvl="0" marL="457200" marR="0" rtl="0" algn="l">
+              <a:lnSpc>
+                <a:spcPct val="100000"/>
+              </a:lnSpc>
+              <a:spcBef>
+                <a:spcPts val="0"/>
+              </a:spcBef>
+              <a:spcAft>
+                <a:spcPts val="0"/>
+              </a:spcAft>
+              <a:buClr>
+                <a:srgbClr val="000000"/>
+              </a:buClr>
               <a:buSzPts val="1600"/>
+              <a:buFont typeface="Arial"/>
               <a:buAutoNum type="arabicPeriod"/>
             </a:pPr>
             <a:r>
-              <a:rPr lang="de"/>
+              <a:rPr b="0" i="0" lang="de" sz="1600" u="none" cap="none" strike="noStrike">
+                <a:solidFill>
+                  <a:schemeClr val="dk1"/>
+                </a:solidFill>
+                <a:latin typeface="Arial"/>
+                <a:ea typeface="Arial"/>
+                <a:cs typeface="Arial"/>
+                <a:sym typeface="Arial"/>
+              </a:rPr>
               <a:t>PBV vs. PBR</a:t>
             </a:r>
             <a:br>
-              <a:rPr lang="de"/>
+              <a:rPr b="0" i="0" lang="de" sz="1600" u="none" cap="none" strike="noStrike">
+                <a:solidFill>
+                  <a:schemeClr val="dk1"/>
+                </a:solidFill>
+                <a:latin typeface="Arial"/>
+                <a:ea typeface="Arial"/>
+                <a:cs typeface="Arial"/>
+                <a:sym typeface="Arial"/>
+              </a:rPr>
             </a:br>
-            <a:endParaRPr/>
+            <a:endParaRPr b="0" i="0" sz="1600" u="none" cap="none" strike="noStrike">
+              <a:solidFill>
+                <a:schemeClr val="dk1"/>
+              </a:solidFill>
+              <a:latin typeface="Arial"/>
+              <a:ea typeface="Arial"/>
+              <a:cs typeface="Arial"/>
+              <a:sym typeface="Arial"/>
+            </a:endParaRPr>
           </a:p>
           <a:p>
-            <a:pPr indent="-330200" lvl="0" marL="457200" rtl="0" algn="l">
-              <a:spcBef>
-                <a:spcPts val="0"/>
-              </a:spcBef>
-              <a:spcAft>
-                <a:spcPts val="0"/>
-              </a:spcAft>
+            <a:pPr indent="-330200" lvl="0" marL="457200" marR="0" rtl="0" algn="l">
+              <a:lnSpc>
+                <a:spcPct val="100000"/>
+              </a:lnSpc>
+              <a:spcBef>
+                <a:spcPts val="0"/>
+              </a:spcBef>
+              <a:spcAft>
+                <a:spcPts val="0"/>
+              </a:spcAft>
+              <a:buClr>
+                <a:srgbClr val="000000"/>
+              </a:buClr>
               <a:buSzPts val="1600"/>
+              <a:buFont typeface="Arial"/>
               <a:buAutoNum type="arabicPeriod"/>
             </a:pPr>
             <a:r>
-              <a:rPr lang="de"/>
+              <a:rPr b="0" i="0" lang="de" sz="1600" u="none" cap="none" strike="noStrike">
+                <a:solidFill>
+                  <a:schemeClr val="dk1"/>
+                </a:solidFill>
+                <a:latin typeface="Arial"/>
+                <a:ea typeface="Arial"/>
+                <a:cs typeface="Arial"/>
+                <a:sym typeface="Arial"/>
+              </a:rPr>
               <a:t>Fragen</a:t>
             </a:r>
             <a:br>
-              <a:rPr lang="de"/>
+              <a:rPr b="0" i="0" lang="de" sz="1600" u="none" cap="none" strike="noStrike">
+                <a:solidFill>
+                  <a:schemeClr val="dk1"/>
+                </a:solidFill>
+                <a:latin typeface="Arial"/>
+                <a:ea typeface="Arial"/>
+                <a:cs typeface="Arial"/>
+                <a:sym typeface="Arial"/>
+              </a:rPr>
             </a:br>
-            <a:endParaRPr/>
+            <a:endParaRPr b="0" i="0" sz="1600" u="none" cap="none" strike="noStrike">
+              <a:solidFill>
+                <a:schemeClr val="dk1"/>
+              </a:solidFill>
+              <a:latin typeface="Arial"/>
+              <a:ea typeface="Arial"/>
+              <a:cs typeface="Arial"/>
+              <a:sym typeface="Arial"/>
+            </a:endParaRPr>
           </a:p>
           <a:p>
-            <a:pPr indent="-330200" lvl="0" marL="457200" rtl="0" algn="l">
-              <a:spcBef>
-                <a:spcPts val="0"/>
-              </a:spcBef>
-              <a:spcAft>
-                <a:spcPts val="0"/>
-              </a:spcAft>
+            <a:pPr indent="-330200" lvl="0" marL="457200" marR="0" rtl="0" algn="l">
+              <a:lnSpc>
+                <a:spcPct val="100000"/>
+              </a:lnSpc>
+              <a:spcBef>
+                <a:spcPts val="0"/>
+              </a:spcBef>
+              <a:spcAft>
+                <a:spcPts val="0"/>
+              </a:spcAft>
+              <a:buClr>
+                <a:srgbClr val="000000"/>
+              </a:buClr>
               <a:buSzPts val="1600"/>
+              <a:buFont typeface="Arial"/>
               <a:buAutoNum type="arabicPeriod"/>
             </a:pPr>
             <a:r>
-              <a:rPr lang="de"/>
+              <a:rPr b="0" i="0" lang="de" sz="1600" u="none" cap="none" strike="noStrike">
+                <a:solidFill>
+                  <a:schemeClr val="dk1"/>
+                </a:solidFill>
+                <a:latin typeface="Arial"/>
+                <a:ea typeface="Arial"/>
+                <a:cs typeface="Arial"/>
+                <a:sym typeface="Arial"/>
+              </a:rPr>
               <a:t>Übungsaufgabe</a:t>
             </a:r>
-            <a:endParaRPr/>
+            <a:endParaRPr b="0" i="0" sz="1600" u="none" cap="none" strike="noStrike">
+              <a:solidFill>
+                <a:schemeClr val="dk1"/>
+              </a:solidFill>
+              <a:latin typeface="Arial"/>
+              <a:ea typeface="Arial"/>
+              <a:cs typeface="Arial"/>
+              <a:sym typeface="Arial"/>
+            </a:endParaRPr>
           </a:p>
         </p:txBody>
       </p:sp>
@@ -10424,6 +11295,10 @@
           <a:prstGeom prst="rect">
             <a:avLst/>
           </a:prstGeom>
+          <a:noFill/>
+          <a:ln>
+            <a:noFill/>
+          </a:ln>
         </p:spPr>
         <p:txBody>
           <a:bodyPr anchorCtr="0" anchor="b" bIns="0" lIns="0" spcFirstLastPara="1" rIns="0" wrap="square" tIns="0">
@@ -10432,21 +11307,21 @@
           <a:lstStyle/>
           <a:p>
             <a:pPr indent="0" lvl="0" marL="0" rtl="0" algn="l">
-              <a:spcBef>
-                <a:spcPts val="0"/>
-              </a:spcBef>
-              <a:spcAft>
-                <a:spcPts val="0"/>
-              </a:spcAft>
+              <a:lnSpc>
+                <a:spcPct val="100000"/>
+              </a:lnSpc>
+              <a:spcBef>
+                <a:spcPts val="0"/>
+              </a:spcBef>
+              <a:spcAft>
+                <a:spcPts val="0"/>
+              </a:spcAft>
+              <a:buSzPts val="1400"/>
               <a:buNone/>
             </a:pPr>
             <a:r>
               <a:rPr lang="de"/>
-              <a:t>1. </a:t>
-            </a:r>
-            <a:r>
-              <a:rPr lang="de"/>
-              <a:t>Polymorphismus</a:t>
+              <a:t>1. Polymorphismus</a:t>
             </a:r>
             <a:endParaRPr/>
           </a:p>
@@ -10468,6 +11343,10 @@
           <a:prstGeom prst="rect">
             <a:avLst/>
           </a:prstGeom>
+          <a:noFill/>
+          <a:ln>
+            <a:noFill/>
+          </a:ln>
         </p:spPr>
         <p:txBody>
           <a:bodyPr anchorCtr="0" anchor="t" bIns="0" lIns="0" spcFirstLastPara="1" rIns="0" wrap="square" tIns="0">
@@ -10475,134 +11354,270 @@
           </a:bodyPr>
           <a:lstStyle/>
           <a:p>
-            <a:pPr indent="0" lvl="0" marL="0" rtl="0" algn="l">
+            <a:pPr indent="0" lvl="0" marL="0" marR="0" rtl="0" algn="l">
+              <a:lnSpc>
+                <a:spcPct val="100000"/>
+              </a:lnSpc>
               <a:spcBef>
                 <a:spcPts val="320"/>
               </a:spcBef>
               <a:spcAft>
                 <a:spcPts val="0"/>
               </a:spcAft>
+              <a:buClr>
+                <a:srgbClr val="000000"/>
+              </a:buClr>
+              <a:buSzPts val="1400"/>
+              <a:buFont typeface="Arial"/>
               <a:buNone/>
             </a:pPr>
             <a:r>
-              <a:rPr lang="de"/>
+              <a:rPr b="0" i="0" lang="de" sz="1600" u="none" cap="none" strike="noStrike">
+                <a:solidFill>
+                  <a:schemeClr val="dk1"/>
+                </a:solidFill>
+                <a:latin typeface="Arial"/>
+                <a:ea typeface="Arial"/>
+                <a:cs typeface="Arial"/>
+                <a:sym typeface="Arial"/>
+              </a:rPr>
               <a:t>Methoden und Funktionen haben bestimmte Signaturen (Rückgabewert und Parameter). </a:t>
             </a:r>
-            <a:endParaRPr/>
+            <a:endParaRPr b="0" i="0" sz="1600" u="none" cap="none" strike="noStrike">
+              <a:solidFill>
+                <a:schemeClr val="dk1"/>
+              </a:solidFill>
+              <a:latin typeface="Arial"/>
+              <a:ea typeface="Arial"/>
+              <a:cs typeface="Arial"/>
+              <a:sym typeface="Arial"/>
+            </a:endParaRPr>
           </a:p>
           <a:p>
-            <a:pPr indent="0" lvl="0" marL="0" rtl="0" algn="l">
+            <a:pPr indent="0" lvl="0" marL="0" marR="0" rtl="0" algn="l">
+              <a:lnSpc>
+                <a:spcPct val="100000"/>
+              </a:lnSpc>
               <a:spcBef>
                 <a:spcPts val="320"/>
               </a:spcBef>
               <a:spcAft>
                 <a:spcPts val="0"/>
               </a:spcAft>
+              <a:buClr>
+                <a:srgbClr val="000000"/>
+              </a:buClr>
+              <a:buSzPts val="1400"/>
+              <a:buFont typeface="Arial"/>
               <a:buNone/>
             </a:pPr>
             <a:r>
-              <a:rPr lang="de"/>
-              <a:t>Einige Programmiersprachen haben default-Parameter, um Methoden </a:t>
+              <a:rPr b="0" i="0" lang="de" sz="1600" u="none" cap="none" strike="noStrike">
+                <a:solidFill>
+                  <a:schemeClr val="dk1"/>
+                </a:solidFill>
+                <a:latin typeface="Arial"/>
+                <a:ea typeface="Arial"/>
+                <a:cs typeface="Arial"/>
+                <a:sym typeface="Arial"/>
+              </a:rPr>
+              <a:t>Einige Programmiersprachen haben default-Parameter, um Methoden dynamischer, intuitiver und einfacher nutzen können. Wird der entsprechende Parameter nicht übergeben, so wird auf den default-Parameter zurückgegriffen.</a:t>
             </a:r>
-            <a:r>
-              <a:rPr lang="de"/>
-              <a:t>dynamischer, intuitiver</a:t>
-            </a:r>
-            <a:r>
-              <a:rPr lang="de"/>
-              <a:t> und einfacher nutzen können. Wird der entsprechende Parameter nicht übergeben, so wird auf den default-Parameter zurückgegriffen.</a:t>
-            </a:r>
-            <a:endParaRPr/>
+            <a:endParaRPr b="0" i="0" sz="1600" u="none" cap="none" strike="noStrike">
+              <a:solidFill>
+                <a:schemeClr val="dk1"/>
+              </a:solidFill>
+              <a:latin typeface="Arial"/>
+              <a:ea typeface="Arial"/>
+              <a:cs typeface="Arial"/>
+              <a:sym typeface="Arial"/>
+            </a:endParaRPr>
           </a:p>
           <a:p>
-            <a:pPr indent="0" lvl="0" marL="0" rtl="0" algn="l">
+            <a:pPr indent="0" lvl="0" marL="0" marR="0" rtl="0" algn="l">
+              <a:lnSpc>
+                <a:spcPct val="100000"/>
+              </a:lnSpc>
               <a:spcBef>
                 <a:spcPts val="320"/>
               </a:spcBef>
               <a:spcAft>
                 <a:spcPts val="0"/>
               </a:spcAft>
+              <a:buClr>
+                <a:srgbClr val="000000"/>
+              </a:buClr>
+              <a:buSzPts val="1400"/>
+              <a:buFont typeface="Arial"/>
               <a:buNone/>
             </a:pPr>
             <a:r>
               <a:t/>
             </a:r>
-            <a:endParaRPr/>
+            <a:endParaRPr b="0" i="0" sz="1600" u="none" cap="none" strike="noStrike">
+              <a:solidFill>
+                <a:schemeClr val="dk1"/>
+              </a:solidFill>
+              <a:latin typeface="Arial"/>
+              <a:ea typeface="Arial"/>
+              <a:cs typeface="Arial"/>
+              <a:sym typeface="Arial"/>
+            </a:endParaRPr>
           </a:p>
           <a:p>
-            <a:pPr indent="0" lvl="0" marL="0" rtl="0" algn="l">
+            <a:pPr indent="0" lvl="0" marL="0" marR="0" rtl="0" algn="l">
+              <a:lnSpc>
+                <a:spcPct val="100000"/>
+              </a:lnSpc>
               <a:spcBef>
                 <a:spcPts val="320"/>
               </a:spcBef>
               <a:spcAft>
                 <a:spcPts val="0"/>
               </a:spcAft>
+              <a:buClr>
+                <a:srgbClr val="000000"/>
+              </a:buClr>
+              <a:buSzPts val="1400"/>
+              <a:buFont typeface="Arial"/>
               <a:buNone/>
             </a:pPr>
             <a:r>
               <a:t/>
             </a:r>
-            <a:endParaRPr/>
+            <a:endParaRPr b="0" i="0" sz="1600" u="none" cap="none" strike="noStrike">
+              <a:solidFill>
+                <a:schemeClr val="dk1"/>
+              </a:solidFill>
+              <a:latin typeface="Arial"/>
+              <a:ea typeface="Arial"/>
+              <a:cs typeface="Arial"/>
+              <a:sym typeface="Arial"/>
+            </a:endParaRPr>
           </a:p>
           <a:p>
-            <a:pPr indent="0" lvl="0" marL="0" rtl="0" algn="l">
+            <a:pPr indent="0" lvl="0" marL="0" marR="0" rtl="0" algn="l">
+              <a:lnSpc>
+                <a:spcPct val="100000"/>
+              </a:lnSpc>
               <a:spcBef>
                 <a:spcPts val="320"/>
               </a:spcBef>
               <a:spcAft>
                 <a:spcPts val="0"/>
               </a:spcAft>
+              <a:buClr>
+                <a:srgbClr val="000000"/>
+              </a:buClr>
+              <a:buSzPts val="1400"/>
+              <a:buFont typeface="Arial"/>
               <a:buNone/>
             </a:pPr>
             <a:r>
               <a:t/>
             </a:r>
-            <a:endParaRPr/>
+            <a:endParaRPr b="0" i="0" sz="1600" u="none" cap="none" strike="noStrike">
+              <a:solidFill>
+                <a:schemeClr val="dk1"/>
+              </a:solidFill>
+              <a:latin typeface="Arial"/>
+              <a:ea typeface="Arial"/>
+              <a:cs typeface="Arial"/>
+              <a:sym typeface="Arial"/>
+            </a:endParaRPr>
           </a:p>
           <a:p>
-            <a:pPr indent="0" lvl="0" marL="0" rtl="0" algn="l">
+            <a:pPr indent="0" lvl="0" marL="0" marR="0" rtl="0" algn="l">
+              <a:lnSpc>
+                <a:spcPct val="100000"/>
+              </a:lnSpc>
               <a:spcBef>
                 <a:spcPts val="320"/>
               </a:spcBef>
               <a:spcAft>
                 <a:spcPts val="0"/>
               </a:spcAft>
+              <a:buClr>
+                <a:srgbClr val="000000"/>
+              </a:buClr>
+              <a:buSzPts val="1400"/>
+              <a:buFont typeface="Arial"/>
               <a:buNone/>
             </a:pPr>
             <a:r>
               <a:t/>
             </a:r>
-            <a:endParaRPr/>
+            <a:endParaRPr b="0" i="0" sz="1600" u="none" cap="none" strike="noStrike">
+              <a:solidFill>
+                <a:schemeClr val="dk1"/>
+              </a:solidFill>
+              <a:latin typeface="Arial"/>
+              <a:ea typeface="Arial"/>
+              <a:cs typeface="Arial"/>
+              <a:sym typeface="Arial"/>
+            </a:endParaRPr>
           </a:p>
           <a:p>
-            <a:pPr indent="0" lvl="0" marL="0" rtl="0" algn="l">
+            <a:pPr indent="0" lvl="0" marL="0" marR="0" rtl="0" algn="l">
+              <a:lnSpc>
+                <a:spcPct val="100000"/>
+              </a:lnSpc>
               <a:spcBef>
                 <a:spcPts val="320"/>
               </a:spcBef>
               <a:spcAft>
                 <a:spcPts val="0"/>
               </a:spcAft>
+              <a:buClr>
+                <a:srgbClr val="000000"/>
+              </a:buClr>
+              <a:buSzPts val="1400"/>
+              <a:buFont typeface="Arial"/>
               <a:buNone/>
             </a:pPr>
             <a:r>
               <a:t/>
             </a:r>
-            <a:endParaRPr/>
+            <a:endParaRPr b="0" i="0" sz="1600" u="none" cap="none" strike="noStrike">
+              <a:solidFill>
+                <a:schemeClr val="dk1"/>
+              </a:solidFill>
+              <a:latin typeface="Arial"/>
+              <a:ea typeface="Arial"/>
+              <a:cs typeface="Arial"/>
+              <a:sym typeface="Arial"/>
+            </a:endParaRPr>
           </a:p>
           <a:p>
-            <a:pPr indent="0" lvl="0" marL="0" rtl="0" algn="l">
+            <a:pPr indent="0" lvl="0" marL="0" marR="0" rtl="0" algn="l">
+              <a:lnSpc>
+                <a:spcPct val="100000"/>
+              </a:lnSpc>
               <a:spcBef>
                 <a:spcPts val="320"/>
               </a:spcBef>
               <a:spcAft>
                 <a:spcPts val="0"/>
               </a:spcAft>
+              <a:buClr>
+                <a:srgbClr val="000000"/>
+              </a:buClr>
+              <a:buSzPts val="1400"/>
+              <a:buFont typeface="Arial"/>
               <a:buNone/>
             </a:pPr>
             <a:r>
               <a:t/>
             </a:r>
-            <a:endParaRPr/>
+            <a:endParaRPr b="0" i="0" sz="1600" u="none" cap="none" strike="noStrike">
+              <a:solidFill>
+                <a:schemeClr val="dk1"/>
+              </a:solidFill>
+              <a:latin typeface="Arial"/>
+              <a:ea typeface="Arial"/>
+              <a:cs typeface="Arial"/>
+              <a:sym typeface="Arial"/>
+            </a:endParaRPr>
           </a:p>
         </p:txBody>
       </p:sp>
@@ -10631,36 +11646,84 @@
           </a:bodyPr>
           <a:lstStyle/>
           <a:p>
-            <a:pPr indent="0" lvl="0" marL="0" rtl="0" algn="l">
-              <a:spcBef>
-                <a:spcPts val="0"/>
-              </a:spcBef>
-              <a:spcAft>
-                <a:spcPts val="0"/>
-              </a:spcAft>
+            <a:pPr indent="0" lvl="0" marL="0" marR="0" rtl="0" algn="l">
+              <a:lnSpc>
+                <a:spcPct val="100000"/>
+              </a:lnSpc>
+              <a:spcBef>
+                <a:spcPts val="0"/>
+              </a:spcBef>
+              <a:spcAft>
+                <a:spcPts val="0"/>
+              </a:spcAft>
+              <a:buClr>
+                <a:srgbClr val="000000"/>
+              </a:buClr>
+              <a:buSzPts val="1400"/>
+              <a:buFont typeface="Arial"/>
               <a:buNone/>
             </a:pPr>
             <a:r>
-              <a:rPr lang="de"/>
+              <a:rPr b="0" i="0" lang="de" sz="1400" u="none" cap="none" strike="noStrike">
+                <a:solidFill>
+                  <a:srgbClr val="000000"/>
+                </a:solidFill>
+                <a:latin typeface="Arial"/>
+                <a:ea typeface="Arial"/>
+                <a:cs typeface="Arial"/>
+                <a:sym typeface="Arial"/>
+              </a:rPr>
               <a:t>Funktion mit default-Parameter </a:t>
             </a:r>
-            <a:endParaRPr/>
+            <a:endParaRPr b="0" i="0" sz="1400" u="none" cap="none" strike="noStrike">
+              <a:solidFill>
+                <a:srgbClr val="000000"/>
+              </a:solidFill>
+              <a:latin typeface="Arial"/>
+              <a:ea typeface="Arial"/>
+              <a:cs typeface="Arial"/>
+              <a:sym typeface="Arial"/>
+            </a:endParaRPr>
           </a:p>
           <a:p>
-            <a:pPr indent="0" lvl="0" marL="0" rtl="0" algn="l">
-              <a:spcBef>
-                <a:spcPts val="0"/>
-              </a:spcBef>
-              <a:spcAft>
-                <a:spcPts val="0"/>
-              </a:spcAft>
+            <a:pPr indent="0" lvl="0" marL="0" marR="0" rtl="0" algn="l">
+              <a:lnSpc>
+                <a:spcPct val="100000"/>
+              </a:lnSpc>
+              <a:spcBef>
+                <a:spcPts val="0"/>
+              </a:spcBef>
+              <a:spcAft>
+                <a:spcPts val="0"/>
+              </a:spcAft>
+              <a:buClr>
+                <a:srgbClr val="000000"/>
+              </a:buClr>
+              <a:buSzPts val="1400"/>
+              <a:buFont typeface="Arial"/>
               <a:buNone/>
             </a:pPr>
             <a:r>
-              <a:rPr lang="de"/>
+              <a:rPr b="0" i="0" lang="de" sz="1400" u="none" cap="none" strike="noStrike">
+                <a:solidFill>
+                  <a:srgbClr val="000000"/>
+                </a:solidFill>
+                <a:latin typeface="Arial"/>
+                <a:ea typeface="Arial"/>
+                <a:cs typeface="Arial"/>
+                <a:sym typeface="Arial"/>
+              </a:rPr>
               <a:t>in Python</a:t>
             </a:r>
-            <a:endParaRPr/>
+            <a:endParaRPr b="0" i="0" sz="1400" u="none" cap="none" strike="noStrike">
+              <a:solidFill>
+                <a:srgbClr val="000000"/>
+              </a:solidFill>
+              <a:latin typeface="Arial"/>
+              <a:ea typeface="Arial"/>
+              <a:cs typeface="Arial"/>
+              <a:sym typeface="Arial"/>
+            </a:endParaRPr>
           </a:p>
         </p:txBody>
       </p:sp>
@@ -10689,36 +11752,84 @@
           </a:bodyPr>
           <a:lstStyle/>
           <a:p>
-            <a:pPr indent="0" lvl="0" marL="0" rtl="0" algn="l">
-              <a:spcBef>
-                <a:spcPts val="0"/>
-              </a:spcBef>
-              <a:spcAft>
-                <a:spcPts val="0"/>
-              </a:spcAft>
+            <a:pPr indent="0" lvl="0" marL="0" marR="0" rtl="0" algn="l">
+              <a:lnSpc>
+                <a:spcPct val="100000"/>
+              </a:lnSpc>
+              <a:spcBef>
+                <a:spcPts val="0"/>
+              </a:spcBef>
+              <a:spcAft>
+                <a:spcPts val="0"/>
+              </a:spcAft>
+              <a:buClr>
+                <a:srgbClr val="000000"/>
+              </a:buClr>
+              <a:buSzPts val="1400"/>
+              <a:buFont typeface="Arial"/>
               <a:buNone/>
             </a:pPr>
             <a:r>
-              <a:rPr lang="de"/>
+              <a:rPr b="0" i="0" lang="de" sz="1400" u="none" cap="none" strike="noStrike">
+                <a:solidFill>
+                  <a:srgbClr val="000000"/>
+                </a:solidFill>
+                <a:latin typeface="Arial"/>
+                <a:ea typeface="Arial"/>
+                <a:cs typeface="Arial"/>
+                <a:sym typeface="Arial"/>
+              </a:rPr>
               <a:t>Funktion mit default-Parameter </a:t>
             </a:r>
-            <a:endParaRPr/>
+            <a:endParaRPr b="0" i="0" sz="1400" u="none" cap="none" strike="noStrike">
+              <a:solidFill>
+                <a:srgbClr val="000000"/>
+              </a:solidFill>
+              <a:latin typeface="Arial"/>
+              <a:ea typeface="Arial"/>
+              <a:cs typeface="Arial"/>
+              <a:sym typeface="Arial"/>
+            </a:endParaRPr>
           </a:p>
           <a:p>
-            <a:pPr indent="0" lvl="0" marL="0" rtl="0" algn="l">
-              <a:spcBef>
-                <a:spcPts val="0"/>
-              </a:spcBef>
-              <a:spcAft>
-                <a:spcPts val="0"/>
-              </a:spcAft>
+            <a:pPr indent="0" lvl="0" marL="0" marR="0" rtl="0" algn="l">
+              <a:lnSpc>
+                <a:spcPct val="100000"/>
+              </a:lnSpc>
+              <a:spcBef>
+                <a:spcPts val="0"/>
+              </a:spcBef>
+              <a:spcAft>
+                <a:spcPts val="0"/>
+              </a:spcAft>
+              <a:buClr>
+                <a:srgbClr val="000000"/>
+              </a:buClr>
+              <a:buSzPts val="1400"/>
+              <a:buFont typeface="Arial"/>
               <a:buNone/>
             </a:pPr>
             <a:r>
-              <a:rPr lang="de"/>
+              <a:rPr b="0" i="0" lang="de" sz="1400" u="none" cap="none" strike="noStrike">
+                <a:solidFill>
+                  <a:srgbClr val="000000"/>
+                </a:solidFill>
+                <a:latin typeface="Arial"/>
+                <a:ea typeface="Arial"/>
+                <a:cs typeface="Arial"/>
+                <a:sym typeface="Arial"/>
+              </a:rPr>
               <a:t>in Javascript</a:t>
             </a:r>
-            <a:endParaRPr/>
+            <a:endParaRPr b="0" i="0" sz="1400" u="none" cap="none" strike="noStrike">
+              <a:solidFill>
+                <a:srgbClr val="000000"/>
+              </a:solidFill>
+              <a:latin typeface="Arial"/>
+              <a:ea typeface="Arial"/>
+              <a:cs typeface="Arial"/>
+              <a:sym typeface="Arial"/>
+            </a:endParaRPr>
           </a:p>
         </p:txBody>
       </p:sp>
@@ -10728,13 +11839,12 @@
           <p:cNvPicPr preferRelativeResize="0"/>
           <p:nvPr/>
         </p:nvPicPr>
-        <p:blipFill>
+        <p:blipFill rotWithShape="1">
           <a:blip r:embed="rId3">
             <a:alphaModFix/>
           </a:blip>
-          <a:stretch>
-            <a:fillRect/>
-          </a:stretch>
+          <a:srcRect b="0" l="0" r="0" t="0"/>
+          <a:stretch/>
         </p:blipFill>
         <p:spPr>
           <a:xfrm>
@@ -10756,13 +11866,12 @@
           <p:cNvPicPr preferRelativeResize="0"/>
           <p:nvPr/>
         </p:nvPicPr>
-        <p:blipFill>
+        <p:blipFill rotWithShape="1">
           <a:blip r:embed="rId4">
             <a:alphaModFix/>
           </a:blip>
-          <a:stretch>
-            <a:fillRect/>
-          </a:stretch>
+          <a:srcRect b="0" l="0" r="0" t="0"/>
+          <a:stretch/>
         </p:blipFill>
         <p:spPr>
           <a:xfrm>
@@ -10819,6 +11928,10 @@
           <a:prstGeom prst="rect">
             <a:avLst/>
           </a:prstGeom>
+          <a:noFill/>
+          <a:ln>
+            <a:noFill/>
+          </a:ln>
         </p:spPr>
         <p:txBody>
           <a:bodyPr anchorCtr="0" anchor="b" bIns="0" lIns="0" spcFirstLastPara="1" rIns="0" wrap="square" tIns="0">
@@ -10827,12 +11940,16 @@
           <a:lstStyle/>
           <a:p>
             <a:pPr indent="0" lvl="0" marL="0" rtl="0" algn="l">
-              <a:spcBef>
-                <a:spcPts val="0"/>
-              </a:spcBef>
-              <a:spcAft>
-                <a:spcPts val="0"/>
-              </a:spcAft>
+              <a:lnSpc>
+                <a:spcPct val="100000"/>
+              </a:lnSpc>
+              <a:spcBef>
+                <a:spcPts val="0"/>
+              </a:spcBef>
+              <a:spcAft>
+                <a:spcPts val="0"/>
+              </a:spcAft>
+              <a:buSzPts val="1400"/>
               <a:buNone/>
             </a:pPr>
             <a:r>
@@ -10859,6 +11976,10 @@
           <a:prstGeom prst="rect">
             <a:avLst/>
           </a:prstGeom>
+          <a:noFill/>
+          <a:ln>
+            <a:noFill/>
+          </a:ln>
         </p:spPr>
         <p:txBody>
           <a:bodyPr anchorCtr="0" anchor="t" bIns="0" lIns="0" spcFirstLastPara="1" rIns="0" wrap="square" tIns="0">
@@ -10866,165 +11987,365 @@
           </a:bodyPr>
           <a:lstStyle/>
           <a:p>
-            <a:pPr indent="0" lvl="0" marL="0" rtl="0" algn="l">
+            <a:pPr indent="0" lvl="0" marL="0" marR="0" rtl="0" algn="l">
+              <a:lnSpc>
+                <a:spcPct val="100000"/>
+              </a:lnSpc>
               <a:spcBef>
                 <a:spcPts val="320"/>
               </a:spcBef>
               <a:spcAft>
                 <a:spcPts val="0"/>
               </a:spcAft>
+              <a:buClr>
+                <a:srgbClr val="000000"/>
+              </a:buClr>
+              <a:buSzPts val="1400"/>
+              <a:buFont typeface="Arial"/>
               <a:buNone/>
             </a:pPr>
             <a:r>
-              <a:rPr lang="de" sz="1500"/>
+              <a:rPr b="0" i="0" lang="de" sz="1500" u="none" cap="none" strike="noStrike">
+                <a:solidFill>
+                  <a:schemeClr val="dk1"/>
+                </a:solidFill>
+                <a:latin typeface="Arial"/>
+                <a:ea typeface="Arial"/>
+                <a:cs typeface="Arial"/>
+                <a:sym typeface="Arial"/>
+              </a:rPr>
               <a:t>Java hat eine andere Herangehensweise, und zwar das Überladen von Funktionen (Polymorphismus). In Java kann eine Klasse beliebig viele gleichnamige Methoden und Funktionen haben - </a:t>
             </a:r>
             <a:r>
-              <a:rPr b="1" lang="de" sz="1500"/>
+              <a:rPr b="1" i="0" lang="de" sz="1500" u="none" cap="none" strike="noStrike">
+                <a:solidFill>
+                  <a:schemeClr val="dk1"/>
+                </a:solidFill>
+                <a:latin typeface="Arial"/>
+                <a:ea typeface="Arial"/>
+                <a:cs typeface="Arial"/>
+                <a:sym typeface="Arial"/>
+              </a:rPr>
               <a:t>solange sich die Parameter der Methode/Funktion in Typ Anzahl oder Reihenfolge unterscheiden</a:t>
             </a:r>
             <a:r>
-              <a:rPr lang="de" sz="1500"/>
+              <a:rPr b="0" i="0" lang="de" sz="1500" u="none" cap="none" strike="noStrike">
+                <a:solidFill>
+                  <a:schemeClr val="dk1"/>
+                </a:solidFill>
+                <a:latin typeface="Arial"/>
+                <a:ea typeface="Arial"/>
+                <a:cs typeface="Arial"/>
+                <a:sym typeface="Arial"/>
+              </a:rPr>
               <a:t>.</a:t>
             </a:r>
-            <a:endParaRPr sz="1500"/>
+            <a:endParaRPr b="0" i="0" sz="1500" u="none" cap="none" strike="noStrike">
+              <a:solidFill>
+                <a:schemeClr val="dk1"/>
+              </a:solidFill>
+              <a:latin typeface="Arial"/>
+              <a:ea typeface="Arial"/>
+              <a:cs typeface="Arial"/>
+              <a:sym typeface="Arial"/>
+            </a:endParaRPr>
           </a:p>
           <a:p>
-            <a:pPr indent="0" lvl="0" marL="0" rtl="0" algn="l">
+            <a:pPr indent="0" lvl="0" marL="0" marR="0" rtl="0" algn="l">
+              <a:lnSpc>
+                <a:spcPct val="100000"/>
+              </a:lnSpc>
               <a:spcBef>
                 <a:spcPts val="320"/>
               </a:spcBef>
               <a:spcAft>
                 <a:spcPts val="0"/>
               </a:spcAft>
+              <a:buClr>
+                <a:srgbClr val="000000"/>
+              </a:buClr>
+              <a:buSzPts val="1400"/>
+              <a:buFont typeface="Arial"/>
               <a:buNone/>
             </a:pPr>
             <a:r>
-              <a:rPr lang="de" sz="1500"/>
+              <a:rPr b="0" i="0" lang="de" sz="1500" u="none" cap="none" strike="noStrike">
+                <a:solidFill>
+                  <a:schemeClr val="dk1"/>
+                </a:solidFill>
+                <a:latin typeface="Arial"/>
+                <a:ea typeface="Arial"/>
+                <a:cs typeface="Arial"/>
+                <a:sym typeface="Arial"/>
+              </a:rPr>
               <a:t>So könnte man z.B. seine eigene Math-Klasse mit verschiedenen Exponential-Funktionen schreiben.</a:t>
             </a:r>
-            <a:endParaRPr sz="1500"/>
+            <a:endParaRPr b="0" i="0" sz="1500" u="none" cap="none" strike="noStrike">
+              <a:solidFill>
+                <a:schemeClr val="dk1"/>
+              </a:solidFill>
+              <a:latin typeface="Arial"/>
+              <a:ea typeface="Arial"/>
+              <a:cs typeface="Arial"/>
+              <a:sym typeface="Arial"/>
+            </a:endParaRPr>
           </a:p>
           <a:p>
-            <a:pPr indent="0" lvl="0" marL="0" rtl="0" algn="l">
+            <a:pPr indent="0" lvl="0" marL="0" marR="0" rtl="0" algn="l">
+              <a:lnSpc>
+                <a:spcPct val="100000"/>
+              </a:lnSpc>
               <a:spcBef>
                 <a:spcPts val="320"/>
               </a:spcBef>
               <a:spcAft>
                 <a:spcPts val="0"/>
               </a:spcAft>
+              <a:buClr>
+                <a:srgbClr val="000000"/>
+              </a:buClr>
+              <a:buSzPts val="1400"/>
+              <a:buFont typeface="Arial"/>
               <a:buNone/>
             </a:pPr>
             <a:r>
               <a:t/>
             </a:r>
-            <a:endParaRPr sz="1500"/>
+            <a:endParaRPr b="0" i="0" sz="1500" u="none" cap="none" strike="noStrike">
+              <a:solidFill>
+                <a:schemeClr val="dk1"/>
+              </a:solidFill>
+              <a:latin typeface="Arial"/>
+              <a:ea typeface="Arial"/>
+              <a:cs typeface="Arial"/>
+              <a:sym typeface="Arial"/>
+            </a:endParaRPr>
           </a:p>
           <a:p>
-            <a:pPr indent="0" lvl="0" marL="0" rtl="0" algn="l">
+            <a:pPr indent="0" lvl="0" marL="0" marR="0" rtl="0" algn="l">
+              <a:lnSpc>
+                <a:spcPct val="100000"/>
+              </a:lnSpc>
               <a:spcBef>
                 <a:spcPts val="320"/>
               </a:spcBef>
               <a:spcAft>
                 <a:spcPts val="0"/>
               </a:spcAft>
+              <a:buClr>
+                <a:srgbClr val="000000"/>
+              </a:buClr>
+              <a:buSzPts val="1400"/>
+              <a:buFont typeface="Arial"/>
               <a:buNone/>
             </a:pPr>
             <a:r>
               <a:t/>
             </a:r>
-            <a:endParaRPr sz="1500"/>
+            <a:endParaRPr b="0" i="0" sz="1500" u="none" cap="none" strike="noStrike">
+              <a:solidFill>
+                <a:schemeClr val="dk1"/>
+              </a:solidFill>
+              <a:latin typeface="Arial"/>
+              <a:ea typeface="Arial"/>
+              <a:cs typeface="Arial"/>
+              <a:sym typeface="Arial"/>
+            </a:endParaRPr>
           </a:p>
           <a:p>
-            <a:pPr indent="0" lvl="0" marL="0" rtl="0" algn="l">
+            <a:pPr indent="0" lvl="0" marL="0" marR="0" rtl="0" algn="l">
+              <a:lnSpc>
+                <a:spcPct val="100000"/>
+              </a:lnSpc>
               <a:spcBef>
                 <a:spcPts val="320"/>
               </a:spcBef>
               <a:spcAft>
                 <a:spcPts val="0"/>
               </a:spcAft>
+              <a:buClr>
+                <a:srgbClr val="000000"/>
+              </a:buClr>
+              <a:buSzPts val="1400"/>
+              <a:buFont typeface="Arial"/>
               <a:buNone/>
             </a:pPr>
             <a:r>
               <a:t/>
             </a:r>
-            <a:endParaRPr sz="1500"/>
+            <a:endParaRPr b="0" i="0" sz="1500" u="none" cap="none" strike="noStrike">
+              <a:solidFill>
+                <a:schemeClr val="dk1"/>
+              </a:solidFill>
+              <a:latin typeface="Arial"/>
+              <a:ea typeface="Arial"/>
+              <a:cs typeface="Arial"/>
+              <a:sym typeface="Arial"/>
+            </a:endParaRPr>
           </a:p>
           <a:p>
-            <a:pPr indent="0" lvl="0" marL="0" rtl="0" algn="l">
+            <a:pPr indent="0" lvl="0" marL="0" marR="0" rtl="0" algn="l">
+              <a:lnSpc>
+                <a:spcPct val="100000"/>
+              </a:lnSpc>
               <a:spcBef>
                 <a:spcPts val="320"/>
               </a:spcBef>
               <a:spcAft>
                 <a:spcPts val="0"/>
               </a:spcAft>
+              <a:buClr>
+                <a:srgbClr val="000000"/>
+              </a:buClr>
+              <a:buSzPts val="1400"/>
+              <a:buFont typeface="Arial"/>
               <a:buNone/>
             </a:pPr>
             <a:r>
               <a:t/>
             </a:r>
-            <a:endParaRPr sz="1500"/>
+            <a:endParaRPr b="0" i="0" sz="1500" u="none" cap="none" strike="noStrike">
+              <a:solidFill>
+                <a:schemeClr val="dk1"/>
+              </a:solidFill>
+              <a:latin typeface="Arial"/>
+              <a:ea typeface="Arial"/>
+              <a:cs typeface="Arial"/>
+              <a:sym typeface="Arial"/>
+            </a:endParaRPr>
           </a:p>
           <a:p>
-            <a:pPr indent="0" lvl="0" marL="0" rtl="0" algn="l">
+            <a:pPr indent="0" lvl="0" marL="0" marR="0" rtl="0" algn="l">
+              <a:lnSpc>
+                <a:spcPct val="100000"/>
+              </a:lnSpc>
               <a:spcBef>
                 <a:spcPts val="320"/>
               </a:spcBef>
               <a:spcAft>
                 <a:spcPts val="0"/>
               </a:spcAft>
+              <a:buClr>
+                <a:srgbClr val="000000"/>
+              </a:buClr>
+              <a:buSzPts val="1400"/>
+              <a:buFont typeface="Arial"/>
               <a:buNone/>
             </a:pPr>
             <a:r>
               <a:t/>
             </a:r>
-            <a:endParaRPr sz="1500"/>
+            <a:endParaRPr b="0" i="0" sz="1500" u="none" cap="none" strike="noStrike">
+              <a:solidFill>
+                <a:schemeClr val="dk1"/>
+              </a:solidFill>
+              <a:latin typeface="Arial"/>
+              <a:ea typeface="Arial"/>
+              <a:cs typeface="Arial"/>
+              <a:sym typeface="Arial"/>
+            </a:endParaRPr>
           </a:p>
           <a:p>
-            <a:pPr indent="0" lvl="0" marL="0" rtl="0" algn="l">
+            <a:pPr indent="0" lvl="0" marL="0" marR="0" rtl="0" algn="l">
+              <a:lnSpc>
+                <a:spcPct val="100000"/>
+              </a:lnSpc>
               <a:spcBef>
                 <a:spcPts val="320"/>
               </a:spcBef>
               <a:spcAft>
                 <a:spcPts val="0"/>
               </a:spcAft>
+              <a:buClr>
+                <a:srgbClr val="000000"/>
+              </a:buClr>
+              <a:buSzPts val="1400"/>
+              <a:buFont typeface="Arial"/>
               <a:buNone/>
             </a:pPr>
             <a:r>
               <a:t/>
             </a:r>
-            <a:endParaRPr sz="1500"/>
+            <a:endParaRPr b="0" i="0" sz="1500" u="none" cap="none" strike="noStrike">
+              <a:solidFill>
+                <a:schemeClr val="dk1"/>
+              </a:solidFill>
+              <a:latin typeface="Arial"/>
+              <a:ea typeface="Arial"/>
+              <a:cs typeface="Arial"/>
+              <a:sym typeface="Arial"/>
+            </a:endParaRPr>
           </a:p>
           <a:p>
-            <a:pPr indent="0" lvl="0" marL="0" rtl="0" algn="l">
+            <a:pPr indent="0" lvl="0" marL="0" marR="0" rtl="0" algn="l">
+              <a:lnSpc>
+                <a:spcPct val="100000"/>
+              </a:lnSpc>
               <a:spcBef>
                 <a:spcPts val="320"/>
               </a:spcBef>
               <a:spcAft>
                 <a:spcPts val="0"/>
               </a:spcAft>
+              <a:buClr>
+                <a:srgbClr val="000000"/>
+              </a:buClr>
+              <a:buSzPts val="1400"/>
+              <a:buFont typeface="Arial"/>
               <a:buNone/>
             </a:pPr>
             <a:r>
               <a:t/>
             </a:r>
-            <a:endParaRPr sz="1500"/>
+            <a:endParaRPr b="0" i="0" sz="1500" u="none" cap="none" strike="noStrike">
+              <a:solidFill>
+                <a:schemeClr val="dk1"/>
+              </a:solidFill>
+              <a:latin typeface="Arial"/>
+              <a:ea typeface="Arial"/>
+              <a:cs typeface="Arial"/>
+              <a:sym typeface="Arial"/>
+            </a:endParaRPr>
           </a:p>
           <a:p>
-            <a:pPr indent="0" lvl="0" marL="0" rtl="0" algn="l">
+            <a:pPr indent="0" lvl="0" marL="0" marR="0" rtl="0" algn="l">
+              <a:lnSpc>
+                <a:spcPct val="100000"/>
+              </a:lnSpc>
               <a:spcBef>
                 <a:spcPts val="320"/>
               </a:spcBef>
               <a:spcAft>
                 <a:spcPts val="0"/>
               </a:spcAft>
+              <a:buClr>
+                <a:srgbClr val="000000"/>
+              </a:buClr>
+              <a:buSzPts val="1400"/>
+              <a:buFont typeface="Arial"/>
               <a:buNone/>
             </a:pPr>
             <a:r>
-              <a:rPr lang="de" sz="1500"/>
+              <a:rPr b="0" i="0" lang="de" sz="1500" u="none" cap="none" strike="noStrike">
+                <a:solidFill>
+                  <a:schemeClr val="dk1"/>
+                </a:solidFill>
+                <a:latin typeface="Arial"/>
+                <a:ea typeface="Arial"/>
+                <a:cs typeface="Arial"/>
+                <a:sym typeface="Arial"/>
+              </a:rPr>
               <a:t>Auf die gleiche Weise kann man auch Konstruktoren überladen.</a:t>
             </a:r>
-            <a:endParaRPr sz="1500"/>
+            <a:endParaRPr b="0" i="0" sz="1500" u="none" cap="none" strike="noStrike">
+              <a:solidFill>
+                <a:schemeClr val="dk1"/>
+              </a:solidFill>
+              <a:latin typeface="Arial"/>
+              <a:ea typeface="Arial"/>
+              <a:cs typeface="Arial"/>
+              <a:sym typeface="Arial"/>
+            </a:endParaRPr>
           </a:p>
         </p:txBody>
       </p:sp>
@@ -11034,13 +12355,12 @@
           <p:cNvPicPr preferRelativeResize="0"/>
           <p:nvPr/>
         </p:nvPicPr>
-        <p:blipFill>
+        <p:blipFill rotWithShape="1">
           <a:blip r:embed="rId3">
             <a:alphaModFix/>
           </a:blip>
-          <a:stretch>
-            <a:fillRect/>
-          </a:stretch>
+          <a:srcRect b="0" l="0" r="0" t="0"/>
+          <a:stretch/>
         </p:blipFill>
         <p:spPr>
           <a:xfrm>
@@ -11062,13 +12382,12 @@
           <p:cNvPicPr preferRelativeResize="0"/>
           <p:nvPr/>
         </p:nvPicPr>
-        <p:blipFill>
+        <p:blipFill rotWithShape="1">
           <a:blip r:embed="rId4">
             <a:alphaModFix/>
           </a:blip>
-          <a:stretch>
-            <a:fillRect/>
-          </a:stretch>
+          <a:srcRect b="0" l="0" r="0" t="0"/>
+          <a:stretch/>
         </p:blipFill>
         <p:spPr>
           <a:xfrm>
@@ -11090,13 +12409,12 @@
           <p:cNvPicPr preferRelativeResize="0"/>
           <p:nvPr/>
         </p:nvPicPr>
-        <p:blipFill>
+        <p:blipFill rotWithShape="1">
           <a:blip r:embed="rId5">
             <a:alphaModFix/>
           </a:blip>
-          <a:stretch>
-            <a:fillRect/>
-          </a:stretch>
+          <a:srcRect b="0" l="0" r="0" t="0"/>
+          <a:stretch/>
         </p:blipFill>
         <p:spPr>
           <a:xfrm>
@@ -11118,13 +12436,12 @@
           <p:cNvPicPr preferRelativeResize="0"/>
           <p:nvPr/>
         </p:nvPicPr>
-        <p:blipFill>
+        <p:blipFill rotWithShape="1">
           <a:blip r:embed="rId6">
             <a:alphaModFix/>
           </a:blip>
-          <a:stretch>
-            <a:fillRect/>
-          </a:stretch>
+          <a:srcRect b="0" l="0" r="0" t="0"/>
+          <a:stretch/>
         </p:blipFill>
         <p:spPr>
           <a:xfrm>
@@ -11146,13 +12463,12 @@
           <p:cNvPicPr preferRelativeResize="0"/>
           <p:nvPr/>
         </p:nvPicPr>
-        <p:blipFill>
+        <p:blipFill rotWithShape="1">
           <a:blip r:embed="rId7">
             <a:alphaModFix/>
           </a:blip>
-          <a:stretch>
-            <a:fillRect/>
-          </a:stretch>
+          <a:srcRect b="0" l="0" r="0" t="0"/>
+          <a:stretch/>
         </p:blipFill>
         <p:spPr>
           <a:xfrm>
@@ -11209,6 +12525,10 @@
           <a:prstGeom prst="rect">
             <a:avLst/>
           </a:prstGeom>
+          <a:noFill/>
+          <a:ln>
+            <a:noFill/>
+          </a:ln>
         </p:spPr>
         <p:txBody>
           <a:bodyPr anchorCtr="0" anchor="b" bIns="0" lIns="0" spcFirstLastPara="1" rIns="0" wrap="square" tIns="0">
@@ -11217,12 +12537,16 @@
           <a:lstStyle/>
           <a:p>
             <a:pPr indent="0" lvl="0" marL="0" rtl="0" algn="l">
-              <a:spcBef>
-                <a:spcPts val="0"/>
-              </a:spcBef>
-              <a:spcAft>
-                <a:spcPts val="0"/>
-              </a:spcAft>
+              <a:lnSpc>
+                <a:spcPct val="100000"/>
+              </a:lnSpc>
+              <a:spcBef>
+                <a:spcPts val="0"/>
+              </a:spcBef>
+              <a:spcAft>
+                <a:spcPts val="0"/>
+              </a:spcAft>
+              <a:buSzPts val="1400"/>
               <a:buNone/>
             </a:pPr>
             <a:r>
@@ -11249,6 +12573,10 @@
           <a:prstGeom prst="rect">
             <a:avLst/>
           </a:prstGeom>
+          <a:noFill/>
+          <a:ln>
+            <a:noFill/>
+          </a:ln>
         </p:spPr>
         <p:txBody>
           <a:bodyPr anchorCtr="0" anchor="t" bIns="0" lIns="0" spcFirstLastPara="1" rIns="0" wrap="square" tIns="0">
@@ -11256,115 +12584,283 @@
           </a:bodyPr>
           <a:lstStyle/>
           <a:p>
-            <a:pPr indent="0" lvl="0" marL="0" rtl="0" algn="l">
+            <a:pPr indent="0" lvl="0" marL="0" marR="0" rtl="0" algn="l">
+              <a:lnSpc>
+                <a:spcPct val="100000"/>
+              </a:lnSpc>
               <a:spcBef>
                 <a:spcPts val="320"/>
               </a:spcBef>
               <a:spcAft>
                 <a:spcPts val="0"/>
               </a:spcAft>
+              <a:buClr>
+                <a:srgbClr val="000000"/>
+              </a:buClr>
+              <a:buSzPts val="1400"/>
+              <a:buFont typeface="Arial"/>
               <a:buNone/>
             </a:pPr>
             <a:r>
-              <a:rPr lang="de"/>
+              <a:rPr b="0" i="0" lang="de" sz="1600" u="none" cap="none" strike="noStrike">
+                <a:solidFill>
+                  <a:schemeClr val="dk1"/>
+                </a:solidFill>
+                <a:latin typeface="Arial"/>
+                <a:ea typeface="Arial"/>
+                <a:cs typeface="Arial"/>
+                <a:sym typeface="Arial"/>
+              </a:rPr>
               <a:t>In Java unterscheidet man grundsätzlich zwischen primitiven Datentypen und Referenzdatentypen (Objekten).</a:t>
             </a:r>
-            <a:endParaRPr/>
+            <a:endParaRPr b="0" i="0" sz="1600" u="none" cap="none" strike="noStrike">
+              <a:solidFill>
+                <a:schemeClr val="dk1"/>
+              </a:solidFill>
+              <a:latin typeface="Arial"/>
+              <a:ea typeface="Arial"/>
+              <a:cs typeface="Arial"/>
+              <a:sym typeface="Arial"/>
+            </a:endParaRPr>
           </a:p>
           <a:p>
-            <a:pPr indent="0" lvl="0" marL="0" rtl="0" algn="l">
+            <a:pPr indent="0" lvl="0" marL="0" marR="0" rtl="0" algn="l">
+              <a:lnSpc>
+                <a:spcPct val="100000"/>
+              </a:lnSpc>
               <a:spcBef>
                 <a:spcPts val="320"/>
               </a:spcBef>
               <a:spcAft>
                 <a:spcPts val="0"/>
               </a:spcAft>
+              <a:buClr>
+                <a:srgbClr val="000000"/>
+              </a:buClr>
+              <a:buSzPts val="1400"/>
+              <a:buFont typeface="Arial"/>
               <a:buNone/>
             </a:pPr>
             <a:r>
-              <a:rPr lang="de"/>
+              <a:rPr b="0" i="0" lang="de" sz="1600" u="none" cap="none" strike="noStrike">
+                <a:solidFill>
+                  <a:schemeClr val="dk1"/>
+                </a:solidFill>
+                <a:latin typeface="Arial"/>
+                <a:ea typeface="Arial"/>
+                <a:cs typeface="Arial"/>
+                <a:sym typeface="Arial"/>
+              </a:rPr>
               <a:t>Primitive Datentypen lassen sich mit dem “==” Operatoren auf Gleichheit testen.</a:t>
             </a:r>
-            <a:endParaRPr/>
+            <a:endParaRPr b="0" i="0" sz="1600" u="none" cap="none" strike="noStrike">
+              <a:solidFill>
+                <a:schemeClr val="dk1"/>
+              </a:solidFill>
+              <a:latin typeface="Arial"/>
+              <a:ea typeface="Arial"/>
+              <a:cs typeface="Arial"/>
+              <a:sym typeface="Arial"/>
+            </a:endParaRPr>
           </a:p>
           <a:p>
-            <a:pPr indent="0" lvl="0" marL="0" rtl="0" algn="l">
+            <a:pPr indent="0" lvl="0" marL="0" marR="0" rtl="0" algn="l">
+              <a:lnSpc>
+                <a:spcPct val="100000"/>
+              </a:lnSpc>
               <a:spcBef>
                 <a:spcPts val="320"/>
               </a:spcBef>
               <a:spcAft>
                 <a:spcPts val="0"/>
               </a:spcAft>
+              <a:buClr>
+                <a:srgbClr val="000000"/>
+              </a:buClr>
+              <a:buSzPts val="1400"/>
+              <a:buFont typeface="Arial"/>
               <a:buNone/>
             </a:pPr>
             <a:r>
-              <a:rPr lang="de"/>
+              <a:rPr b="0" i="0" lang="de" sz="1600" u="none" cap="none" strike="noStrike">
+                <a:solidFill>
+                  <a:schemeClr val="dk1"/>
+                </a:solidFill>
+                <a:latin typeface="Arial"/>
+                <a:ea typeface="Arial"/>
+                <a:cs typeface="Arial"/>
+                <a:sym typeface="Arial"/>
+              </a:rPr>
               <a:t>Bei Referenzdatentypen testet dieser Operator </a:t>
             </a:r>
             <a:r>
-              <a:rPr lang="de" u="sng"/>
+              <a:rPr b="0" i="0" lang="de" sz="1600" u="sng" cap="none" strike="noStrike">
+                <a:solidFill>
+                  <a:schemeClr val="dk1"/>
+                </a:solidFill>
+                <a:latin typeface="Arial"/>
+                <a:ea typeface="Arial"/>
+                <a:cs typeface="Arial"/>
+                <a:sym typeface="Arial"/>
+              </a:rPr>
               <a:t>nicht, ob die Objekte gleich sind</a:t>
             </a:r>
             <a:r>
-              <a:rPr lang="de"/>
+              <a:rPr b="0" i="0" lang="de" sz="1600" u="none" cap="none" strike="noStrike">
+                <a:solidFill>
+                  <a:schemeClr val="dk1"/>
+                </a:solidFill>
+                <a:latin typeface="Arial"/>
+                <a:ea typeface="Arial"/>
+                <a:cs typeface="Arial"/>
+                <a:sym typeface="Arial"/>
+              </a:rPr>
               <a:t>, sondern ob es </a:t>
             </a:r>
             <a:r>
-              <a:rPr lang="de" u="sng"/>
+              <a:rPr b="0" i="0" lang="de" sz="1600" u="sng" cap="none" strike="noStrike">
+                <a:solidFill>
+                  <a:schemeClr val="dk1"/>
+                </a:solidFill>
+                <a:latin typeface="Arial"/>
+                <a:ea typeface="Arial"/>
+                <a:cs typeface="Arial"/>
+                <a:sym typeface="Arial"/>
+              </a:rPr>
               <a:t>das selbe Objekt</a:t>
             </a:r>
             <a:r>
-              <a:rPr lang="de"/>
+              <a:rPr b="0" i="0" lang="de" sz="1600" u="none" cap="none" strike="noStrike">
+                <a:solidFill>
+                  <a:schemeClr val="dk1"/>
+                </a:solidFill>
+                <a:latin typeface="Arial"/>
+                <a:ea typeface="Arial"/>
+                <a:cs typeface="Arial"/>
+                <a:sym typeface="Arial"/>
+              </a:rPr>
               <a:t> ist.</a:t>
             </a:r>
-            <a:endParaRPr/>
+            <a:endParaRPr b="0" i="0" sz="1600" u="none" cap="none" strike="noStrike">
+              <a:solidFill>
+                <a:schemeClr val="dk1"/>
+              </a:solidFill>
+              <a:latin typeface="Arial"/>
+              <a:ea typeface="Arial"/>
+              <a:cs typeface="Arial"/>
+              <a:sym typeface="Arial"/>
+            </a:endParaRPr>
           </a:p>
           <a:p>
-            <a:pPr indent="0" lvl="0" marL="0" rtl="0" algn="l">
+            <a:pPr indent="0" lvl="0" marL="0" marR="0" rtl="0" algn="l">
+              <a:lnSpc>
+                <a:spcPct val="100000"/>
+              </a:lnSpc>
               <a:spcBef>
                 <a:spcPts val="320"/>
               </a:spcBef>
               <a:spcAft>
                 <a:spcPts val="0"/>
               </a:spcAft>
+              <a:buClr>
+                <a:srgbClr val="000000"/>
+              </a:buClr>
+              <a:buSzPts val="1400"/>
+              <a:buFont typeface="Arial"/>
               <a:buNone/>
             </a:pPr>
             <a:r>
               <a:t/>
             </a:r>
-            <a:endParaRPr/>
+            <a:endParaRPr b="0" i="0" sz="1600" u="none" cap="none" strike="noStrike">
+              <a:solidFill>
+                <a:schemeClr val="dk1"/>
+              </a:solidFill>
+              <a:latin typeface="Arial"/>
+              <a:ea typeface="Arial"/>
+              <a:cs typeface="Arial"/>
+              <a:sym typeface="Arial"/>
+            </a:endParaRPr>
           </a:p>
           <a:p>
-            <a:pPr indent="0" lvl="0" marL="0" rtl="0" algn="l">
+            <a:pPr indent="0" lvl="0" marL="0" marR="0" rtl="0" algn="l">
+              <a:lnSpc>
+                <a:spcPct val="100000"/>
+              </a:lnSpc>
               <a:spcBef>
                 <a:spcPts val="320"/>
               </a:spcBef>
               <a:spcAft>
                 <a:spcPts val="0"/>
               </a:spcAft>
+              <a:buClr>
+                <a:srgbClr val="000000"/>
+              </a:buClr>
+              <a:buSzPts val="1400"/>
+              <a:buFont typeface="Arial"/>
               <a:buNone/>
             </a:pPr>
             <a:r>
-              <a:rPr lang="de"/>
+              <a:rPr b="0" i="0" lang="de" sz="1600" u="none" cap="none" strike="noStrike">
+                <a:solidFill>
+                  <a:schemeClr val="dk1"/>
+                </a:solidFill>
+                <a:latin typeface="Arial"/>
+                <a:ea typeface="Arial"/>
+                <a:cs typeface="Arial"/>
+                <a:sym typeface="Arial"/>
+              </a:rPr>
               <a:t>Beispiel Kreis =&gt; intuitive Annahme: zwei Kreise mit gleichem Radius sind gleich.</a:t>
             </a:r>
-            <a:endParaRPr/>
+            <a:endParaRPr b="0" i="0" sz="1600" u="none" cap="none" strike="noStrike">
+              <a:solidFill>
+                <a:schemeClr val="dk1"/>
+              </a:solidFill>
+              <a:latin typeface="Arial"/>
+              <a:ea typeface="Arial"/>
+              <a:cs typeface="Arial"/>
+              <a:sym typeface="Arial"/>
+            </a:endParaRPr>
           </a:p>
           <a:p>
-            <a:pPr indent="0" lvl="0" marL="0" rtl="0" algn="l">
+            <a:pPr indent="0" lvl="0" marL="0" marR="0" rtl="0" algn="l">
+              <a:lnSpc>
+                <a:spcPct val="100000"/>
+              </a:lnSpc>
               <a:spcBef>
                 <a:spcPts val="320"/>
               </a:spcBef>
               <a:spcAft>
                 <a:spcPts val="0"/>
               </a:spcAft>
+              <a:buClr>
+                <a:srgbClr val="000000"/>
+              </a:buClr>
+              <a:buSzPts val="1400"/>
+              <a:buFont typeface="Arial"/>
               <a:buNone/>
             </a:pPr>
             <a:r>
-              <a:rPr lang="de"/>
+              <a:rPr b="0" i="0" lang="de" sz="1600" u="none" cap="none" strike="noStrike">
+                <a:solidFill>
+                  <a:schemeClr val="dk1"/>
+                </a:solidFill>
+                <a:latin typeface="Arial"/>
+                <a:ea typeface="Arial"/>
+                <a:cs typeface="Arial"/>
+                <a:sym typeface="Arial"/>
+              </a:rPr>
               <a:t>Die Realität in Java:</a:t>
             </a:r>
-            <a:endParaRPr/>
+            <a:endParaRPr b="0" i="0" sz="1600" u="none" cap="none" strike="noStrike">
+              <a:solidFill>
+                <a:schemeClr val="dk1"/>
+              </a:solidFill>
+              <a:latin typeface="Arial"/>
+              <a:ea typeface="Arial"/>
+              <a:cs typeface="Arial"/>
+              <a:sym typeface="Arial"/>
+            </a:endParaRPr>
           </a:p>
         </p:txBody>
       </p:sp>
@@ -11374,13 +12870,12 @@
           <p:cNvPicPr preferRelativeResize="0"/>
           <p:nvPr/>
         </p:nvPicPr>
-        <p:blipFill>
+        <p:blipFill rotWithShape="1">
           <a:blip r:embed="rId3">
             <a:alphaModFix/>
           </a:blip>
-          <a:stretch>
-            <a:fillRect/>
-          </a:stretch>
+          <a:srcRect b="0" l="0" r="0" t="0"/>
+          <a:stretch/>
         </p:blipFill>
         <p:spPr>
           <a:xfrm>
@@ -11402,13 +12897,12 @@
           <p:cNvPicPr preferRelativeResize="0"/>
           <p:nvPr/>
         </p:nvPicPr>
-        <p:blipFill>
+        <p:blipFill rotWithShape="1">
           <a:blip r:embed="rId4">
             <a:alphaModFix/>
           </a:blip>
-          <a:stretch>
-            <a:fillRect/>
-          </a:stretch>
+          <a:srcRect b="0" l="0" r="0" t="0"/>
+          <a:stretch/>
         </p:blipFill>
         <p:spPr>
           <a:xfrm>
@@ -11465,6 +12959,10 @@
           <a:prstGeom prst="rect">
             <a:avLst/>
           </a:prstGeom>
+          <a:noFill/>
+          <a:ln>
+            <a:noFill/>
+          </a:ln>
         </p:spPr>
         <p:txBody>
           <a:bodyPr anchorCtr="0" anchor="b" bIns="0" lIns="0" spcFirstLastPara="1" rIns="0" wrap="square" tIns="0">
@@ -11473,12 +12971,16 @@
           <a:lstStyle/>
           <a:p>
             <a:pPr indent="0" lvl="0" marL="0" rtl="0" algn="l">
-              <a:spcBef>
-                <a:spcPts val="0"/>
-              </a:spcBef>
-              <a:spcAft>
-                <a:spcPts val="0"/>
-              </a:spcAft>
+              <a:lnSpc>
+                <a:spcPct val="100000"/>
+              </a:lnSpc>
+              <a:spcBef>
+                <a:spcPts val="0"/>
+              </a:spcBef>
+              <a:spcAft>
+                <a:spcPts val="0"/>
+              </a:spcAft>
+              <a:buSzPts val="1400"/>
               <a:buNone/>
             </a:pPr>
             <a:r>
@@ -11505,6 +13007,10 @@
           <a:prstGeom prst="rect">
             <a:avLst/>
           </a:prstGeom>
+          <a:noFill/>
+          <a:ln>
+            <a:noFill/>
+          </a:ln>
         </p:spPr>
         <p:txBody>
           <a:bodyPr anchorCtr="0" anchor="t" bIns="0" lIns="0" spcFirstLastPara="1" rIns="0" wrap="square" tIns="0">
@@ -11512,162 +13018,342 @@
           </a:bodyPr>
           <a:lstStyle/>
           <a:p>
-            <a:pPr indent="0" lvl="0" marL="0" rtl="0" algn="l">
+            <a:pPr indent="0" lvl="0" marL="0" marR="0" rtl="0" algn="l">
+              <a:lnSpc>
+                <a:spcPct val="100000"/>
+              </a:lnSpc>
               <a:spcBef>
                 <a:spcPts val="320"/>
               </a:spcBef>
               <a:spcAft>
                 <a:spcPts val="0"/>
               </a:spcAft>
+              <a:buClr>
+                <a:srgbClr val="000000"/>
+              </a:buClr>
+              <a:buSzPts val="1400"/>
+              <a:buFont typeface="Arial"/>
               <a:buNone/>
             </a:pPr>
             <a:r>
-              <a:rPr lang="de"/>
+              <a:rPr b="0" i="0" lang="de" sz="1600" u="none" cap="none" strike="noStrike">
+                <a:solidFill>
+                  <a:schemeClr val="dk1"/>
+                </a:solidFill>
+                <a:latin typeface="Arial"/>
+                <a:ea typeface="Arial"/>
+                <a:cs typeface="Arial"/>
+                <a:sym typeface="Arial"/>
+              </a:rPr>
               <a:t>Zum Vergleich von Referenzdatentypen gibt es in Java die sog. equals-Methode in der “Object”-Klasse. Diese testet per default jedoch auch nur, ob die Referenzen auf das selbe Objekt verweisen. Daher muss diese Methode, falls ein anderes Verhalten gewünscht ist, überschrieben werden.</a:t>
             </a:r>
-            <a:endParaRPr/>
+            <a:endParaRPr b="0" i="0" sz="1600" u="none" cap="none" strike="noStrike">
+              <a:solidFill>
+                <a:schemeClr val="dk1"/>
+              </a:solidFill>
+              <a:latin typeface="Arial"/>
+              <a:ea typeface="Arial"/>
+              <a:cs typeface="Arial"/>
+              <a:sym typeface="Arial"/>
+            </a:endParaRPr>
           </a:p>
           <a:p>
-            <a:pPr indent="0" lvl="0" marL="0" rtl="0" algn="l">
+            <a:pPr indent="0" lvl="0" marL="0" marR="0" rtl="0" algn="l">
+              <a:lnSpc>
+                <a:spcPct val="100000"/>
+              </a:lnSpc>
               <a:spcBef>
                 <a:spcPts val="320"/>
               </a:spcBef>
               <a:spcAft>
                 <a:spcPts val="0"/>
               </a:spcAft>
+              <a:buClr>
+                <a:srgbClr val="000000"/>
+              </a:buClr>
+              <a:buSzPts val="1400"/>
+              <a:buFont typeface="Arial"/>
               <a:buNone/>
             </a:pPr>
             <a:r>
               <a:t/>
             </a:r>
-            <a:endParaRPr/>
+            <a:endParaRPr b="0" i="0" sz="1600" u="none" cap="none" strike="noStrike">
+              <a:solidFill>
+                <a:schemeClr val="dk1"/>
+              </a:solidFill>
+              <a:latin typeface="Arial"/>
+              <a:ea typeface="Arial"/>
+              <a:cs typeface="Arial"/>
+              <a:sym typeface="Arial"/>
+            </a:endParaRPr>
           </a:p>
           <a:p>
-            <a:pPr indent="0" lvl="0" marL="0" rtl="0" algn="l">
+            <a:pPr indent="0" lvl="0" marL="0" marR="0" rtl="0" algn="l">
+              <a:lnSpc>
+                <a:spcPct val="100000"/>
+              </a:lnSpc>
               <a:spcBef>
                 <a:spcPts val="320"/>
               </a:spcBef>
               <a:spcAft>
                 <a:spcPts val="0"/>
               </a:spcAft>
+              <a:buClr>
+                <a:srgbClr val="000000"/>
+              </a:buClr>
+              <a:buSzPts val="1400"/>
+              <a:buFont typeface="Arial"/>
               <a:buNone/>
             </a:pPr>
             <a:r>
               <a:t/>
             </a:r>
-            <a:endParaRPr/>
+            <a:endParaRPr b="0" i="0" sz="1600" u="none" cap="none" strike="noStrike">
+              <a:solidFill>
+                <a:schemeClr val="dk1"/>
+              </a:solidFill>
+              <a:latin typeface="Arial"/>
+              <a:ea typeface="Arial"/>
+              <a:cs typeface="Arial"/>
+              <a:sym typeface="Arial"/>
+            </a:endParaRPr>
           </a:p>
           <a:p>
-            <a:pPr indent="0" lvl="0" marL="0" rtl="0" algn="l">
+            <a:pPr indent="0" lvl="0" marL="0" marR="0" rtl="0" algn="l">
+              <a:lnSpc>
+                <a:spcPct val="100000"/>
+              </a:lnSpc>
               <a:spcBef>
                 <a:spcPts val="320"/>
               </a:spcBef>
               <a:spcAft>
                 <a:spcPts val="0"/>
               </a:spcAft>
+              <a:buClr>
+                <a:srgbClr val="000000"/>
+              </a:buClr>
+              <a:buSzPts val="1400"/>
+              <a:buFont typeface="Arial"/>
               <a:buNone/>
             </a:pPr>
             <a:r>
               <a:t/>
             </a:r>
-            <a:endParaRPr/>
+            <a:endParaRPr b="0" i="0" sz="1600" u="none" cap="none" strike="noStrike">
+              <a:solidFill>
+                <a:schemeClr val="dk1"/>
+              </a:solidFill>
+              <a:latin typeface="Arial"/>
+              <a:ea typeface="Arial"/>
+              <a:cs typeface="Arial"/>
+              <a:sym typeface="Arial"/>
+            </a:endParaRPr>
           </a:p>
           <a:p>
-            <a:pPr indent="0" lvl="0" marL="0" rtl="0" algn="l">
+            <a:pPr indent="0" lvl="0" marL="0" marR="0" rtl="0" algn="l">
+              <a:lnSpc>
+                <a:spcPct val="100000"/>
+              </a:lnSpc>
               <a:spcBef>
                 <a:spcPts val="320"/>
               </a:spcBef>
               <a:spcAft>
                 <a:spcPts val="0"/>
               </a:spcAft>
+              <a:buClr>
+                <a:srgbClr val="000000"/>
+              </a:buClr>
+              <a:buSzPts val="1400"/>
+              <a:buFont typeface="Arial"/>
               <a:buNone/>
             </a:pPr>
             <a:r>
               <a:t/>
             </a:r>
-            <a:endParaRPr/>
+            <a:endParaRPr b="0" i="0" sz="1600" u="none" cap="none" strike="noStrike">
+              <a:solidFill>
+                <a:schemeClr val="dk1"/>
+              </a:solidFill>
+              <a:latin typeface="Arial"/>
+              <a:ea typeface="Arial"/>
+              <a:cs typeface="Arial"/>
+              <a:sym typeface="Arial"/>
+            </a:endParaRPr>
           </a:p>
           <a:p>
-            <a:pPr indent="0" lvl="0" marL="0" rtl="0" algn="l">
+            <a:pPr indent="0" lvl="0" marL="0" marR="0" rtl="0" algn="l">
+              <a:lnSpc>
+                <a:spcPct val="100000"/>
+              </a:lnSpc>
               <a:spcBef>
                 <a:spcPts val="320"/>
               </a:spcBef>
               <a:spcAft>
                 <a:spcPts val="0"/>
               </a:spcAft>
+              <a:buClr>
+                <a:srgbClr val="000000"/>
+              </a:buClr>
+              <a:buSzPts val="1400"/>
+              <a:buFont typeface="Arial"/>
               <a:buNone/>
             </a:pPr>
             <a:r>
               <a:t/>
             </a:r>
-            <a:endParaRPr/>
+            <a:endParaRPr b="0" i="0" sz="1600" u="none" cap="none" strike="noStrike">
+              <a:solidFill>
+                <a:schemeClr val="dk1"/>
+              </a:solidFill>
+              <a:latin typeface="Arial"/>
+              <a:ea typeface="Arial"/>
+              <a:cs typeface="Arial"/>
+              <a:sym typeface="Arial"/>
+            </a:endParaRPr>
           </a:p>
           <a:p>
-            <a:pPr indent="0" lvl="0" marL="0" rtl="0" algn="l">
+            <a:pPr indent="0" lvl="0" marL="0" marR="0" rtl="0" algn="l">
+              <a:lnSpc>
+                <a:spcPct val="100000"/>
+              </a:lnSpc>
               <a:spcBef>
                 <a:spcPts val="320"/>
               </a:spcBef>
               <a:spcAft>
                 <a:spcPts val="0"/>
               </a:spcAft>
+              <a:buClr>
+                <a:srgbClr val="000000"/>
+              </a:buClr>
+              <a:buSzPts val="1400"/>
+              <a:buFont typeface="Arial"/>
               <a:buNone/>
             </a:pPr>
             <a:r>
               <a:t/>
             </a:r>
-            <a:endParaRPr/>
+            <a:endParaRPr b="0" i="0" sz="1600" u="none" cap="none" strike="noStrike">
+              <a:solidFill>
+                <a:schemeClr val="dk1"/>
+              </a:solidFill>
+              <a:latin typeface="Arial"/>
+              <a:ea typeface="Arial"/>
+              <a:cs typeface="Arial"/>
+              <a:sym typeface="Arial"/>
+            </a:endParaRPr>
           </a:p>
           <a:p>
-            <a:pPr indent="0" lvl="0" marL="0" rtl="0" algn="l">
+            <a:pPr indent="0" lvl="0" marL="0" marR="0" rtl="0" algn="l">
+              <a:lnSpc>
+                <a:spcPct val="100000"/>
+              </a:lnSpc>
               <a:spcBef>
                 <a:spcPts val="320"/>
               </a:spcBef>
               <a:spcAft>
                 <a:spcPts val="0"/>
               </a:spcAft>
+              <a:buClr>
+                <a:srgbClr val="000000"/>
+              </a:buClr>
+              <a:buSzPts val="1400"/>
+              <a:buFont typeface="Arial"/>
               <a:buNone/>
             </a:pPr>
             <a:r>
               <a:t/>
             </a:r>
-            <a:endParaRPr/>
+            <a:endParaRPr b="0" i="0" sz="1600" u="none" cap="none" strike="noStrike">
+              <a:solidFill>
+                <a:schemeClr val="dk1"/>
+              </a:solidFill>
+              <a:latin typeface="Arial"/>
+              <a:ea typeface="Arial"/>
+              <a:cs typeface="Arial"/>
+              <a:sym typeface="Arial"/>
+            </a:endParaRPr>
           </a:p>
           <a:p>
-            <a:pPr indent="0" lvl="0" marL="0" rtl="0" algn="l">
+            <a:pPr indent="0" lvl="0" marL="0" marR="0" rtl="0" algn="l">
+              <a:lnSpc>
+                <a:spcPct val="100000"/>
+              </a:lnSpc>
               <a:spcBef>
                 <a:spcPts val="320"/>
               </a:spcBef>
               <a:spcAft>
                 <a:spcPts val="0"/>
               </a:spcAft>
+              <a:buClr>
+                <a:srgbClr val="000000"/>
+              </a:buClr>
+              <a:buSzPts val="1400"/>
+              <a:buFont typeface="Arial"/>
               <a:buNone/>
             </a:pPr>
             <a:r>
-              <a:rPr lang="de"/>
+              <a:rPr b="0" i="0" lang="de" sz="1600" u="none" cap="none" strike="noStrike">
+                <a:solidFill>
+                  <a:schemeClr val="dk1"/>
+                </a:solidFill>
+                <a:latin typeface="Arial"/>
+                <a:ea typeface="Arial"/>
+                <a:cs typeface="Arial"/>
+                <a:sym typeface="Arial"/>
+              </a:rPr>
               <a:t>Die Java-Dokumentation ist sehr aufschlussreich:</a:t>
             </a:r>
-            <a:endParaRPr/>
+            <a:endParaRPr b="0" i="0" sz="1600" u="none" cap="none" strike="noStrike">
+              <a:solidFill>
+                <a:schemeClr val="dk1"/>
+              </a:solidFill>
+              <a:latin typeface="Arial"/>
+              <a:ea typeface="Arial"/>
+              <a:cs typeface="Arial"/>
+              <a:sym typeface="Arial"/>
+            </a:endParaRPr>
           </a:p>
           <a:p>
-            <a:pPr indent="0" lvl="0" marL="0" rtl="0" algn="l">
+            <a:pPr indent="0" lvl="0" marL="0" marR="0" rtl="0" algn="l">
+              <a:lnSpc>
+                <a:spcPct val="100000"/>
+              </a:lnSpc>
               <a:spcBef>
                 <a:spcPts val="320"/>
               </a:spcBef>
               <a:spcAft>
                 <a:spcPts val="0"/>
               </a:spcAft>
+              <a:buClr>
+                <a:srgbClr val="000000"/>
+              </a:buClr>
+              <a:buSzPts val="1400"/>
+              <a:buFont typeface="Arial"/>
               <a:buNone/>
             </a:pPr>
             <a:r>
-              <a:rPr lang="de" u="sng">
+              <a:rPr b="0" i="0" lang="de" sz="1600" u="sng" cap="none" strike="noStrike">
                 <a:solidFill>
                   <a:schemeClr val="hlink"/>
                 </a:solidFill>
+                <a:latin typeface="Arial"/>
+                <a:ea typeface="Arial"/>
+                <a:cs typeface="Arial"/>
+                <a:sym typeface="Arial"/>
                 <a:hlinkClick r:id="rId3"/>
               </a:rPr>
               <a:t>https://docs.oracle.com/javase/8/docs/api/java/lang/Object.html#equals-java.lang.Object-</a:t>
             </a:r>
-            <a:endParaRPr/>
+            <a:endParaRPr b="0" i="0" sz="1600" u="none" cap="none" strike="noStrike">
+              <a:solidFill>
+                <a:schemeClr val="dk1"/>
+              </a:solidFill>
+              <a:latin typeface="Arial"/>
+              <a:ea typeface="Arial"/>
+              <a:cs typeface="Arial"/>
+              <a:sym typeface="Arial"/>
+            </a:endParaRPr>
           </a:p>
         </p:txBody>
       </p:sp>
@@ -11677,13 +13363,12 @@
           <p:cNvPicPr preferRelativeResize="0"/>
           <p:nvPr/>
         </p:nvPicPr>
-        <p:blipFill>
+        <p:blipFill rotWithShape="1">
           <a:blip r:embed="rId4">
             <a:alphaModFix/>
           </a:blip>
-          <a:stretch>
-            <a:fillRect/>
-          </a:stretch>
+          <a:srcRect b="0" l="0" r="0" t="0"/>
+          <a:stretch/>
         </p:blipFill>
         <p:spPr>
           <a:xfrm>
@@ -11705,13 +13390,12 @@
           <p:cNvPicPr preferRelativeResize="0"/>
           <p:nvPr/>
         </p:nvPicPr>
-        <p:blipFill>
+        <p:blipFill rotWithShape="1">
           <a:blip r:embed="rId5">
             <a:alphaModFix/>
           </a:blip>
-          <a:stretch>
-            <a:fillRect/>
-          </a:stretch>
+          <a:srcRect b="0" l="0" r="0" t="0"/>
+          <a:stretch/>
         </p:blipFill>
         <p:spPr>
           <a:xfrm>
@@ -11768,6 +13452,10 @@
           <a:prstGeom prst="rect">
             <a:avLst/>
           </a:prstGeom>
+          <a:noFill/>
+          <a:ln>
+            <a:noFill/>
+          </a:ln>
         </p:spPr>
         <p:txBody>
           <a:bodyPr anchorCtr="0" anchor="b" bIns="0" lIns="0" spcFirstLastPara="1" rIns="0" wrap="square" tIns="0">
@@ -11776,12 +13464,16 @@
           <a:lstStyle/>
           <a:p>
             <a:pPr indent="0" lvl="0" marL="0" rtl="0" algn="l">
-              <a:spcBef>
-                <a:spcPts val="0"/>
-              </a:spcBef>
-              <a:spcAft>
-                <a:spcPts val="0"/>
-              </a:spcAft>
+              <a:lnSpc>
+                <a:spcPct val="100000"/>
+              </a:lnSpc>
+              <a:spcBef>
+                <a:spcPts val="0"/>
+              </a:spcBef>
+              <a:spcAft>
+                <a:spcPts val="0"/>
+              </a:spcAft>
+              <a:buSzPts val="1400"/>
               <a:buNone/>
             </a:pPr>
             <a:r>
@@ -11808,6 +13500,10 @@
           <a:prstGeom prst="rect">
             <a:avLst/>
           </a:prstGeom>
+          <a:noFill/>
+          <a:ln>
+            <a:noFill/>
+          </a:ln>
         </p:spPr>
         <p:txBody>
           <a:bodyPr anchorCtr="0" anchor="t" bIns="0" lIns="0" spcFirstLastPara="1" rIns="0" wrap="square" tIns="0">
@@ -11815,97 +13511,217 @@
           </a:bodyPr>
           <a:lstStyle/>
           <a:p>
-            <a:pPr indent="0" lvl="0" marL="0" rtl="0" algn="l">
+            <a:pPr indent="0" lvl="0" marL="0" marR="0" rtl="0" algn="l">
+              <a:lnSpc>
+                <a:spcPct val="100000"/>
+              </a:lnSpc>
               <a:spcBef>
                 <a:spcPts val="320"/>
               </a:spcBef>
               <a:spcAft>
                 <a:spcPts val="0"/>
               </a:spcAft>
+              <a:buClr>
+                <a:srgbClr val="000000"/>
+              </a:buClr>
+              <a:buSzPts val="1400"/>
+              <a:buFont typeface="Arial"/>
               <a:buNone/>
             </a:pPr>
             <a:r>
-              <a:rPr lang="de"/>
+              <a:rPr b="0" i="0" lang="de" sz="1600" u="none" cap="none" strike="noStrike">
+                <a:solidFill>
+                  <a:schemeClr val="dk1"/>
+                </a:solidFill>
+                <a:latin typeface="Arial"/>
+                <a:ea typeface="Arial"/>
+                <a:cs typeface="Arial"/>
+                <a:sym typeface="Arial"/>
+              </a:rPr>
               <a:t>Primitive Datentypen lassen sich problemlos auf der Kommandozeile ausgeben. Aber was passiert mit Objekten?</a:t>
             </a:r>
-            <a:endParaRPr/>
+            <a:endParaRPr b="0" i="0" sz="1600" u="none" cap="none" strike="noStrike">
+              <a:solidFill>
+                <a:schemeClr val="dk1"/>
+              </a:solidFill>
+              <a:latin typeface="Arial"/>
+              <a:ea typeface="Arial"/>
+              <a:cs typeface="Arial"/>
+              <a:sym typeface="Arial"/>
+            </a:endParaRPr>
           </a:p>
           <a:p>
-            <a:pPr indent="0" lvl="0" marL="0" rtl="0" algn="l">
+            <a:pPr indent="0" lvl="0" marL="0" marR="0" rtl="0" algn="l">
+              <a:lnSpc>
+                <a:spcPct val="100000"/>
+              </a:lnSpc>
               <a:spcBef>
                 <a:spcPts val="320"/>
               </a:spcBef>
               <a:spcAft>
                 <a:spcPts val="0"/>
               </a:spcAft>
+              <a:buClr>
+                <a:srgbClr val="000000"/>
+              </a:buClr>
+              <a:buSzPts val="1400"/>
+              <a:buFont typeface="Arial"/>
               <a:buNone/>
             </a:pPr>
             <a:r>
               <a:t/>
             </a:r>
-            <a:endParaRPr/>
+            <a:endParaRPr b="0" i="0" sz="1600" u="none" cap="none" strike="noStrike">
+              <a:solidFill>
+                <a:schemeClr val="dk1"/>
+              </a:solidFill>
+              <a:latin typeface="Arial"/>
+              <a:ea typeface="Arial"/>
+              <a:cs typeface="Arial"/>
+              <a:sym typeface="Arial"/>
+            </a:endParaRPr>
           </a:p>
           <a:p>
-            <a:pPr indent="0" lvl="0" marL="0" rtl="0" algn="l">
+            <a:pPr indent="0" lvl="0" marL="0" marR="0" rtl="0" algn="l">
+              <a:lnSpc>
+                <a:spcPct val="100000"/>
+              </a:lnSpc>
               <a:spcBef>
                 <a:spcPts val="320"/>
               </a:spcBef>
               <a:spcAft>
                 <a:spcPts val="0"/>
               </a:spcAft>
+              <a:buClr>
+                <a:srgbClr val="000000"/>
+              </a:buClr>
+              <a:buSzPts val="1400"/>
+              <a:buFont typeface="Arial"/>
               <a:buNone/>
             </a:pPr>
             <a:r>
               <a:t/>
             </a:r>
-            <a:endParaRPr/>
+            <a:endParaRPr b="0" i="0" sz="1600" u="none" cap="none" strike="noStrike">
+              <a:solidFill>
+                <a:schemeClr val="dk1"/>
+              </a:solidFill>
+              <a:latin typeface="Arial"/>
+              <a:ea typeface="Arial"/>
+              <a:cs typeface="Arial"/>
+              <a:sym typeface="Arial"/>
+            </a:endParaRPr>
           </a:p>
           <a:p>
-            <a:pPr indent="0" lvl="0" marL="0" rtl="0" algn="l">
+            <a:pPr indent="0" lvl="0" marL="0" marR="0" rtl="0" algn="l">
+              <a:lnSpc>
+                <a:spcPct val="100000"/>
+              </a:lnSpc>
               <a:spcBef>
                 <a:spcPts val="320"/>
               </a:spcBef>
               <a:spcAft>
                 <a:spcPts val="0"/>
               </a:spcAft>
+              <a:buClr>
+                <a:srgbClr val="000000"/>
+              </a:buClr>
+              <a:buSzPts val="1400"/>
+              <a:buFont typeface="Arial"/>
               <a:buNone/>
             </a:pPr>
             <a:r>
               <a:t/>
             </a:r>
-            <a:endParaRPr/>
+            <a:endParaRPr b="0" i="0" sz="1600" u="none" cap="none" strike="noStrike">
+              <a:solidFill>
+                <a:schemeClr val="dk1"/>
+              </a:solidFill>
+              <a:latin typeface="Arial"/>
+              <a:ea typeface="Arial"/>
+              <a:cs typeface="Arial"/>
+              <a:sym typeface="Arial"/>
+            </a:endParaRPr>
           </a:p>
           <a:p>
-            <a:pPr indent="0" lvl="0" marL="0" rtl="0" algn="l">
+            <a:pPr indent="0" lvl="0" marL="0" marR="0" rtl="0" algn="l">
+              <a:lnSpc>
+                <a:spcPct val="100000"/>
+              </a:lnSpc>
               <a:spcBef>
                 <a:spcPts val="320"/>
               </a:spcBef>
               <a:spcAft>
                 <a:spcPts val="0"/>
               </a:spcAft>
+              <a:buClr>
+                <a:srgbClr val="000000"/>
+              </a:buClr>
+              <a:buSzPts val="1400"/>
+              <a:buFont typeface="Arial"/>
               <a:buNone/>
             </a:pPr>
             <a:r>
-              <a:rPr lang="de"/>
+              <a:rPr b="0" i="0" lang="de" sz="1600" u="none" cap="none" strike="noStrike">
+                <a:solidFill>
+                  <a:schemeClr val="dk1"/>
+                </a:solidFill>
+                <a:latin typeface="Arial"/>
+                <a:ea typeface="Arial"/>
+                <a:cs typeface="Arial"/>
+                <a:sym typeface="Arial"/>
+              </a:rPr>
               <a:t>Bei Objekten wird der Pfad der Klasse und eine Art ID ausgegeben. Nicht besonders aufschlussreich.</a:t>
             </a:r>
-            <a:endParaRPr/>
+            <a:endParaRPr b="0" i="0" sz="1600" u="none" cap="none" strike="noStrike">
+              <a:solidFill>
+                <a:schemeClr val="dk1"/>
+              </a:solidFill>
+              <a:latin typeface="Arial"/>
+              <a:ea typeface="Arial"/>
+              <a:cs typeface="Arial"/>
+              <a:sym typeface="Arial"/>
+            </a:endParaRPr>
           </a:p>
           <a:p>
-            <a:pPr indent="0" lvl="0" marL="0" rtl="0" algn="l">
+            <a:pPr indent="0" lvl="0" marL="0" marR="0" rtl="0" algn="l">
+              <a:lnSpc>
+                <a:spcPct val="100000"/>
+              </a:lnSpc>
               <a:spcBef>
                 <a:spcPts val="320"/>
               </a:spcBef>
               <a:spcAft>
                 <a:spcPts val="0"/>
               </a:spcAft>
+              <a:buClr>
+                <a:srgbClr val="000000"/>
+              </a:buClr>
+              <a:buSzPts val="1400"/>
+              <a:buFont typeface="Arial"/>
               <a:buNone/>
             </a:pPr>
             <a:r>
-              <a:rPr lang="de"/>
+              <a:rPr b="0" i="0" lang="de" sz="1600" u="none" cap="none" strike="noStrike">
+                <a:solidFill>
+                  <a:schemeClr val="dk1"/>
+                </a:solidFill>
+                <a:latin typeface="Arial"/>
+                <a:ea typeface="Arial"/>
+                <a:cs typeface="Arial"/>
+                <a:sym typeface="Arial"/>
+              </a:rPr>
               <a:t>Um das zu ändern kann man die toString-Methode der Object-Klasse überschreiben.</a:t>
             </a:r>
-            <a:endParaRPr/>
+            <a:endParaRPr b="0" i="0" sz="1600" u="none" cap="none" strike="noStrike">
+              <a:solidFill>
+                <a:schemeClr val="dk1"/>
+              </a:solidFill>
+              <a:latin typeface="Arial"/>
+              <a:ea typeface="Arial"/>
+              <a:cs typeface="Arial"/>
+              <a:sym typeface="Arial"/>
+            </a:endParaRPr>
           </a:p>
         </p:txBody>
       </p:sp>
@@ -11915,13 +13731,12 @@
           <p:cNvPicPr preferRelativeResize="0"/>
           <p:nvPr/>
         </p:nvPicPr>
-        <p:blipFill>
+        <p:blipFill rotWithShape="1">
           <a:blip r:embed="rId3">
             <a:alphaModFix/>
           </a:blip>
-          <a:stretch>
-            <a:fillRect/>
-          </a:stretch>
+          <a:srcRect b="0" l="0" r="0" t="0"/>
+          <a:stretch/>
         </p:blipFill>
         <p:spPr>
           <a:xfrm>
@@ -11943,13 +13758,12 @@
           <p:cNvPicPr preferRelativeResize="0"/>
           <p:nvPr/>
         </p:nvPicPr>
-        <p:blipFill>
+        <p:blipFill rotWithShape="1">
           <a:blip r:embed="rId4">
             <a:alphaModFix/>
           </a:blip>
-          <a:stretch>
-            <a:fillRect/>
-          </a:stretch>
+          <a:srcRect b="0" l="0" r="0" t="0"/>
+          <a:stretch/>
         </p:blipFill>
         <p:spPr>
           <a:xfrm>
@@ -11971,13 +13785,12 @@
           <p:cNvPicPr preferRelativeResize="0"/>
           <p:nvPr/>
         </p:nvPicPr>
-        <p:blipFill>
+        <p:blipFill rotWithShape="1">
           <a:blip r:embed="rId5">
             <a:alphaModFix/>
           </a:blip>
-          <a:stretch>
-            <a:fillRect/>
-          </a:stretch>
+          <a:srcRect b="0" l="0" r="0" t="0"/>
+          <a:stretch/>
         </p:blipFill>
         <p:spPr>
           <a:xfrm>
@@ -11999,13 +13812,12 @@
           <p:cNvPicPr preferRelativeResize="0"/>
           <p:nvPr/>
         </p:nvPicPr>
-        <p:blipFill>
+        <p:blipFill rotWithShape="1">
           <a:blip r:embed="rId6">
             <a:alphaModFix/>
           </a:blip>
-          <a:stretch>
-            <a:fillRect/>
-          </a:stretch>
+          <a:srcRect b="0" l="0" r="0" t="0"/>
+          <a:stretch/>
         </p:blipFill>
         <p:spPr>
           <a:xfrm>
@@ -12062,6 +13874,10 @@
           <a:prstGeom prst="rect">
             <a:avLst/>
           </a:prstGeom>
+          <a:noFill/>
+          <a:ln>
+            <a:noFill/>
+          </a:ln>
         </p:spPr>
         <p:txBody>
           <a:bodyPr anchorCtr="0" anchor="b" bIns="0" lIns="0" spcFirstLastPara="1" rIns="0" wrap="square" tIns="0">
@@ -12070,12 +13886,16 @@
           <a:lstStyle/>
           <a:p>
             <a:pPr indent="0" lvl="0" marL="0" rtl="0" algn="l">
-              <a:spcBef>
-                <a:spcPts val="0"/>
-              </a:spcBef>
-              <a:spcAft>
-                <a:spcPts val="0"/>
-              </a:spcAft>
+              <a:lnSpc>
+                <a:spcPct val="100000"/>
+              </a:lnSpc>
+              <a:spcBef>
+                <a:spcPts val="0"/>
+              </a:spcBef>
+              <a:spcAft>
+                <a:spcPts val="0"/>
+              </a:spcAft>
+              <a:buSzPts val="1400"/>
               <a:buNone/>
             </a:pPr>
             <a:r>
@@ -12102,6 +13922,10 @@
           <a:prstGeom prst="rect">
             <a:avLst/>
           </a:prstGeom>
+          <a:noFill/>
+          <a:ln>
+            <a:noFill/>
+          </a:ln>
         </p:spPr>
         <p:txBody>
           <a:bodyPr anchorCtr="0" anchor="t" bIns="0" lIns="0" spcFirstLastPara="1" rIns="0" wrap="square" tIns="0">
@@ -12109,116 +13933,266 @@
           </a:bodyPr>
           <a:lstStyle/>
           <a:p>
-            <a:pPr indent="0" lvl="0" marL="0" rtl="0" algn="l">
+            <a:pPr indent="0" lvl="0" marL="0" marR="0" rtl="0" algn="l">
+              <a:lnSpc>
+                <a:spcPct val="100000"/>
+              </a:lnSpc>
               <a:spcBef>
                 <a:spcPts val="320"/>
               </a:spcBef>
               <a:spcAft>
                 <a:spcPts val="0"/>
               </a:spcAft>
+              <a:buClr>
+                <a:srgbClr val="000000"/>
+              </a:buClr>
+              <a:buSzPts val="1400"/>
+              <a:buFont typeface="Arial"/>
               <a:buNone/>
             </a:pPr>
             <a:r>
-              <a:rPr lang="de"/>
+              <a:rPr b="0" i="0" lang="de" sz="1600" u="none" cap="none" strike="noStrike">
+                <a:solidFill>
+                  <a:schemeClr val="dk1"/>
+                </a:solidFill>
+                <a:latin typeface="Arial"/>
+                <a:ea typeface="Arial"/>
+                <a:cs typeface="Arial"/>
+                <a:sym typeface="Arial"/>
+              </a:rPr>
               <a:t>Der Unterschied zwischen primitiven und Referenzdatentypen macht sich in Java nicht nur in Vergleich und Kommandozeilenausgabe bemerkbar.</a:t>
             </a:r>
-            <a:endParaRPr/>
+            <a:endParaRPr b="0" i="0" sz="1600" u="none" cap="none" strike="noStrike">
+              <a:solidFill>
+                <a:schemeClr val="dk1"/>
+              </a:solidFill>
+              <a:latin typeface="Arial"/>
+              <a:ea typeface="Arial"/>
+              <a:cs typeface="Arial"/>
+              <a:sym typeface="Arial"/>
+            </a:endParaRPr>
           </a:p>
           <a:p>
-            <a:pPr indent="0" lvl="0" marL="0" rtl="0" algn="l">
+            <a:pPr indent="0" lvl="0" marL="0" marR="0" rtl="0" algn="l">
+              <a:lnSpc>
+                <a:spcPct val="100000"/>
+              </a:lnSpc>
               <a:spcBef>
                 <a:spcPts val="320"/>
               </a:spcBef>
               <a:spcAft>
                 <a:spcPts val="0"/>
               </a:spcAft>
+              <a:buClr>
+                <a:srgbClr val="000000"/>
+              </a:buClr>
+              <a:buSzPts val="1400"/>
+              <a:buFont typeface="Arial"/>
               <a:buNone/>
             </a:pPr>
             <a:r>
               <a:t/>
             </a:r>
-            <a:endParaRPr/>
+            <a:endParaRPr b="0" i="0" sz="1600" u="none" cap="none" strike="noStrike">
+              <a:solidFill>
+                <a:schemeClr val="dk1"/>
+              </a:solidFill>
+              <a:latin typeface="Arial"/>
+              <a:ea typeface="Arial"/>
+              <a:cs typeface="Arial"/>
+              <a:sym typeface="Arial"/>
+            </a:endParaRPr>
           </a:p>
           <a:p>
-            <a:pPr indent="0" lvl="0" marL="0" rtl="0" algn="l">
+            <a:pPr indent="0" lvl="0" marL="0" marR="0" rtl="0" algn="l">
+              <a:lnSpc>
+                <a:spcPct val="100000"/>
+              </a:lnSpc>
               <a:spcBef>
                 <a:spcPts val="320"/>
               </a:spcBef>
               <a:spcAft>
                 <a:spcPts val="0"/>
               </a:spcAft>
+              <a:buClr>
+                <a:srgbClr val="000000"/>
+              </a:buClr>
+              <a:buSzPts val="1400"/>
+              <a:buFont typeface="Arial"/>
               <a:buNone/>
             </a:pPr>
             <a:r>
-              <a:rPr lang="de"/>
+              <a:rPr b="0" i="0" lang="de" sz="1600" u="none" cap="none" strike="noStrike">
+                <a:solidFill>
+                  <a:schemeClr val="dk1"/>
+                </a:solidFill>
+                <a:latin typeface="Arial"/>
+                <a:ea typeface="Arial"/>
+                <a:cs typeface="Arial"/>
+                <a:sym typeface="Arial"/>
+              </a:rPr>
               <a:t>Ein weiterer zentraler Unterschied ist, wie Variablen, z.B. an Funktionen, weitergegeben werden. </a:t>
             </a:r>
-            <a:endParaRPr/>
+            <a:endParaRPr b="0" i="0" sz="1600" u="none" cap="none" strike="noStrike">
+              <a:solidFill>
+                <a:schemeClr val="dk1"/>
+              </a:solidFill>
+              <a:latin typeface="Arial"/>
+              <a:ea typeface="Arial"/>
+              <a:cs typeface="Arial"/>
+              <a:sym typeface="Arial"/>
+            </a:endParaRPr>
           </a:p>
           <a:p>
-            <a:pPr indent="-317500" lvl="0" marL="457200" rtl="0" algn="l">
+            <a:pPr indent="-317500" lvl="0" marL="457200" marR="0" rtl="0" algn="l">
+              <a:lnSpc>
+                <a:spcPct val="100000"/>
+              </a:lnSpc>
               <a:spcBef>
                 <a:spcPts val="320"/>
               </a:spcBef>
               <a:spcAft>
                 <a:spcPts val="0"/>
               </a:spcAft>
-              <a:buSzPts val="1400"/>
+              <a:buClr>
+                <a:srgbClr val="000000"/>
+              </a:buClr>
+              <a:buSzPts val="1400"/>
+              <a:buFont typeface="Arial"/>
               <a:buChar char="●"/>
             </a:pPr>
             <a:r>
-              <a:rPr lang="de"/>
+              <a:rPr b="0" i="0" lang="de" sz="1600" u="none" cap="none" strike="noStrike">
+                <a:solidFill>
+                  <a:schemeClr val="dk1"/>
+                </a:solidFill>
+                <a:latin typeface="Arial"/>
+                <a:ea typeface="Arial"/>
+                <a:cs typeface="Arial"/>
+                <a:sym typeface="Arial"/>
+              </a:rPr>
               <a:t>Pass by Value: nur der Wert der Variable wird weitergegeben</a:t>
             </a:r>
-            <a:endParaRPr/>
+            <a:endParaRPr b="0" i="0" sz="1600" u="none" cap="none" strike="noStrike">
+              <a:solidFill>
+                <a:schemeClr val="dk1"/>
+              </a:solidFill>
+              <a:latin typeface="Arial"/>
+              <a:ea typeface="Arial"/>
+              <a:cs typeface="Arial"/>
+              <a:sym typeface="Arial"/>
+            </a:endParaRPr>
           </a:p>
           <a:p>
-            <a:pPr indent="-317500" lvl="0" marL="457200" rtl="0" algn="l">
-              <a:spcBef>
-                <a:spcPts val="0"/>
-              </a:spcBef>
-              <a:spcAft>
-                <a:spcPts val="0"/>
-              </a:spcAft>
-              <a:buSzPts val="1400"/>
+            <a:pPr indent="-317500" lvl="0" marL="457200" marR="0" rtl="0" algn="l">
+              <a:lnSpc>
+                <a:spcPct val="100000"/>
+              </a:lnSpc>
+              <a:spcBef>
+                <a:spcPts val="0"/>
+              </a:spcBef>
+              <a:spcAft>
+                <a:spcPts val="0"/>
+              </a:spcAft>
+              <a:buClr>
+                <a:srgbClr val="000000"/>
+              </a:buClr>
+              <a:buSzPts val="1400"/>
+              <a:buFont typeface="Arial"/>
               <a:buChar char="●"/>
             </a:pPr>
             <a:r>
-              <a:rPr lang="de"/>
+              <a:rPr b="0" i="0" lang="de" sz="1600" u="none" cap="none" strike="noStrike">
+                <a:solidFill>
+                  <a:schemeClr val="dk1"/>
+                </a:solidFill>
+                <a:latin typeface="Arial"/>
+                <a:ea typeface="Arial"/>
+                <a:cs typeface="Arial"/>
+                <a:sym typeface="Arial"/>
+              </a:rPr>
               <a:t>Pass by Reference: eine Referenz auf die selbe Variable wird weitergegeben.</a:t>
             </a:r>
-            <a:endParaRPr/>
+            <a:endParaRPr b="0" i="0" sz="1600" u="none" cap="none" strike="noStrike">
+              <a:solidFill>
+                <a:schemeClr val="dk1"/>
+              </a:solidFill>
+              <a:latin typeface="Arial"/>
+              <a:ea typeface="Arial"/>
+              <a:cs typeface="Arial"/>
+              <a:sym typeface="Arial"/>
+            </a:endParaRPr>
           </a:p>
           <a:p>
-            <a:pPr indent="0" lvl="0" marL="0" rtl="0" algn="l">
+            <a:pPr indent="0" lvl="0" marL="0" marR="0" rtl="0" algn="l">
+              <a:lnSpc>
+                <a:spcPct val="100000"/>
+              </a:lnSpc>
               <a:spcBef>
                 <a:spcPts val="320"/>
               </a:spcBef>
               <a:spcAft>
                 <a:spcPts val="0"/>
               </a:spcAft>
+              <a:buClr>
+                <a:srgbClr val="000000"/>
+              </a:buClr>
+              <a:buSzPts val="1400"/>
+              <a:buFont typeface="Arial"/>
               <a:buNone/>
             </a:pPr>
             <a:r>
               <a:t/>
             </a:r>
-            <a:endParaRPr/>
+            <a:endParaRPr b="0" i="0" sz="1600" u="none" cap="none" strike="noStrike">
+              <a:solidFill>
+                <a:schemeClr val="dk1"/>
+              </a:solidFill>
+              <a:latin typeface="Arial"/>
+              <a:ea typeface="Arial"/>
+              <a:cs typeface="Arial"/>
+              <a:sym typeface="Arial"/>
+            </a:endParaRPr>
           </a:p>
           <a:p>
-            <a:pPr indent="0" lvl="0" marL="0" rtl="0" algn="l">
+            <a:pPr indent="0" lvl="0" marL="0" marR="0" rtl="0" algn="l">
+              <a:lnSpc>
+                <a:spcPct val="100000"/>
+              </a:lnSpc>
               <a:spcBef>
                 <a:spcPts val="320"/>
               </a:spcBef>
               <a:spcAft>
                 <a:spcPts val="0"/>
               </a:spcAft>
+              <a:buClr>
+                <a:srgbClr val="000000"/>
+              </a:buClr>
+              <a:buSzPts val="1400"/>
+              <a:buFont typeface="Arial"/>
               <a:buNone/>
             </a:pPr>
             <a:r>
-              <a:rPr lang="de"/>
+              <a:rPr b="0" i="0" lang="de" sz="1600" u="none" cap="none" strike="noStrike">
+                <a:solidFill>
+                  <a:schemeClr val="dk1"/>
+                </a:solidFill>
+                <a:latin typeface="Arial"/>
+                <a:ea typeface="Arial"/>
+                <a:cs typeface="Arial"/>
+                <a:sym typeface="Arial"/>
+              </a:rPr>
               <a:t>In Java werden primitive Datentypen mit “Pass by Value”, Referenzdatentypen mit “Pass by Reference” behandelt. Wir veranschaulichen uns den Unterschied, den das machen kann, an einem Beispiel.</a:t>
             </a:r>
-            <a:endParaRPr/>
+            <a:endParaRPr b="0" i="0" sz="1600" u="none" cap="none" strike="noStrike">
+              <a:solidFill>
+                <a:schemeClr val="dk1"/>
+              </a:solidFill>
+              <a:latin typeface="Arial"/>
+              <a:ea typeface="Arial"/>
+              <a:cs typeface="Arial"/>
+              <a:sym typeface="Arial"/>
+            </a:endParaRPr>
           </a:p>
         </p:txBody>
       </p:sp>
@@ -12263,6 +14237,10 @@
           <a:prstGeom prst="rect">
             <a:avLst/>
           </a:prstGeom>
+          <a:noFill/>
+          <a:ln>
+            <a:noFill/>
+          </a:ln>
         </p:spPr>
         <p:txBody>
           <a:bodyPr anchorCtr="0" anchor="b" bIns="0" lIns="0" spcFirstLastPara="1" rIns="0" wrap="square" tIns="0">
@@ -12271,12 +14249,16 @@
           <a:lstStyle/>
           <a:p>
             <a:pPr indent="0" lvl="0" marL="0" rtl="0" algn="l">
-              <a:spcBef>
-                <a:spcPts val="0"/>
-              </a:spcBef>
-              <a:spcAft>
-                <a:spcPts val="0"/>
-              </a:spcAft>
+              <a:lnSpc>
+                <a:spcPct val="100000"/>
+              </a:lnSpc>
+              <a:spcBef>
+                <a:spcPts val="0"/>
+              </a:spcBef>
+              <a:spcAft>
+                <a:spcPts val="0"/>
+              </a:spcAft>
+              <a:buSzPts val="1400"/>
               <a:buNone/>
             </a:pPr>
             <a:r>
@@ -12293,13 +14275,12 @@
           <p:cNvPicPr preferRelativeResize="0"/>
           <p:nvPr/>
         </p:nvPicPr>
-        <p:blipFill>
+        <p:blipFill rotWithShape="1">
           <a:blip r:embed="rId3">
             <a:alphaModFix/>
           </a:blip>
-          <a:stretch>
-            <a:fillRect/>
-          </a:stretch>
+          <a:srcRect b="0" l="0" r="0" t="0"/>
+          <a:stretch/>
         </p:blipFill>
         <p:spPr>
           <a:xfrm>
@@ -12324,6 +14305,285 @@
 </file>
 
 <file path=ppt/theme/theme1.xml><?xml version="1.0" encoding="utf-8"?>
+<a:theme xmlns:a="http://schemas.openxmlformats.org/drawingml/2006/main" xmlns:r="http://schemas.openxmlformats.org/officeDocument/2006/relationships" name="TUBraunschweig_PPT2007_Folienpool_pptx">
+  <a:themeElements>
+    <a:clrScheme name="TU Braunschweig">
+      <a:dk1>
+        <a:srgbClr val="000000"/>
+      </a:dk1>
+      <a:lt1>
+        <a:srgbClr val="FFFFFF"/>
+      </a:lt1>
+      <a:dk2>
+        <a:srgbClr val="000000"/>
+      </a:dk2>
+      <a:lt2>
+        <a:srgbClr val="DDDDDD"/>
+      </a:lt2>
+      <a:accent1>
+        <a:srgbClr val="BE1E3C"/>
+      </a:accent1>
+      <a:accent2>
+        <a:srgbClr val="4DA6CB"/>
+      </a:accent2>
+      <a:accent3>
+        <a:srgbClr val="ADBF4D"/>
+      </a:accent3>
+      <a:accent4>
+        <a:srgbClr val="FA6E00"/>
+      </a:accent4>
+      <a:accent5>
+        <a:srgbClr val="407E97"/>
+      </a:accent5>
+      <a:accent6>
+        <a:srgbClr val="984098"/>
+      </a:accent6>
+      <a:hlink>
+        <a:srgbClr val="BE1E3C"/>
+      </a:hlink>
+      <a:folHlink>
+        <a:srgbClr val="760054"/>
+      </a:folHlink>
+    </a:clrScheme>
+    <a:fontScheme name="Office">
+      <a:majorFont>
+        <a:latin typeface="Arial"/>
+        <a:ea typeface=""/>
+        <a:cs typeface=""/>
+        <a:font script="Jpan" typeface="ＭＳ Ｐゴシック"/>
+        <a:font script="Hang" typeface="맑은 고딕"/>
+        <a:font script="Hans" typeface="宋体"/>
+        <a:font script="Hant" typeface="新細明體"/>
+        <a:font script="Arab" typeface="Times New Roman"/>
+        <a:font script="Hebr" typeface="Times New Roman"/>
+        <a:font script="Thai" typeface="Angsana New"/>
+        <a:font script="Ethi" typeface="Nyala"/>
+        <a:font script="Beng" typeface="Vrinda"/>
+        <a:font script="Gujr" typeface="Shruti"/>
+        <a:font script="Khmr" typeface="MoolBoran"/>
+        <a:font script="Knda" typeface="Tunga"/>
+        <a:font script="Guru" typeface="Raavi"/>
+        <a:font script="Cans" typeface="Euphemia"/>
+        <a:font script="Cher" typeface="Plantagenet Cherokee"/>
+        <a:font script="Yiii" typeface="Microsoft Yi Baiti"/>
+        <a:font script="Tibt" typeface="Microsoft Himalaya"/>
+        <a:font script="Thaa" typeface="MV Boli"/>
+        <a:font script="Deva" typeface="Mangal"/>
+        <a:font script="Telu" typeface="Gautami"/>
+        <a:font script="Taml" typeface="Latha"/>
+        <a:font script="Syrc" typeface="Estrangelo Edessa"/>
+        <a:font script="Orya" typeface="Kalinga"/>
+        <a:font script="Mlym" typeface="Kartika"/>
+        <a:font script="Laoo" typeface="DokChampa"/>
+        <a:font script="Sinh" typeface="Iskoola Pota"/>
+        <a:font script="Mong" typeface="Mongolian Baiti"/>
+        <a:font script="Viet" typeface="Times New Roman"/>
+        <a:font script="Uigh" typeface="Microsoft Uighur"/>
+        <a:font script="Geor" typeface="Sylfaen"/>
+      </a:majorFont>
+      <a:minorFont>
+        <a:latin typeface="Arial"/>
+        <a:ea typeface=""/>
+        <a:cs typeface=""/>
+        <a:font script="Jpan" typeface="ＭＳ Ｐゴシック"/>
+        <a:font script="Hang" typeface="맑은 고딕"/>
+        <a:font script="Hans" typeface="宋体"/>
+        <a:font script="Hant" typeface="新細明體"/>
+        <a:font script="Arab" typeface="Arial"/>
+        <a:font script="Hebr" typeface="Arial"/>
+        <a:font script="Thai" typeface="Cordia New"/>
+        <a:font script="Ethi" typeface="Nyala"/>
+        <a:font script="Beng" typeface="Vrinda"/>
+        <a:font script="Gujr" typeface="Shruti"/>
+        <a:font script="Khmr" typeface="DaunPenh"/>
+        <a:font script="Knda" typeface="Tunga"/>
+        <a:font script="Guru" typeface="Raavi"/>
+        <a:font script="Cans" typeface="Euphemia"/>
+        <a:font script="Cher" typeface="Plantagenet Cherokee"/>
+        <a:font script="Yiii" typeface="Microsoft Yi Baiti"/>
+        <a:font script="Tibt" typeface="Microsoft Himalaya"/>
+        <a:font script="Thaa" typeface="MV Boli"/>
+        <a:font script="Deva" typeface="Mangal"/>
+        <a:font script="Telu" typeface="Gautami"/>
+        <a:font script="Taml" typeface="Latha"/>
+        <a:font script="Syrc" typeface="Estrangelo Edessa"/>
+        <a:font script="Orya" typeface="Kalinga"/>
+        <a:font script="Mlym" typeface="Kartika"/>
+        <a:font script="Laoo" typeface="DokChampa"/>
+        <a:font script="Sinh" typeface="Iskoola Pota"/>
+        <a:font script="Mong" typeface="Mongolian Baiti"/>
+        <a:font script="Viet" typeface="Arial"/>
+        <a:font script="Uigh" typeface="Microsoft Uighur"/>
+        <a:font script="Geor" typeface="Sylfaen"/>
+      </a:minorFont>
+    </a:fontScheme>
+    <a:fmtScheme name="Office">
+      <a:fillStyleLst>
+        <a:solidFill>
+          <a:schemeClr val="phClr"/>
+        </a:solidFill>
+        <a:gradFill rotWithShape="1">
+          <a:gsLst>
+            <a:gs pos="0">
+              <a:schemeClr val="phClr">
+                <a:tint val="50000"/>
+                <a:satMod val="300000"/>
+              </a:schemeClr>
+            </a:gs>
+            <a:gs pos="35000">
+              <a:schemeClr val="phClr">
+                <a:tint val="37000"/>
+                <a:satMod val="300000"/>
+              </a:schemeClr>
+            </a:gs>
+            <a:gs pos="100000">
+              <a:schemeClr val="phClr">
+                <a:tint val="15000"/>
+                <a:satMod val="350000"/>
+              </a:schemeClr>
+            </a:gs>
+          </a:gsLst>
+          <a:lin ang="16200000" scaled="1"/>
+        </a:gradFill>
+        <a:gradFill rotWithShape="1">
+          <a:gsLst>
+            <a:gs pos="0">
+              <a:schemeClr val="phClr">
+                <a:tint val="100000"/>
+                <a:shade val="100000"/>
+                <a:satMod val="130000"/>
+              </a:schemeClr>
+            </a:gs>
+            <a:gs pos="100000">
+              <a:schemeClr val="phClr">
+                <a:tint val="50000"/>
+                <a:shade val="100000"/>
+                <a:satMod val="350000"/>
+              </a:schemeClr>
+            </a:gs>
+          </a:gsLst>
+          <a:lin ang="16200000" scaled="0"/>
+        </a:gradFill>
+      </a:fillStyleLst>
+      <a:lnStyleLst>
+        <a:ln w="9525" cap="flat" cmpd="sng" algn="ctr">
+          <a:solidFill>
+            <a:schemeClr val="phClr">
+              <a:shade val="95000"/>
+              <a:satMod val="105000"/>
+            </a:schemeClr>
+          </a:solidFill>
+          <a:prstDash val="solid"/>
+        </a:ln>
+        <a:ln w="25400" cap="flat" cmpd="sng" algn="ctr">
+          <a:solidFill>
+            <a:schemeClr val="phClr"/>
+          </a:solidFill>
+          <a:prstDash val="solid"/>
+        </a:ln>
+        <a:ln w="38100" cap="flat" cmpd="sng" algn="ctr">
+          <a:solidFill>
+            <a:schemeClr val="phClr"/>
+          </a:solidFill>
+          <a:prstDash val="solid"/>
+        </a:ln>
+      </a:lnStyleLst>
+      <a:effectStyleLst>
+        <a:effectStyle>
+          <a:effectLst>
+            <a:outerShdw blurRad="40000" dist="20000" dir="5400000" rotWithShape="0">
+              <a:srgbClr val="000000">
+                <a:alpha val="38000"/>
+              </a:srgbClr>
+            </a:outerShdw>
+          </a:effectLst>
+        </a:effectStyle>
+        <a:effectStyle>
+          <a:effectLst>
+            <a:outerShdw blurRad="40000" dist="23000" dir="5400000" rotWithShape="0">
+              <a:srgbClr val="000000">
+                <a:alpha val="35000"/>
+              </a:srgbClr>
+            </a:outerShdw>
+          </a:effectLst>
+        </a:effectStyle>
+        <a:effectStyle>
+          <a:effectLst>
+            <a:outerShdw blurRad="40000" dist="23000" dir="5400000" rotWithShape="0">
+              <a:srgbClr val="000000">
+                <a:alpha val="35000"/>
+              </a:srgbClr>
+            </a:outerShdw>
+          </a:effectLst>
+          <a:scene3d>
+            <a:camera prst="orthographicFront">
+              <a:rot lat="0" lon="0" rev="0"/>
+            </a:camera>
+            <a:lightRig rig="threePt" dir="t">
+              <a:rot lat="0" lon="0" rev="1200000"/>
+            </a:lightRig>
+          </a:scene3d>
+          <a:sp3d>
+            <a:bevelT w="63500" h="25400"/>
+          </a:sp3d>
+        </a:effectStyle>
+      </a:effectStyleLst>
+      <a:bgFillStyleLst>
+        <a:solidFill>
+          <a:schemeClr val="phClr"/>
+        </a:solidFill>
+        <a:gradFill rotWithShape="1">
+          <a:gsLst>
+            <a:gs pos="0">
+              <a:schemeClr val="phClr">
+                <a:tint val="40000"/>
+                <a:satMod val="350000"/>
+              </a:schemeClr>
+            </a:gs>
+            <a:gs pos="40000">
+              <a:schemeClr val="phClr">
+                <a:tint val="45000"/>
+                <a:shade val="99000"/>
+                <a:satMod val="350000"/>
+              </a:schemeClr>
+            </a:gs>
+            <a:gs pos="100000">
+              <a:schemeClr val="phClr">
+                <a:shade val="20000"/>
+                <a:satMod val="255000"/>
+              </a:schemeClr>
+            </a:gs>
+          </a:gsLst>
+          <a:path path="circle">
+            <a:fillToRect l="50000" t="-80000" r="50000" b="180000"/>
+          </a:path>
+        </a:gradFill>
+        <a:gradFill rotWithShape="1">
+          <a:gsLst>
+            <a:gs pos="0">
+              <a:schemeClr val="phClr">
+                <a:tint val="80000"/>
+                <a:satMod val="300000"/>
+              </a:schemeClr>
+            </a:gs>
+            <a:gs pos="100000">
+              <a:schemeClr val="phClr">
+                <a:shade val="30000"/>
+                <a:satMod val="200000"/>
+              </a:schemeClr>
+            </a:gs>
+          </a:gsLst>
+          <a:path path="circle">
+            <a:fillToRect l="50000" t="50000" r="50000" b="50000"/>
+          </a:path>
+        </a:gradFill>
+      </a:bgFillStyleLst>
+    </a:fmtScheme>
+  </a:themeElements>
+</a:theme>
+</file>
+
+<file path=ppt/theme/theme2.xml><?xml version="1.0" encoding="utf-8"?>
 <a:theme xmlns:a="http://schemas.openxmlformats.org/drawingml/2006/main" xmlns:r="http://schemas.openxmlformats.org/officeDocument/2006/relationships">
   <a:themeElements>
     <a:clrScheme name="Default">
@@ -12600,283 +14860,4 @@
     </a:fmtScheme>
   </a:themeElements>
 </a:theme>
-</file>
-
-<file path=ppt/theme/theme2.xml><?xml version="1.0" encoding="utf-8"?>
-<a:theme xmlns:a="http://schemas.openxmlformats.org/drawingml/2006/main" xmlns:r="http://schemas.openxmlformats.org/officeDocument/2006/relationships" name="TUBraunschweig_PPT2007_Folienpool_pptx">
-  <a:themeElements>
-    <a:clrScheme name="TU Braunschweig">
-      <a:dk1>
-        <a:srgbClr val="000000"/>
-      </a:dk1>
-      <a:lt1>
-        <a:srgbClr val="FFFFFF"/>
-      </a:lt1>
-      <a:dk2>
-        <a:srgbClr val="000000"/>
-      </a:dk2>
-      <a:lt2>
-        <a:srgbClr val="DDDDDD"/>
-      </a:lt2>
-      <a:accent1>
-        <a:srgbClr val="BE1E3C"/>
-      </a:accent1>
-      <a:accent2>
-        <a:srgbClr val="4DA6CB"/>
-      </a:accent2>
-      <a:accent3>
-        <a:srgbClr val="ADBF4D"/>
-      </a:accent3>
-      <a:accent4>
-        <a:srgbClr val="FA6E00"/>
-      </a:accent4>
-      <a:accent5>
-        <a:srgbClr val="407E97"/>
-      </a:accent5>
-      <a:accent6>
-        <a:srgbClr val="984098"/>
-      </a:accent6>
-      <a:hlink>
-        <a:srgbClr val="BE1E3C"/>
-      </a:hlink>
-      <a:folHlink>
-        <a:srgbClr val="760054"/>
-      </a:folHlink>
-    </a:clrScheme>
-    <a:fontScheme name="Office">
-      <a:majorFont>
-        <a:latin typeface="Arial"/>
-        <a:ea typeface=""/>
-        <a:cs typeface=""/>
-        <a:font script="Jpan" typeface="ＭＳ Ｐゴシック"/>
-        <a:font script="Hang" typeface="맑은 고딕"/>
-        <a:font script="Hans" typeface="宋体"/>
-        <a:font script="Hant" typeface="新細明體"/>
-        <a:font script="Arab" typeface="Times New Roman"/>
-        <a:font script="Hebr" typeface="Times New Roman"/>
-        <a:font script="Thai" typeface="Angsana New"/>
-        <a:font script="Ethi" typeface="Nyala"/>
-        <a:font script="Beng" typeface="Vrinda"/>
-        <a:font script="Gujr" typeface="Shruti"/>
-        <a:font script="Khmr" typeface="MoolBoran"/>
-        <a:font script="Knda" typeface="Tunga"/>
-        <a:font script="Guru" typeface="Raavi"/>
-        <a:font script="Cans" typeface="Euphemia"/>
-        <a:font script="Cher" typeface="Plantagenet Cherokee"/>
-        <a:font script="Yiii" typeface="Microsoft Yi Baiti"/>
-        <a:font script="Tibt" typeface="Microsoft Himalaya"/>
-        <a:font script="Thaa" typeface="MV Boli"/>
-        <a:font script="Deva" typeface="Mangal"/>
-        <a:font script="Telu" typeface="Gautami"/>
-        <a:font script="Taml" typeface="Latha"/>
-        <a:font script="Syrc" typeface="Estrangelo Edessa"/>
-        <a:font script="Orya" typeface="Kalinga"/>
-        <a:font script="Mlym" typeface="Kartika"/>
-        <a:font script="Laoo" typeface="DokChampa"/>
-        <a:font script="Sinh" typeface="Iskoola Pota"/>
-        <a:font script="Mong" typeface="Mongolian Baiti"/>
-        <a:font script="Viet" typeface="Times New Roman"/>
-        <a:font script="Uigh" typeface="Microsoft Uighur"/>
-        <a:font script="Geor" typeface="Sylfaen"/>
-      </a:majorFont>
-      <a:minorFont>
-        <a:latin typeface="Arial"/>
-        <a:ea typeface=""/>
-        <a:cs typeface=""/>
-        <a:font script="Jpan" typeface="ＭＳ Ｐゴシック"/>
-        <a:font script="Hang" typeface="맑은 고딕"/>
-        <a:font script="Hans" typeface="宋体"/>
-        <a:font script="Hant" typeface="新細明體"/>
-        <a:font script="Arab" typeface="Arial"/>
-        <a:font script="Hebr" typeface="Arial"/>
-        <a:font script="Thai" typeface="Cordia New"/>
-        <a:font script="Ethi" typeface="Nyala"/>
-        <a:font script="Beng" typeface="Vrinda"/>
-        <a:font script="Gujr" typeface="Shruti"/>
-        <a:font script="Khmr" typeface="DaunPenh"/>
-        <a:font script="Knda" typeface="Tunga"/>
-        <a:font script="Guru" typeface="Raavi"/>
-        <a:font script="Cans" typeface="Euphemia"/>
-        <a:font script="Cher" typeface="Plantagenet Cherokee"/>
-        <a:font script="Yiii" typeface="Microsoft Yi Baiti"/>
-        <a:font script="Tibt" typeface="Microsoft Himalaya"/>
-        <a:font script="Thaa" typeface="MV Boli"/>
-        <a:font script="Deva" typeface="Mangal"/>
-        <a:font script="Telu" typeface="Gautami"/>
-        <a:font script="Taml" typeface="Latha"/>
-        <a:font script="Syrc" typeface="Estrangelo Edessa"/>
-        <a:font script="Orya" typeface="Kalinga"/>
-        <a:font script="Mlym" typeface="Kartika"/>
-        <a:font script="Laoo" typeface="DokChampa"/>
-        <a:font script="Sinh" typeface="Iskoola Pota"/>
-        <a:font script="Mong" typeface="Mongolian Baiti"/>
-        <a:font script="Viet" typeface="Arial"/>
-        <a:font script="Uigh" typeface="Microsoft Uighur"/>
-        <a:font script="Geor" typeface="Sylfaen"/>
-      </a:minorFont>
-    </a:fontScheme>
-    <a:fmtScheme name="Office">
-      <a:fillStyleLst>
-        <a:solidFill>
-          <a:schemeClr val="phClr"/>
-        </a:solidFill>
-        <a:gradFill rotWithShape="1">
-          <a:gsLst>
-            <a:gs pos="0">
-              <a:schemeClr val="phClr">
-                <a:tint val="50000"/>
-                <a:satMod val="300000"/>
-              </a:schemeClr>
-            </a:gs>
-            <a:gs pos="35000">
-              <a:schemeClr val="phClr">
-                <a:tint val="37000"/>
-                <a:satMod val="300000"/>
-              </a:schemeClr>
-            </a:gs>
-            <a:gs pos="100000">
-              <a:schemeClr val="phClr">
-                <a:tint val="15000"/>
-                <a:satMod val="350000"/>
-              </a:schemeClr>
-            </a:gs>
-          </a:gsLst>
-          <a:lin ang="16200000" scaled="1"/>
-        </a:gradFill>
-        <a:gradFill rotWithShape="1">
-          <a:gsLst>
-            <a:gs pos="0">
-              <a:schemeClr val="phClr">
-                <a:tint val="100000"/>
-                <a:shade val="100000"/>
-                <a:satMod val="130000"/>
-              </a:schemeClr>
-            </a:gs>
-            <a:gs pos="100000">
-              <a:schemeClr val="phClr">
-                <a:tint val="50000"/>
-                <a:shade val="100000"/>
-                <a:satMod val="350000"/>
-              </a:schemeClr>
-            </a:gs>
-          </a:gsLst>
-          <a:lin ang="16200000" scaled="0"/>
-        </a:gradFill>
-      </a:fillStyleLst>
-      <a:lnStyleLst>
-        <a:ln w="9525" cap="flat" cmpd="sng" algn="ctr">
-          <a:solidFill>
-            <a:schemeClr val="phClr">
-              <a:shade val="95000"/>
-              <a:satMod val="105000"/>
-            </a:schemeClr>
-          </a:solidFill>
-          <a:prstDash val="solid"/>
-        </a:ln>
-        <a:ln w="25400" cap="flat" cmpd="sng" algn="ctr">
-          <a:solidFill>
-            <a:schemeClr val="phClr"/>
-          </a:solidFill>
-          <a:prstDash val="solid"/>
-        </a:ln>
-        <a:ln w="38100" cap="flat" cmpd="sng" algn="ctr">
-          <a:solidFill>
-            <a:schemeClr val="phClr"/>
-          </a:solidFill>
-          <a:prstDash val="solid"/>
-        </a:ln>
-      </a:lnStyleLst>
-      <a:effectStyleLst>
-        <a:effectStyle>
-          <a:effectLst>
-            <a:outerShdw blurRad="40000" dist="20000" dir="5400000" rotWithShape="0">
-              <a:srgbClr val="000000">
-                <a:alpha val="38000"/>
-              </a:srgbClr>
-            </a:outerShdw>
-          </a:effectLst>
-        </a:effectStyle>
-        <a:effectStyle>
-          <a:effectLst>
-            <a:outerShdw blurRad="40000" dist="23000" dir="5400000" rotWithShape="0">
-              <a:srgbClr val="000000">
-                <a:alpha val="35000"/>
-              </a:srgbClr>
-            </a:outerShdw>
-          </a:effectLst>
-        </a:effectStyle>
-        <a:effectStyle>
-          <a:effectLst>
-            <a:outerShdw blurRad="40000" dist="23000" dir="5400000" rotWithShape="0">
-              <a:srgbClr val="000000">
-                <a:alpha val="35000"/>
-              </a:srgbClr>
-            </a:outerShdw>
-          </a:effectLst>
-          <a:scene3d>
-            <a:camera prst="orthographicFront">
-              <a:rot lat="0" lon="0" rev="0"/>
-            </a:camera>
-            <a:lightRig rig="threePt" dir="t">
-              <a:rot lat="0" lon="0" rev="1200000"/>
-            </a:lightRig>
-          </a:scene3d>
-          <a:sp3d>
-            <a:bevelT w="63500" h="25400"/>
-          </a:sp3d>
-        </a:effectStyle>
-      </a:effectStyleLst>
-      <a:bgFillStyleLst>
-        <a:solidFill>
-          <a:schemeClr val="phClr"/>
-        </a:solidFill>
-        <a:gradFill rotWithShape="1">
-          <a:gsLst>
-            <a:gs pos="0">
-              <a:schemeClr val="phClr">
-                <a:tint val="40000"/>
-                <a:satMod val="350000"/>
-              </a:schemeClr>
-            </a:gs>
-            <a:gs pos="40000">
-              <a:schemeClr val="phClr">
-                <a:tint val="45000"/>
-                <a:shade val="99000"/>
-                <a:satMod val="350000"/>
-              </a:schemeClr>
-            </a:gs>
-            <a:gs pos="100000">
-              <a:schemeClr val="phClr">
-                <a:shade val="20000"/>
-                <a:satMod val="255000"/>
-              </a:schemeClr>
-            </a:gs>
-          </a:gsLst>
-          <a:path path="circle">
-            <a:fillToRect l="50000" t="-80000" r="50000" b="180000"/>
-          </a:path>
-        </a:gradFill>
-        <a:gradFill rotWithShape="1">
-          <a:gsLst>
-            <a:gs pos="0">
-              <a:schemeClr val="phClr">
-                <a:tint val="80000"/>
-                <a:satMod val="300000"/>
-              </a:schemeClr>
-            </a:gs>
-            <a:gs pos="100000">
-              <a:schemeClr val="phClr">
-                <a:shade val="30000"/>
-                <a:satMod val="200000"/>
-              </a:schemeClr>
-            </a:gs>
-          </a:gsLst>
-          <a:path path="circle">
-            <a:fillToRect l="50000" t="50000" r="50000" b="50000"/>
-          </a:path>
-        </a:gradFill>
-      </a:bgFillStyleLst>
-    </a:fmtScheme>
-  </a:themeElements>
-</a:theme>
 </file>
--- a/slides/08_polymorphism_equals_toString_pbv_pbr.pptx
+++ b/slides/08_polymorphism_equals_toString_pbv_pbr.pptx
@@ -12026,7 +12026,7 @@
                 <a:cs typeface="Arial"/>
                 <a:sym typeface="Arial"/>
               </a:rPr>
-              <a:t>solange sich die Parameter der Methode/Funktion in Typ Anzahl oder Reihenfolge unterscheiden</a:t>
+              <a:t>solange sich die Parameter der Methode/Funktion in Typ, Anzahl oder Reihenfolge unterscheiden</a:t>
             </a:r>
             <a:r>
               <a:rPr b="0" i="0" lang="de" sz="1500" u="none" cap="none" strike="noStrike">
@@ -13045,7 +13045,7 @@
                 <a:cs typeface="Arial"/>
                 <a:sym typeface="Arial"/>
               </a:rPr>
-              <a:t>Zum Vergleich von Referenzdatentypen gibt es in Java die sog. equals-Methode in der “Object”-Klasse. Diese testet per default jedoch auch nur, ob die Referenzen auf das selbe Objekt verweisen. Daher muss diese Methode, falls ein anderes Verhalten gewünscht ist, überschrieben werden.</a:t>
+              <a:t>Zum Vergleich von Referenzdatentypen gibt es in Java die sog. equals-Methode in der “Object”-Klasse. Diese testet per default jedoch auch nur, ob die Referenzen auf dasselbe Objekt verweisen. Daher muss diese Methode, falls ein anderes Verhalten gewünscht ist, überschrieben werden.</a:t>
             </a:r>
             <a:endParaRPr b="0" i="0" sz="1600" u="none" cap="none" strike="noStrike">
               <a:solidFill>
@@ -13363,17 +13363,18 @@
           <p:cNvPicPr preferRelativeResize="0"/>
           <p:nvPr/>
         </p:nvPicPr>
-        <p:blipFill rotWithShape="1">
+        <p:blipFill>
           <a:blip r:embed="rId4">
             <a:alphaModFix/>
           </a:blip>
-          <a:srcRect b="0" l="0" r="0" t="0"/>
-          <a:stretch/>
+          <a:stretch>
+            <a:fillRect/>
+          </a:stretch>
         </p:blipFill>
         <p:spPr>
           <a:xfrm>
-            <a:off x="3197675" y="1684849"/>
-            <a:ext cx="2748625" cy="1554600"/>
+            <a:off x="3262163" y="1599425"/>
+            <a:ext cx="2619675" cy="1647975"/>
           </a:xfrm>
           <a:prstGeom prst="rect">
             <a:avLst/>
@@ -13390,17 +13391,18 @@
           <p:cNvPicPr preferRelativeResize="0"/>
           <p:nvPr/>
         </p:nvPicPr>
-        <p:blipFill rotWithShape="1">
+        <p:blipFill>
           <a:blip r:embed="rId5">
             <a:alphaModFix/>
           </a:blip>
-          <a:srcRect b="0" l="0" r="0" t="0"/>
-          <a:stretch/>
+          <a:stretch>
+            <a:fillRect/>
+          </a:stretch>
         </p:blipFill>
         <p:spPr>
           <a:xfrm>
-            <a:off x="924300" y="3353273"/>
-            <a:ext cx="7295400" cy="136600"/>
+            <a:off x="1323050" y="3375351"/>
+            <a:ext cx="6497900" cy="194200"/>
           </a:xfrm>
           <a:prstGeom prst="rect">
             <a:avLst/>
@@ -14111,7 +14113,23 @@
                 <a:cs typeface="Arial"/>
                 <a:sym typeface="Arial"/>
               </a:rPr>
-              <a:t>Pass by Reference: eine Referenz auf die selbe Variable wird weitergegeben.</a:t>
+              <a:t>Pass by Reference: eine Referenz auf </a:t>
+            </a:r>
+            <a:r>
+              <a:rPr lang="de"/>
+              <a:t>dasselbe Objekt</a:t>
+            </a:r>
+            <a:r>
+              <a:rPr b="0" i="0" lang="de" sz="1600" u="none" cap="none" strike="noStrike">
+                <a:solidFill>
+                  <a:schemeClr val="dk1"/>
+                </a:solidFill>
+                <a:latin typeface="Arial"/>
+                <a:ea typeface="Arial"/>
+                <a:cs typeface="Arial"/>
+                <a:sym typeface="Arial"/>
+              </a:rPr>
+              <a:t> wird weitergegeben.</a:t>
             </a:r>
             <a:endParaRPr b="0" i="0" sz="1600" u="none" cap="none" strike="noStrike">
               <a:solidFill>
@@ -14305,6 +14323,285 @@
 </file>
 
 <file path=ppt/theme/theme1.xml><?xml version="1.0" encoding="utf-8"?>
+<a:theme xmlns:a="http://schemas.openxmlformats.org/drawingml/2006/main" xmlns:r="http://schemas.openxmlformats.org/officeDocument/2006/relationships">
+  <a:themeElements>
+    <a:clrScheme name="Default">
+      <a:dk1>
+        <a:srgbClr val="000000"/>
+      </a:dk1>
+      <a:lt1>
+        <a:srgbClr val="FFFFFF"/>
+      </a:lt1>
+      <a:dk2>
+        <a:srgbClr val="158158"/>
+      </a:dk2>
+      <a:lt2>
+        <a:srgbClr val="F3F3F3"/>
+      </a:lt2>
+      <a:accent1>
+        <a:srgbClr val="058DC7"/>
+      </a:accent1>
+      <a:accent2>
+        <a:srgbClr val="50B432"/>
+      </a:accent2>
+      <a:accent3>
+        <a:srgbClr val="ED561B"/>
+      </a:accent3>
+      <a:accent4>
+        <a:srgbClr val="EDEF00"/>
+      </a:accent4>
+      <a:accent5>
+        <a:srgbClr val="24CBE5"/>
+      </a:accent5>
+      <a:accent6>
+        <a:srgbClr val="64E572"/>
+      </a:accent6>
+      <a:hlink>
+        <a:srgbClr val="2200CC"/>
+      </a:hlink>
+      <a:folHlink>
+        <a:srgbClr val="551A8B"/>
+      </a:folHlink>
+    </a:clrScheme>
+    <a:fontScheme name="Office">
+      <a:majorFont>
+        <a:latin typeface="Arial"/>
+        <a:ea typeface=""/>
+        <a:cs typeface=""/>
+        <a:font script="Jpan" typeface="ＭＳ Ｐゴシック"/>
+        <a:font script="Hang" typeface="맑은 고딕"/>
+        <a:font script="Hans" typeface="宋体"/>
+        <a:font script="Hant" typeface="新細明體"/>
+        <a:font script="Arab" typeface="Times New Roman"/>
+        <a:font script="Hebr" typeface="Times New Roman"/>
+        <a:font script="Thai" typeface="Angsana New"/>
+        <a:font script="Ethi" typeface="Nyala"/>
+        <a:font script="Beng" typeface="Vrinda"/>
+        <a:font script="Gujr" typeface="Shruti"/>
+        <a:font script="Khmr" typeface="MoolBoran"/>
+        <a:font script="Knda" typeface="Tunga"/>
+        <a:font script="Guru" typeface="Raavi"/>
+        <a:font script="Cans" typeface="Euphemia"/>
+        <a:font script="Cher" typeface="Plantagenet Cherokee"/>
+        <a:font script="Yiii" typeface="Microsoft Yi Baiti"/>
+        <a:font script="Tibt" typeface="Microsoft Himalaya"/>
+        <a:font script="Thaa" typeface="MV Boli"/>
+        <a:font script="Deva" typeface="Mangal"/>
+        <a:font script="Telu" typeface="Gautami"/>
+        <a:font script="Taml" typeface="Latha"/>
+        <a:font script="Syrc" typeface="Estrangelo Edessa"/>
+        <a:font script="Orya" typeface="Kalinga"/>
+        <a:font script="Mlym" typeface="Kartika"/>
+        <a:font script="Laoo" typeface="DokChampa"/>
+        <a:font script="Sinh" typeface="Iskoola Pota"/>
+        <a:font script="Mong" typeface="Mongolian Baiti"/>
+        <a:font script="Viet" typeface="Times New Roman"/>
+        <a:font script="Uigh" typeface="Microsoft Uighur"/>
+        <a:font script="Geor" typeface="Sylfaen"/>
+      </a:majorFont>
+      <a:minorFont>
+        <a:latin typeface="Arial"/>
+        <a:ea typeface=""/>
+        <a:cs typeface=""/>
+        <a:font script="Jpan" typeface="ＭＳ Ｐゴシック"/>
+        <a:font script="Hang" typeface="맑은 고딕"/>
+        <a:font script="Hans" typeface="宋体"/>
+        <a:font script="Hant" typeface="新細明體"/>
+        <a:font script="Arab" typeface="Arial"/>
+        <a:font script="Hebr" typeface="Arial"/>
+        <a:font script="Thai" typeface="Cordia New"/>
+        <a:font script="Ethi" typeface="Nyala"/>
+        <a:font script="Beng" typeface="Vrinda"/>
+        <a:font script="Gujr" typeface="Shruti"/>
+        <a:font script="Khmr" typeface="DaunPenh"/>
+        <a:font script="Knda" typeface="Tunga"/>
+        <a:font script="Guru" typeface="Raavi"/>
+        <a:font script="Cans" typeface="Euphemia"/>
+        <a:font script="Cher" typeface="Plantagenet Cherokee"/>
+        <a:font script="Yiii" typeface="Microsoft Yi Baiti"/>
+        <a:font script="Tibt" typeface="Microsoft Himalaya"/>
+        <a:font script="Thaa" typeface="MV Boli"/>
+        <a:font script="Deva" typeface="Mangal"/>
+        <a:font script="Telu" typeface="Gautami"/>
+        <a:font script="Taml" typeface="Latha"/>
+        <a:font script="Syrc" typeface="Estrangelo Edessa"/>
+        <a:font script="Orya" typeface="Kalinga"/>
+        <a:font script="Mlym" typeface="Kartika"/>
+        <a:font script="Laoo" typeface="DokChampa"/>
+        <a:font script="Sinh" typeface="Iskoola Pota"/>
+        <a:font script="Mong" typeface="Mongolian Baiti"/>
+        <a:font script="Viet" typeface="Arial"/>
+        <a:font script="Uigh" typeface="Microsoft Uighur"/>
+        <a:font script="Geor" typeface="Sylfaen"/>
+      </a:minorFont>
+    </a:fontScheme>
+    <a:fmtScheme name="Office">
+      <a:fillStyleLst>
+        <a:solidFill>
+          <a:schemeClr val="phClr"/>
+        </a:solidFill>
+        <a:gradFill rotWithShape="1">
+          <a:gsLst>
+            <a:gs pos="0">
+              <a:schemeClr val="phClr">
+                <a:tint val="50000"/>
+                <a:satMod val="300000"/>
+              </a:schemeClr>
+            </a:gs>
+            <a:gs pos="35000">
+              <a:schemeClr val="phClr">
+                <a:tint val="37000"/>
+                <a:satMod val="300000"/>
+              </a:schemeClr>
+            </a:gs>
+            <a:gs pos="100000">
+              <a:schemeClr val="phClr">
+                <a:tint val="15000"/>
+                <a:satMod val="350000"/>
+              </a:schemeClr>
+            </a:gs>
+          </a:gsLst>
+          <a:lin ang="16200000" scaled="1"/>
+        </a:gradFill>
+        <a:gradFill rotWithShape="1">
+          <a:gsLst>
+            <a:gs pos="0">
+              <a:schemeClr val="phClr">
+                <a:tint val="100000"/>
+                <a:shade val="100000"/>
+                <a:satMod val="130000"/>
+              </a:schemeClr>
+            </a:gs>
+            <a:gs pos="100000">
+              <a:schemeClr val="phClr">
+                <a:tint val="50000"/>
+                <a:shade val="100000"/>
+                <a:satMod val="350000"/>
+              </a:schemeClr>
+            </a:gs>
+          </a:gsLst>
+          <a:lin ang="16200000" scaled="0"/>
+        </a:gradFill>
+      </a:fillStyleLst>
+      <a:lnStyleLst>
+        <a:ln w="9525" cap="flat" cmpd="sng" algn="ctr">
+          <a:solidFill>
+            <a:schemeClr val="phClr">
+              <a:shade val="95000"/>
+              <a:satMod val="105000"/>
+            </a:schemeClr>
+          </a:solidFill>
+          <a:prstDash val="solid"/>
+        </a:ln>
+        <a:ln w="25400" cap="flat" cmpd="sng" algn="ctr">
+          <a:solidFill>
+            <a:schemeClr val="phClr"/>
+          </a:solidFill>
+          <a:prstDash val="solid"/>
+        </a:ln>
+        <a:ln w="38100" cap="flat" cmpd="sng" algn="ctr">
+          <a:solidFill>
+            <a:schemeClr val="phClr"/>
+          </a:solidFill>
+          <a:prstDash val="solid"/>
+        </a:ln>
+      </a:lnStyleLst>
+      <a:effectStyleLst>
+        <a:effectStyle>
+          <a:effectLst>
+            <a:outerShdw blurRad="40000" dist="20000" dir="5400000" rotWithShape="0">
+              <a:srgbClr val="000000">
+                <a:alpha val="38000"/>
+              </a:srgbClr>
+            </a:outerShdw>
+          </a:effectLst>
+        </a:effectStyle>
+        <a:effectStyle>
+          <a:effectLst>
+            <a:outerShdw blurRad="40000" dist="23000" dir="5400000" rotWithShape="0">
+              <a:srgbClr val="000000">
+                <a:alpha val="35000"/>
+              </a:srgbClr>
+            </a:outerShdw>
+          </a:effectLst>
+        </a:effectStyle>
+        <a:effectStyle>
+          <a:effectLst>
+            <a:outerShdw blurRad="40000" dist="23000" dir="5400000" rotWithShape="0">
+              <a:srgbClr val="000000">
+                <a:alpha val="35000"/>
+              </a:srgbClr>
+            </a:outerShdw>
+          </a:effectLst>
+          <a:scene3d>
+            <a:camera prst="orthographicFront">
+              <a:rot lat="0" lon="0" rev="0"/>
+            </a:camera>
+            <a:lightRig rig="threePt" dir="t">
+              <a:rot lat="0" lon="0" rev="1200000"/>
+            </a:lightRig>
+          </a:scene3d>
+          <a:sp3d>
+            <a:bevelT w="63500" h="25400"/>
+          </a:sp3d>
+        </a:effectStyle>
+      </a:effectStyleLst>
+      <a:bgFillStyleLst>
+        <a:solidFill>
+          <a:schemeClr val="phClr"/>
+        </a:solidFill>
+        <a:gradFill rotWithShape="1">
+          <a:gsLst>
+            <a:gs pos="0">
+              <a:schemeClr val="phClr">
+                <a:tint val="40000"/>
+                <a:satMod val="350000"/>
+              </a:schemeClr>
+            </a:gs>
+            <a:gs pos="40000">
+              <a:schemeClr val="phClr">
+                <a:tint val="45000"/>
+                <a:shade val="99000"/>
+                <a:satMod val="350000"/>
+              </a:schemeClr>
+            </a:gs>
+            <a:gs pos="100000">
+              <a:schemeClr val="phClr">
+                <a:shade val="20000"/>
+                <a:satMod val="255000"/>
+              </a:schemeClr>
+            </a:gs>
+          </a:gsLst>
+          <a:path path="circle">
+            <a:fillToRect l="50000" t="-80000" r="50000" b="180000"/>
+          </a:path>
+        </a:gradFill>
+        <a:gradFill rotWithShape="1">
+          <a:gsLst>
+            <a:gs pos="0">
+              <a:schemeClr val="phClr">
+                <a:tint val="80000"/>
+                <a:satMod val="300000"/>
+              </a:schemeClr>
+            </a:gs>
+            <a:gs pos="100000">
+              <a:schemeClr val="phClr">
+                <a:shade val="30000"/>
+                <a:satMod val="200000"/>
+              </a:schemeClr>
+            </a:gs>
+          </a:gsLst>
+          <a:path path="circle">
+            <a:fillToRect l="50000" t="50000" r="50000" b="50000"/>
+          </a:path>
+        </a:gradFill>
+      </a:bgFillStyleLst>
+    </a:fmtScheme>
+  </a:themeElements>
+</a:theme>
+</file>
+
+<file path=ppt/theme/theme2.xml><?xml version="1.0" encoding="utf-8"?>
 <a:theme xmlns:a="http://schemas.openxmlformats.org/drawingml/2006/main" xmlns:r="http://schemas.openxmlformats.org/officeDocument/2006/relationships" name="TUBraunschweig_PPT2007_Folienpool_pptx">
   <a:themeElements>
     <a:clrScheme name="TU Braunschweig">
@@ -14581,283 +14878,4 @@
     </a:fmtScheme>
   </a:themeElements>
 </a:theme>
-</file>
-
-<file path=ppt/theme/theme2.xml><?xml version="1.0" encoding="utf-8"?>
-<a:theme xmlns:a="http://schemas.openxmlformats.org/drawingml/2006/main" xmlns:r="http://schemas.openxmlformats.org/officeDocument/2006/relationships">
-  <a:themeElements>
-    <a:clrScheme name="Default">
-      <a:dk1>
-        <a:srgbClr val="000000"/>
-      </a:dk1>
-      <a:lt1>
-        <a:srgbClr val="FFFFFF"/>
-      </a:lt1>
-      <a:dk2>
-        <a:srgbClr val="158158"/>
-      </a:dk2>
-      <a:lt2>
-        <a:srgbClr val="F3F3F3"/>
-      </a:lt2>
-      <a:accent1>
-        <a:srgbClr val="058DC7"/>
-      </a:accent1>
-      <a:accent2>
-        <a:srgbClr val="50B432"/>
-      </a:accent2>
-      <a:accent3>
-        <a:srgbClr val="ED561B"/>
-      </a:accent3>
-      <a:accent4>
-        <a:srgbClr val="EDEF00"/>
-      </a:accent4>
-      <a:accent5>
-        <a:srgbClr val="24CBE5"/>
-      </a:accent5>
-      <a:accent6>
-        <a:srgbClr val="64E572"/>
-      </a:accent6>
-      <a:hlink>
-        <a:srgbClr val="2200CC"/>
-      </a:hlink>
-      <a:folHlink>
-        <a:srgbClr val="551A8B"/>
-      </a:folHlink>
-    </a:clrScheme>
-    <a:fontScheme name="Office">
-      <a:majorFont>
-        <a:latin typeface="Arial"/>
-        <a:ea typeface=""/>
-        <a:cs typeface=""/>
-        <a:font script="Jpan" typeface="ＭＳ Ｐゴシック"/>
-        <a:font script="Hang" typeface="맑은 고딕"/>
-        <a:font script="Hans" typeface="宋体"/>
-        <a:font script="Hant" typeface="新細明體"/>
-        <a:font script="Arab" typeface="Times New Roman"/>
-        <a:font script="Hebr" typeface="Times New Roman"/>
-        <a:font script="Thai" typeface="Angsana New"/>
-        <a:font script="Ethi" typeface="Nyala"/>
-        <a:font script="Beng" typeface="Vrinda"/>
-        <a:font script="Gujr" typeface="Shruti"/>
-        <a:font script="Khmr" typeface="MoolBoran"/>
-        <a:font script="Knda" typeface="Tunga"/>
-        <a:font script="Guru" typeface="Raavi"/>
-        <a:font script="Cans" typeface="Euphemia"/>
-        <a:font script="Cher" typeface="Plantagenet Cherokee"/>
-        <a:font script="Yiii" typeface="Microsoft Yi Baiti"/>
-        <a:font script="Tibt" typeface="Microsoft Himalaya"/>
-        <a:font script="Thaa" typeface="MV Boli"/>
-        <a:font script="Deva" typeface="Mangal"/>
-        <a:font script="Telu" typeface="Gautami"/>
-        <a:font script="Taml" typeface="Latha"/>
-        <a:font script="Syrc" typeface="Estrangelo Edessa"/>
-        <a:font script="Orya" typeface="Kalinga"/>
-        <a:font script="Mlym" typeface="Kartika"/>
-        <a:font script="Laoo" typeface="DokChampa"/>
-        <a:font script="Sinh" typeface="Iskoola Pota"/>
-        <a:font script="Mong" typeface="Mongolian Baiti"/>
-        <a:font script="Viet" typeface="Times New Roman"/>
-        <a:font script="Uigh" typeface="Microsoft Uighur"/>
-        <a:font script="Geor" typeface="Sylfaen"/>
-      </a:majorFont>
-      <a:minorFont>
-        <a:latin typeface="Arial"/>
-        <a:ea typeface=""/>
-        <a:cs typeface=""/>
-        <a:font script="Jpan" typeface="ＭＳ Ｐゴシック"/>
-        <a:font script="Hang" typeface="맑은 고딕"/>
-        <a:font script="Hans" typeface="宋体"/>
-        <a:font script="Hant" typeface="新細明體"/>
-        <a:font script="Arab" typeface="Arial"/>
-        <a:font script="Hebr" typeface="Arial"/>
-        <a:font script="Thai" typeface="Cordia New"/>
-        <a:font script="Ethi" typeface="Nyala"/>
-        <a:font script="Beng" typeface="Vrinda"/>
-        <a:font script="Gujr" typeface="Shruti"/>
-        <a:font script="Khmr" typeface="DaunPenh"/>
-        <a:font script="Knda" typeface="Tunga"/>
-        <a:font script="Guru" typeface="Raavi"/>
-        <a:font script="Cans" typeface="Euphemia"/>
-        <a:font script="Cher" typeface="Plantagenet Cherokee"/>
-        <a:font script="Yiii" typeface="Microsoft Yi Baiti"/>
-        <a:font script="Tibt" typeface="Microsoft Himalaya"/>
-        <a:font script="Thaa" typeface="MV Boli"/>
-        <a:font script="Deva" typeface="Mangal"/>
-        <a:font script="Telu" typeface="Gautami"/>
-        <a:font script="Taml" typeface="Latha"/>
-        <a:font script="Syrc" typeface="Estrangelo Edessa"/>
-        <a:font script="Orya" typeface="Kalinga"/>
-        <a:font script="Mlym" typeface="Kartika"/>
-        <a:font script="Laoo" typeface="DokChampa"/>
-        <a:font script="Sinh" typeface="Iskoola Pota"/>
-        <a:font script="Mong" typeface="Mongolian Baiti"/>
-        <a:font script="Viet" typeface="Arial"/>
-        <a:font script="Uigh" typeface="Microsoft Uighur"/>
-        <a:font script="Geor" typeface="Sylfaen"/>
-      </a:minorFont>
-    </a:fontScheme>
-    <a:fmtScheme name="Office">
-      <a:fillStyleLst>
-        <a:solidFill>
-          <a:schemeClr val="phClr"/>
-        </a:solidFill>
-        <a:gradFill rotWithShape="1">
-          <a:gsLst>
-            <a:gs pos="0">
-              <a:schemeClr val="phClr">
-                <a:tint val="50000"/>
-                <a:satMod val="300000"/>
-              </a:schemeClr>
-            </a:gs>
-            <a:gs pos="35000">
-              <a:schemeClr val="phClr">
-                <a:tint val="37000"/>
-                <a:satMod val="300000"/>
-              </a:schemeClr>
-            </a:gs>
-            <a:gs pos="100000">
-              <a:schemeClr val="phClr">
-                <a:tint val="15000"/>
-                <a:satMod val="350000"/>
-              </a:schemeClr>
-            </a:gs>
-          </a:gsLst>
-          <a:lin ang="16200000" scaled="1"/>
-        </a:gradFill>
-        <a:gradFill rotWithShape="1">
-          <a:gsLst>
-            <a:gs pos="0">
-              <a:schemeClr val="phClr">
-                <a:tint val="100000"/>
-                <a:shade val="100000"/>
-                <a:satMod val="130000"/>
-              </a:schemeClr>
-            </a:gs>
-            <a:gs pos="100000">
-              <a:schemeClr val="phClr">
-                <a:tint val="50000"/>
-                <a:shade val="100000"/>
-                <a:satMod val="350000"/>
-              </a:schemeClr>
-            </a:gs>
-          </a:gsLst>
-          <a:lin ang="16200000" scaled="0"/>
-        </a:gradFill>
-      </a:fillStyleLst>
-      <a:lnStyleLst>
-        <a:ln w="9525" cap="flat" cmpd="sng" algn="ctr">
-          <a:solidFill>
-            <a:schemeClr val="phClr">
-              <a:shade val="95000"/>
-              <a:satMod val="105000"/>
-            </a:schemeClr>
-          </a:solidFill>
-          <a:prstDash val="solid"/>
-        </a:ln>
-        <a:ln w="25400" cap="flat" cmpd="sng" algn="ctr">
-          <a:solidFill>
-            <a:schemeClr val="phClr"/>
-          </a:solidFill>
-          <a:prstDash val="solid"/>
-        </a:ln>
-        <a:ln w="38100" cap="flat" cmpd="sng" algn="ctr">
-          <a:solidFill>
-            <a:schemeClr val="phClr"/>
-          </a:solidFill>
-          <a:prstDash val="solid"/>
-        </a:ln>
-      </a:lnStyleLst>
-      <a:effectStyleLst>
-        <a:effectStyle>
-          <a:effectLst>
-            <a:outerShdw blurRad="40000" dist="20000" dir="5400000" rotWithShape="0">
-              <a:srgbClr val="000000">
-                <a:alpha val="38000"/>
-              </a:srgbClr>
-            </a:outerShdw>
-          </a:effectLst>
-        </a:effectStyle>
-        <a:effectStyle>
-          <a:effectLst>
-            <a:outerShdw blurRad="40000" dist="23000" dir="5400000" rotWithShape="0">
-              <a:srgbClr val="000000">
-                <a:alpha val="35000"/>
-              </a:srgbClr>
-            </a:outerShdw>
-          </a:effectLst>
-        </a:effectStyle>
-        <a:effectStyle>
-          <a:effectLst>
-            <a:outerShdw blurRad="40000" dist="23000" dir="5400000" rotWithShape="0">
-              <a:srgbClr val="000000">
-                <a:alpha val="35000"/>
-              </a:srgbClr>
-            </a:outerShdw>
-          </a:effectLst>
-          <a:scene3d>
-            <a:camera prst="orthographicFront">
-              <a:rot lat="0" lon="0" rev="0"/>
-            </a:camera>
-            <a:lightRig rig="threePt" dir="t">
-              <a:rot lat="0" lon="0" rev="1200000"/>
-            </a:lightRig>
-          </a:scene3d>
-          <a:sp3d>
-            <a:bevelT w="63500" h="25400"/>
-          </a:sp3d>
-        </a:effectStyle>
-      </a:effectStyleLst>
-      <a:bgFillStyleLst>
-        <a:solidFill>
-          <a:schemeClr val="phClr"/>
-        </a:solidFill>
-        <a:gradFill rotWithShape="1">
-          <a:gsLst>
-            <a:gs pos="0">
-              <a:schemeClr val="phClr">
-                <a:tint val="40000"/>
-                <a:satMod val="350000"/>
-              </a:schemeClr>
-            </a:gs>
-            <a:gs pos="40000">
-              <a:schemeClr val="phClr">
-                <a:tint val="45000"/>
-                <a:shade val="99000"/>
-                <a:satMod val="350000"/>
-              </a:schemeClr>
-            </a:gs>
-            <a:gs pos="100000">
-              <a:schemeClr val="phClr">
-                <a:shade val="20000"/>
-                <a:satMod val="255000"/>
-              </a:schemeClr>
-            </a:gs>
-          </a:gsLst>
-          <a:path path="circle">
-            <a:fillToRect l="50000" t="-80000" r="50000" b="180000"/>
-          </a:path>
-        </a:gradFill>
-        <a:gradFill rotWithShape="1">
-          <a:gsLst>
-            <a:gs pos="0">
-              <a:schemeClr val="phClr">
-                <a:tint val="80000"/>
-                <a:satMod val="300000"/>
-              </a:schemeClr>
-            </a:gs>
-            <a:gs pos="100000">
-              <a:schemeClr val="phClr">
-                <a:shade val="30000"/>
-                <a:satMod val="200000"/>
-              </a:schemeClr>
-            </a:gs>
-          </a:gsLst>
-          <a:path path="circle">
-            <a:fillToRect l="50000" t="50000" r="50000" b="50000"/>
-          </a:path>
-        </a:gradFill>
-      </a:bgFillStyleLst>
-    </a:fmtScheme>
-  </a:themeElements>
-</a:theme>
 </file>
--- a/slides/08_polymorphism_equals_toString_pbv_pbr.pptx
+++ b/slides/08_polymorphism_equals_toString_pbv_pbr.pptx
@@ -10015,7 +10015,7 @@
             </a:pPr>
             <a:r>
               <a:rPr lang="de"/>
-              <a:t>07 - Polymorphismus, equals, toString, PBV vs. PBR</a:t>
+              <a:t>08 - Polymorphismus, equals, toString, PBV vs. PBR</a:t>
             </a:r>
             <a:endParaRPr/>
           </a:p>

--- a/slides/08_polymorphism_equals_toString_pbv_pbr.pptx
+++ b/slides/08_polymorphism_equals_toString_pbv_pbr.pptx
@@ -13045,7 +13045,7 @@
                 <a:cs typeface="Arial"/>
                 <a:sym typeface="Arial"/>
               </a:rPr>
-              <a:t>Zum Vergleich von Referenzdatentypen gibt es in Java die sog. equals-Methode in der “Object”-Klasse. Diese testet per default jedoch auch nur, ob die Referenzen auf dasselbe Objekt verweisen. Daher muss diese Methode, falls ein anderes Verhalten gewünscht ist, überschrieben werden.</a:t>
+              <a:t>Zum Vergleich von Referenzdatentypen gibt es in Java die sog. equals-Methode in der “Object”-Klasse. Diese testet per default jedoch auch nur, ob die Referenzen auf das selbe Objekt verweisen. Daher muss diese Methode, falls ein anderes Verhalten gewünscht ist, überschrieben werden.</a:t>
             </a:r>
             <a:endParaRPr b="0" i="0" sz="1600" u="none" cap="none" strike="noStrike">
               <a:solidFill>
@@ -14323,6 +14323,285 @@
 </file>
 
 <file path=ppt/theme/theme1.xml><?xml version="1.0" encoding="utf-8"?>
+<a:theme xmlns:a="http://schemas.openxmlformats.org/drawingml/2006/main" xmlns:r="http://schemas.openxmlformats.org/officeDocument/2006/relationships" name="TUBraunschweig_PPT2007_Folienpool_pptx">
+  <a:themeElements>
+    <a:clrScheme name="TU Braunschweig">
+      <a:dk1>
+        <a:srgbClr val="000000"/>
+      </a:dk1>
+      <a:lt1>
+        <a:srgbClr val="FFFFFF"/>
+      </a:lt1>
+      <a:dk2>
+        <a:srgbClr val="000000"/>
+      </a:dk2>
+      <a:lt2>
+        <a:srgbClr val="DDDDDD"/>
+      </a:lt2>
+      <a:accent1>
+        <a:srgbClr val="BE1E3C"/>
+      </a:accent1>
+      <a:accent2>
+        <a:srgbClr val="4DA6CB"/>
+      </a:accent2>
+      <a:accent3>
+        <a:srgbClr val="ADBF4D"/>
+      </a:accent3>
+      <a:accent4>
+        <a:srgbClr val="FA6E00"/>
+      </a:accent4>
+      <a:accent5>
+        <a:srgbClr val="407E97"/>
+      </a:accent5>
+      <a:accent6>
+        <a:srgbClr val="984098"/>
+      </a:accent6>
+      <a:hlink>
+        <a:srgbClr val="BE1E3C"/>
+      </a:hlink>
+      <a:folHlink>
+        <a:srgbClr val="760054"/>
+      </a:folHlink>
+    </a:clrScheme>
+    <a:fontScheme name="Office">
+      <a:majorFont>
+        <a:latin typeface="Arial"/>
+        <a:ea typeface=""/>
+        <a:cs typeface=""/>
+        <a:font script="Jpan" typeface="ＭＳ Ｐゴシック"/>
+        <a:font script="Hang" typeface="맑은 고딕"/>
+        <a:font script="Hans" typeface="宋体"/>
+        <a:font script="Hant" typeface="新細明體"/>
+        <a:font script="Arab" typeface="Times New Roman"/>
+        <a:font script="Hebr" typeface="Times New Roman"/>
+        <a:font script="Thai" typeface="Angsana New"/>
+        <a:font script="Ethi" typeface="Nyala"/>
+        <a:font script="Beng" typeface="Vrinda"/>
+        <a:font script="Gujr" typeface="Shruti"/>
+        <a:font script="Khmr" typeface="MoolBoran"/>
+        <a:font script="Knda" typeface="Tunga"/>
+        <a:font script="Guru" typeface="Raavi"/>
+        <a:font script="Cans" typeface="Euphemia"/>
+        <a:font script="Cher" typeface="Plantagenet Cherokee"/>
+        <a:font script="Yiii" typeface="Microsoft Yi Baiti"/>
+        <a:font script="Tibt" typeface="Microsoft Himalaya"/>
+        <a:font script="Thaa" typeface="MV Boli"/>
+        <a:font script="Deva" typeface="Mangal"/>
+        <a:font script="Telu" typeface="Gautami"/>
+        <a:font script="Taml" typeface="Latha"/>
+        <a:font script="Syrc" typeface="Estrangelo Edessa"/>
+        <a:font script="Orya" typeface="Kalinga"/>
+        <a:font script="Mlym" typeface="Kartika"/>
+        <a:font script="Laoo" typeface="DokChampa"/>
+        <a:font script="Sinh" typeface="Iskoola Pota"/>
+        <a:font script="Mong" typeface="Mongolian Baiti"/>
+        <a:font script="Viet" typeface="Times New Roman"/>
+        <a:font script="Uigh" typeface="Microsoft Uighur"/>
+        <a:font script="Geor" typeface="Sylfaen"/>
+      </a:majorFont>
+      <a:minorFont>
+        <a:latin typeface="Arial"/>
+        <a:ea typeface=""/>
+        <a:cs typeface=""/>
+        <a:font script="Jpan" typeface="ＭＳ Ｐゴシック"/>
+        <a:font script="Hang" typeface="맑은 고딕"/>
+        <a:font script="Hans" typeface="宋体"/>
+        <a:font script="Hant" typeface="新細明體"/>
+        <a:font script="Arab" typeface="Arial"/>
+        <a:font script="Hebr" typeface="Arial"/>
+        <a:font script="Thai" typeface="Cordia New"/>
+        <a:font script="Ethi" typeface="Nyala"/>
+        <a:font script="Beng" typeface="Vrinda"/>
+        <a:font script="Gujr" typeface="Shruti"/>
+        <a:font script="Khmr" typeface="DaunPenh"/>
+        <a:font script="Knda" typeface="Tunga"/>
+        <a:font script="Guru" typeface="Raavi"/>
+        <a:font script="Cans" typeface="Euphemia"/>
+        <a:font script="Cher" typeface="Plantagenet Cherokee"/>
+        <a:font script="Yiii" typeface="Microsoft Yi Baiti"/>
+        <a:font script="Tibt" typeface="Microsoft Himalaya"/>
+        <a:font script="Thaa" typeface="MV Boli"/>
+        <a:font script="Deva" typeface="Mangal"/>
+        <a:font script="Telu" typeface="Gautami"/>
+        <a:font script="Taml" typeface="Latha"/>
+        <a:font script="Syrc" typeface="Estrangelo Edessa"/>
+        <a:font script="Orya" typeface="Kalinga"/>
+        <a:font script="Mlym" typeface="Kartika"/>
+        <a:font script="Laoo" typeface="DokChampa"/>
+        <a:font script="Sinh" typeface="Iskoola Pota"/>
+        <a:font script="Mong" typeface="Mongolian Baiti"/>
+        <a:font script="Viet" typeface="Arial"/>
+        <a:font script="Uigh" typeface="Microsoft Uighur"/>
+        <a:font script="Geor" typeface="Sylfaen"/>
+      </a:minorFont>
+    </a:fontScheme>
+    <a:fmtScheme name="Office">
+      <a:fillStyleLst>
+        <a:solidFill>
+          <a:schemeClr val="phClr"/>
+        </a:solidFill>
+        <a:gradFill rotWithShape="1">
+          <a:gsLst>
+            <a:gs pos="0">
+              <a:schemeClr val="phClr">
+                <a:tint val="50000"/>
+                <a:satMod val="300000"/>
+              </a:schemeClr>
+            </a:gs>
+            <a:gs pos="35000">
+              <a:schemeClr val="phClr">
+                <a:tint val="37000"/>
+                <a:satMod val="300000"/>
+              </a:schemeClr>
+            </a:gs>
+            <a:gs pos="100000">
+              <a:schemeClr val="phClr">
+                <a:tint val="15000"/>
+                <a:satMod val="350000"/>
+              </a:schemeClr>
+            </a:gs>
+          </a:gsLst>
+          <a:lin ang="16200000" scaled="1"/>
+        </a:gradFill>
+        <a:gradFill rotWithShape="1">
+          <a:gsLst>
+            <a:gs pos="0">
+              <a:schemeClr val="phClr">
+                <a:tint val="100000"/>
+                <a:shade val="100000"/>
+                <a:satMod val="130000"/>
+              </a:schemeClr>
+            </a:gs>
+            <a:gs pos="100000">
+              <a:schemeClr val="phClr">
+                <a:tint val="50000"/>
+                <a:shade val="100000"/>
+                <a:satMod val="350000"/>
+              </a:schemeClr>
+            </a:gs>
+          </a:gsLst>
+          <a:lin ang="16200000" scaled="0"/>
+        </a:gradFill>
+      </a:fillStyleLst>
+      <a:lnStyleLst>
+        <a:ln w="9525" cap="flat" cmpd="sng" algn="ctr">
+          <a:solidFill>
+            <a:schemeClr val="phClr">
+              <a:shade val="95000"/>
+              <a:satMod val="105000"/>
+            </a:schemeClr>
+          </a:solidFill>
+          <a:prstDash val="solid"/>
+        </a:ln>
+        <a:ln w="25400" cap="flat" cmpd="sng" algn="ctr">
+          <a:solidFill>
+            <a:schemeClr val="phClr"/>
+          </a:solidFill>
+          <a:prstDash val="solid"/>
+        </a:ln>
+        <a:ln w="38100" cap="flat" cmpd="sng" algn="ctr">
+          <a:solidFill>
+            <a:schemeClr val="phClr"/>
+          </a:solidFill>
+          <a:prstDash val="solid"/>
+        </a:ln>
+      </a:lnStyleLst>
+      <a:effectStyleLst>
+        <a:effectStyle>
+          <a:effectLst>
+            <a:outerShdw blurRad="40000" dist="20000" dir="5400000" rotWithShape="0">
+              <a:srgbClr val="000000">
+                <a:alpha val="38000"/>
+              </a:srgbClr>
+            </a:outerShdw>
+          </a:effectLst>
+        </a:effectStyle>
+        <a:effectStyle>
+          <a:effectLst>
+            <a:outerShdw blurRad="40000" dist="23000" dir="5400000" rotWithShape="0">
+              <a:srgbClr val="000000">
+                <a:alpha val="35000"/>
+              </a:srgbClr>
+            </a:outerShdw>
+          </a:effectLst>
+        </a:effectStyle>
+        <a:effectStyle>
+          <a:effectLst>
+            <a:outerShdw blurRad="40000" dist="23000" dir="5400000" rotWithShape="0">
+              <a:srgbClr val="000000">
+                <a:alpha val="35000"/>
+              </a:srgbClr>
+            </a:outerShdw>
+          </a:effectLst>
+          <a:scene3d>
+            <a:camera prst="orthographicFront">
+              <a:rot lat="0" lon="0" rev="0"/>
+            </a:camera>
+            <a:lightRig rig="threePt" dir="t">
+              <a:rot lat="0" lon="0" rev="1200000"/>
+            </a:lightRig>
+          </a:scene3d>
+          <a:sp3d>
+            <a:bevelT w="63500" h="25400"/>
+          </a:sp3d>
+        </a:effectStyle>
+      </a:effectStyleLst>
+      <a:bgFillStyleLst>
+        <a:solidFill>
+          <a:schemeClr val="phClr"/>
+        </a:solidFill>
+        <a:gradFill rotWithShape="1">
+          <a:gsLst>
+            <a:gs pos="0">
+              <a:schemeClr val="phClr">
+                <a:tint val="40000"/>
+                <a:satMod val="350000"/>
+              </a:schemeClr>
+            </a:gs>
+            <a:gs pos="40000">
+              <a:schemeClr val="phClr">
+                <a:tint val="45000"/>
+                <a:shade val="99000"/>
+                <a:satMod val="350000"/>
+              </a:schemeClr>
+            </a:gs>
+            <a:gs pos="100000">
+              <a:schemeClr val="phClr">
+                <a:shade val="20000"/>
+                <a:satMod val="255000"/>
+              </a:schemeClr>
+            </a:gs>
+          </a:gsLst>
+          <a:path path="circle">
+            <a:fillToRect l="50000" t="-80000" r="50000" b="180000"/>
+          </a:path>
+        </a:gradFill>
+        <a:gradFill rotWithShape="1">
+          <a:gsLst>
+            <a:gs pos="0">
+              <a:schemeClr val="phClr">
+                <a:tint val="80000"/>
+                <a:satMod val="300000"/>
+              </a:schemeClr>
+            </a:gs>
+            <a:gs pos="100000">
+              <a:schemeClr val="phClr">
+                <a:shade val="30000"/>
+                <a:satMod val="200000"/>
+              </a:schemeClr>
+            </a:gs>
+          </a:gsLst>
+          <a:path path="circle">
+            <a:fillToRect l="50000" t="50000" r="50000" b="50000"/>
+          </a:path>
+        </a:gradFill>
+      </a:bgFillStyleLst>
+    </a:fmtScheme>
+  </a:themeElements>
+</a:theme>
+</file>
+
+<file path=ppt/theme/theme2.xml><?xml version="1.0" encoding="utf-8"?>
 <a:theme xmlns:a="http://schemas.openxmlformats.org/drawingml/2006/main" xmlns:r="http://schemas.openxmlformats.org/officeDocument/2006/relationships">
   <a:themeElements>
     <a:clrScheme name="Default">
@@ -14599,283 +14878,4 @@
     </a:fmtScheme>
   </a:themeElements>
 </a:theme>
-</file>
-
-<file path=ppt/theme/theme2.xml><?xml version="1.0" encoding="utf-8"?>
-<a:theme xmlns:a="http://schemas.openxmlformats.org/drawingml/2006/main" xmlns:r="http://schemas.openxmlformats.org/officeDocument/2006/relationships" name="TUBraunschweig_PPT2007_Folienpool_pptx">
-  <a:themeElements>
-    <a:clrScheme name="TU Braunschweig">
-      <a:dk1>
-        <a:srgbClr val="000000"/>
-      </a:dk1>
-      <a:lt1>
-        <a:srgbClr val="FFFFFF"/>
-      </a:lt1>
-      <a:dk2>
-        <a:srgbClr val="000000"/>
-      </a:dk2>
-      <a:lt2>
-        <a:srgbClr val="DDDDDD"/>
-      </a:lt2>
-      <a:accent1>
-        <a:srgbClr val="BE1E3C"/>
-      </a:accent1>
-      <a:accent2>
-        <a:srgbClr val="4DA6CB"/>
-      </a:accent2>
-      <a:accent3>
-        <a:srgbClr val="ADBF4D"/>
-      </a:accent3>
-      <a:accent4>
-        <a:srgbClr val="FA6E00"/>
-      </a:accent4>
-      <a:accent5>
-        <a:srgbClr val="407E97"/>
-      </a:accent5>
-      <a:accent6>
-        <a:srgbClr val="984098"/>
-      </a:accent6>
-      <a:hlink>
-        <a:srgbClr val="BE1E3C"/>
-      </a:hlink>
-      <a:folHlink>
-        <a:srgbClr val="760054"/>
-      </a:folHlink>
-    </a:clrScheme>
-    <a:fontScheme name="Office">
-      <a:majorFont>
-        <a:latin typeface="Arial"/>
-        <a:ea typeface=""/>
-        <a:cs typeface=""/>
-        <a:font script="Jpan" typeface="ＭＳ Ｐゴシック"/>
-        <a:font script="Hang" typeface="맑은 고딕"/>
-        <a:font script="Hans" typeface="宋体"/>
-        <a:font script="Hant" typeface="新細明體"/>
-        <a:font script="Arab" typeface="Times New Roman"/>
-        <a:font script="Hebr" typeface="Times New Roman"/>
-        <a:font script="Thai" typeface="Angsana New"/>
-        <a:font script="Ethi" typeface="Nyala"/>
-        <a:font script="Beng" typeface="Vrinda"/>
-        <a:font script="Gujr" typeface="Shruti"/>
-        <a:font script="Khmr" typeface="MoolBoran"/>
-        <a:font script="Knda" typeface="Tunga"/>
-        <a:font script="Guru" typeface="Raavi"/>
-        <a:font script="Cans" typeface="Euphemia"/>
-        <a:font script="Cher" typeface="Plantagenet Cherokee"/>
-        <a:font script="Yiii" typeface="Microsoft Yi Baiti"/>
-        <a:font script="Tibt" typeface="Microsoft Himalaya"/>
-        <a:font script="Thaa" typeface="MV Boli"/>
-        <a:font script="Deva" typeface="Mangal"/>
-        <a:font script="Telu" typeface="Gautami"/>
-        <a:font script="Taml" typeface="Latha"/>
-        <a:font script="Syrc" typeface="Estrangelo Edessa"/>
-        <a:font script="Orya" typeface="Kalinga"/>
-        <a:font script="Mlym" typeface="Kartika"/>
-        <a:font script="Laoo" typeface="DokChampa"/>
-        <a:font script="Sinh" typeface="Iskoola Pota"/>
-        <a:font script="Mong" typeface="Mongolian Baiti"/>
-        <a:font script="Viet" typeface="Times New Roman"/>
-        <a:font script="Uigh" typeface="Microsoft Uighur"/>
-        <a:font script="Geor" typeface="Sylfaen"/>
-      </a:majorFont>
-      <a:minorFont>
-        <a:latin typeface="Arial"/>
-        <a:ea typeface=""/>
-        <a:cs typeface=""/>
-        <a:font script="Jpan" typeface="ＭＳ Ｐゴシック"/>
-        <a:font script="Hang" typeface="맑은 고딕"/>
-        <a:font script="Hans" typeface="宋体"/>
-        <a:font script="Hant" typeface="新細明體"/>
-        <a:font script="Arab" typeface="Arial"/>
-        <a:font script="Hebr" typeface="Arial"/>
-        <a:font script="Thai" typeface="Cordia New"/>
-        <a:font script="Ethi" typeface="Nyala"/>
-        <a:font script="Beng" typeface="Vrinda"/>
-        <a:font script="Gujr" typeface="Shruti"/>
-        <a:font script="Khmr" typeface="DaunPenh"/>
-        <a:font script="Knda" typeface="Tunga"/>
-        <a:font script="Guru" typeface="Raavi"/>
-        <a:font script="Cans" typeface="Euphemia"/>
-        <a:font script="Cher" typeface="Plantagenet Cherokee"/>
-        <a:font script="Yiii" typeface="Microsoft Yi Baiti"/>
-        <a:font script="Tibt" typeface="Microsoft Himalaya"/>
-        <a:font script="Thaa" typeface="MV Boli"/>
-        <a:font script="Deva" typeface="Mangal"/>
-        <a:font script="Telu" typeface="Gautami"/>
-        <a:font script="Taml" typeface="Latha"/>
-        <a:font script="Syrc" typeface="Estrangelo Edessa"/>
-        <a:font script="Orya" typeface="Kalinga"/>
-        <a:font script="Mlym" typeface="Kartika"/>
-        <a:font script="Laoo" typeface="DokChampa"/>
-        <a:font script="Sinh" typeface="Iskoola Pota"/>
-        <a:font script="Mong" typeface="Mongolian Baiti"/>
-        <a:font script="Viet" typeface="Arial"/>
-        <a:font script="Uigh" typeface="Microsoft Uighur"/>
-        <a:font script="Geor" typeface="Sylfaen"/>
-      </a:minorFont>
-    </a:fontScheme>
-    <a:fmtScheme name="Office">
-      <a:fillStyleLst>
-        <a:solidFill>
-          <a:schemeClr val="phClr"/>
-        </a:solidFill>
-        <a:gradFill rotWithShape="1">
-          <a:gsLst>
-            <a:gs pos="0">
-              <a:schemeClr val="phClr">
-                <a:tint val="50000"/>
-                <a:satMod val="300000"/>
-              </a:schemeClr>
-            </a:gs>
-            <a:gs pos="35000">
-              <a:schemeClr val="phClr">
-                <a:tint val="37000"/>
-                <a:satMod val="300000"/>
-              </a:schemeClr>
-            </a:gs>
-            <a:gs pos="100000">
-              <a:schemeClr val="phClr">
-                <a:tint val="15000"/>
-                <a:satMod val="350000"/>
-              </a:schemeClr>
-            </a:gs>
-          </a:gsLst>
-          <a:lin ang="16200000" scaled="1"/>
-        </a:gradFill>
-        <a:gradFill rotWithShape="1">
-          <a:gsLst>
-            <a:gs pos="0">
-              <a:schemeClr val="phClr">
-                <a:tint val="100000"/>
-                <a:shade val="100000"/>
-                <a:satMod val="130000"/>
-              </a:schemeClr>
-            </a:gs>
-            <a:gs pos="100000">
-              <a:schemeClr val="phClr">
-                <a:tint val="50000"/>
-                <a:shade val="100000"/>
-                <a:satMod val="350000"/>
-              </a:schemeClr>
-            </a:gs>
-          </a:gsLst>
-          <a:lin ang="16200000" scaled="0"/>
-        </a:gradFill>
-      </a:fillStyleLst>
-      <a:lnStyleLst>
-        <a:ln w="9525" cap="flat" cmpd="sng" algn="ctr">
-          <a:solidFill>
-            <a:schemeClr val="phClr">
-              <a:shade val="95000"/>
-              <a:satMod val="105000"/>
-            </a:schemeClr>
-          </a:solidFill>
-          <a:prstDash val="solid"/>
-        </a:ln>
-        <a:ln w="25400" cap="flat" cmpd="sng" algn="ctr">
-          <a:solidFill>
-            <a:schemeClr val="phClr"/>
-          </a:solidFill>
-          <a:prstDash val="solid"/>
-        </a:ln>
-        <a:ln w="38100" cap="flat" cmpd="sng" algn="ctr">
-          <a:solidFill>
-            <a:schemeClr val="phClr"/>
-          </a:solidFill>
-          <a:prstDash val="solid"/>
-        </a:ln>
-      </a:lnStyleLst>
-      <a:effectStyleLst>
-        <a:effectStyle>
-          <a:effectLst>
-            <a:outerShdw blurRad="40000" dist="20000" dir="5400000" rotWithShape="0">
-              <a:srgbClr val="000000">
-                <a:alpha val="38000"/>
-              </a:srgbClr>
-            </a:outerShdw>
-          </a:effectLst>
-        </a:effectStyle>
-        <a:effectStyle>
-          <a:effectLst>
-            <a:outerShdw blurRad="40000" dist="23000" dir="5400000" rotWithShape="0">
-              <a:srgbClr val="000000">
-                <a:alpha val="35000"/>
-              </a:srgbClr>
-            </a:outerShdw>
-          </a:effectLst>
-        </a:effectStyle>
-        <a:effectStyle>
-          <a:effectLst>
-            <a:outerShdw blurRad="40000" dist="23000" dir="5400000" rotWithShape="0">
-              <a:srgbClr val="000000">
-                <a:alpha val="35000"/>
-              </a:srgbClr>
-            </a:outerShdw>
-          </a:effectLst>
-          <a:scene3d>
-            <a:camera prst="orthographicFront">
-              <a:rot lat="0" lon="0" rev="0"/>
-            </a:camera>
-            <a:lightRig rig="threePt" dir="t">
-              <a:rot lat="0" lon="0" rev="1200000"/>
-            </a:lightRig>
-          </a:scene3d>
-          <a:sp3d>
-            <a:bevelT w="63500" h="25400"/>
-          </a:sp3d>
-        </a:effectStyle>
-      </a:effectStyleLst>
-      <a:bgFillStyleLst>
-        <a:solidFill>
-          <a:schemeClr val="phClr"/>
-        </a:solidFill>
-        <a:gradFill rotWithShape="1">
-          <a:gsLst>
-            <a:gs pos="0">
-              <a:schemeClr val="phClr">
-                <a:tint val="40000"/>
-                <a:satMod val="350000"/>
-              </a:schemeClr>
-            </a:gs>
-            <a:gs pos="40000">
-              <a:schemeClr val="phClr">
-                <a:tint val="45000"/>
-                <a:shade val="99000"/>
-                <a:satMod val="350000"/>
-              </a:schemeClr>
-            </a:gs>
-            <a:gs pos="100000">
-              <a:schemeClr val="phClr">
-                <a:shade val="20000"/>
-                <a:satMod val="255000"/>
-              </a:schemeClr>
-            </a:gs>
-          </a:gsLst>
-          <a:path path="circle">
-            <a:fillToRect l="50000" t="-80000" r="50000" b="180000"/>
-          </a:path>
-        </a:gradFill>
-        <a:gradFill rotWithShape="1">
-          <a:gsLst>
-            <a:gs pos="0">
-              <a:schemeClr val="phClr">
-                <a:tint val="80000"/>
-                <a:satMod val="300000"/>
-              </a:schemeClr>
-            </a:gs>
-            <a:gs pos="100000">
-              <a:schemeClr val="phClr">
-                <a:shade val="30000"/>
-                <a:satMod val="200000"/>
-              </a:schemeClr>
-            </a:gs>
-          </a:gsLst>
-          <a:path path="circle">
-            <a:fillToRect l="50000" t="50000" r="50000" b="50000"/>
-          </a:path>
-        </a:gradFill>
-      </a:bgFillStyleLst>
-    </a:fmtScheme>
-  </a:themeElements>
-</a:theme>
 </file>
--- a/slides/08_polymorphism_equals_toString_pbv_pbr.pptx
+++ b/slides/08_polymorphism_equals_toString_pbv_pbr.pptx
@@ -13045,7 +13045,7 @@
                 <a:cs typeface="Arial"/>
                 <a:sym typeface="Arial"/>
               </a:rPr>
-              <a:t>Zum Vergleich von Referenzdatentypen gibt es in Java die sog. equals-Methode in der “Object”-Klasse. Diese testet per default jedoch auch nur, ob die Referenzen auf das selbe Objekt verweisen. Daher muss diese Methode, falls ein anderes Verhalten gewünscht ist, überschrieben werden.</a:t>
+              <a:t>Zum Vergleich von Referenzdatentypen gibt es in Java die sog. equals-Methode in der “Object”-Klasse. Diese testet per default jedoch auch nur, ob die Referenzen auf dasselbe Objekt verweisen. Daher muss diese Methode, falls ein anderes Verhalten gewünscht ist, überschrieben werden.</a:t>
             </a:r>
             <a:endParaRPr b="0" i="0" sz="1600" u="none" cap="none" strike="noStrike">
               <a:solidFill>

--- a/slides/08_polymorphism_equals_toString_pbv_pbr.pptx
+++ b/slides/08_polymorphism_equals_toString_pbv_pbr.pptx
@@ -9059,7 +9059,7 @@
                 <a:cs typeface="Arial"/>
                 <a:sym typeface="Arial"/>
               </a:rPr>
-              <a:t>David Gemen und Andriyan Lapychak | Seite </a:t>
+              <a:t>David Gemen | Seite </a:t>
             </a:r>
             <a:fld id="{00000000-1234-1234-1234-123412341234}" type="slidenum">
               <a:rPr b="0" i="0" lang="de" sz="800" u="none" cap="none" strike="noStrike">
